--- a/詳細設計/画面設計.pptx
+++ b/詳細設計/画面設計.pptx
@@ -6,13 +6,17 @@
   </p:sldMasterIdLst>
   <p:sldIdLst>
     <p:sldId id="256" r:id="rId2"/>
-    <p:sldId id="258" r:id="rId3"/>
-    <p:sldId id="257" r:id="rId4"/>
-    <p:sldId id="259" r:id="rId5"/>
-    <p:sldId id="260" r:id="rId6"/>
-    <p:sldId id="261" r:id="rId7"/>
-    <p:sldId id="262" r:id="rId8"/>
-    <p:sldId id="263" r:id="rId9"/>
+    <p:sldId id="265" r:id="rId3"/>
+    <p:sldId id="264" r:id="rId4"/>
+    <p:sldId id="258" r:id="rId5"/>
+    <p:sldId id="257" r:id="rId6"/>
+    <p:sldId id="259" r:id="rId7"/>
+    <p:sldId id="260" r:id="rId8"/>
+    <p:sldId id="266" r:id="rId9"/>
+    <p:sldId id="261" r:id="rId10"/>
+    <p:sldId id="267" r:id="rId11"/>
+    <p:sldId id="262" r:id="rId12"/>
+    <p:sldId id="268" r:id="rId13"/>
   </p:sldIdLst>
   <p:sldSz cx="12192000" cy="6858000"/>
   <p:notesSz cx="6858000" cy="9144000"/>
@@ -4560,6 +4564,7 @@
           </a:bodyPr>
           <a:lstStyle/>
           <a:p>
+            <a:pPr algn="ctr"/>
             <a:r>
               <a:rPr kumimoji="1" lang="en-US" altLang="ja-JP" dirty="0"/>
               <a:t>HEALPY</a:t>
@@ -4873,6 +4878,2592 @@
     <p:extLst>
       <p:ext uri="{BB962C8B-B14F-4D97-AF65-F5344CB8AC3E}">
         <p14:creationId xmlns:p14="http://schemas.microsoft.com/office/powerpoint/2010/main" val="2631831256"/>
+      </p:ext>
+    </p:extLst>
+  </p:cSld>
+  <p:clrMapOvr>
+    <a:masterClrMapping/>
+  </p:clrMapOvr>
+</p:sld>
+</file>
+
+<file path=ppt/slides/slide10.xml><?xml version="1.0" encoding="utf-8"?>
+<p:sld xmlns:a="http://schemas.openxmlformats.org/drawingml/2006/main" xmlns:r="http://schemas.openxmlformats.org/officeDocument/2006/relationships" xmlns:p="http://schemas.openxmlformats.org/presentationml/2006/main">
+  <p:cSld>
+    <p:spTree>
+      <p:nvGrpSpPr>
+        <p:cNvPr id="1" name=""/>
+        <p:cNvGrpSpPr/>
+        <p:nvPr/>
+      </p:nvGrpSpPr>
+      <p:grpSpPr>
+        <a:xfrm>
+          <a:off x="0" y="0"/>
+          <a:ext cx="0" cy="0"/>
+          <a:chOff x="0" y="0"/>
+          <a:chExt cx="0" cy="0"/>
+        </a:xfrm>
+      </p:grpSpPr>
+      <p:sp>
+        <p:nvSpPr>
+          <p:cNvPr id="4" name="正方形/長方形 3">
+            <a:extLst>
+              <a:ext uri="{FF2B5EF4-FFF2-40B4-BE49-F238E27FC236}">
+                <a16:creationId xmlns:a16="http://schemas.microsoft.com/office/drawing/2014/main" id="{5B5E192D-A1F0-4BEE-9668-CECE31301453}"/>
+              </a:ext>
+            </a:extLst>
+          </p:cNvPr>
+          <p:cNvSpPr/>
+          <p:nvPr/>
+        </p:nvSpPr>
+        <p:spPr>
+          <a:xfrm>
+            <a:off x="0" y="0"/>
+            <a:ext cx="12192000" cy="868101"/>
+          </a:xfrm>
+          <a:prstGeom prst="rect">
+            <a:avLst/>
+          </a:prstGeom>
+          <a:ln>
+            <a:noFill/>
+          </a:ln>
+        </p:spPr>
+        <p:style>
+          <a:lnRef idx="2">
+            <a:schemeClr val="accent1">
+              <a:shade val="50000"/>
+            </a:schemeClr>
+          </a:lnRef>
+          <a:fillRef idx="1">
+            <a:schemeClr val="accent1"/>
+          </a:fillRef>
+          <a:effectRef idx="0">
+            <a:schemeClr val="accent1"/>
+          </a:effectRef>
+          <a:fontRef idx="minor">
+            <a:schemeClr val="lt1"/>
+          </a:fontRef>
+        </p:style>
+        <p:txBody>
+          <a:bodyPr rtlCol="0" anchor="ctr"/>
+          <a:lstStyle/>
+          <a:p>
+            <a:pPr algn="ctr"/>
+            <a:endParaRPr kumimoji="1" lang="ja-JP" altLang="en-US"/>
+          </a:p>
+        </p:txBody>
+      </p:sp>
+      <p:sp>
+        <p:nvSpPr>
+          <p:cNvPr id="6" name="テキスト ボックス 5">
+            <a:extLst>
+              <a:ext uri="{FF2B5EF4-FFF2-40B4-BE49-F238E27FC236}">
+                <a16:creationId xmlns:a16="http://schemas.microsoft.com/office/drawing/2014/main" id="{24492137-43AE-4FC9-8D70-BBBE850A1909}"/>
+              </a:ext>
+            </a:extLst>
+          </p:cNvPr>
+          <p:cNvSpPr txBox="1"/>
+          <p:nvPr/>
+        </p:nvSpPr>
+        <p:spPr>
+          <a:xfrm>
+            <a:off x="625033" y="172440"/>
+            <a:ext cx="2824223" cy="523220"/>
+          </a:xfrm>
+          <a:prstGeom prst="rect">
+            <a:avLst/>
+          </a:prstGeom>
+          <a:noFill/>
+        </p:spPr>
+        <p:txBody>
+          <a:bodyPr wrap="square" rtlCol="0">
+            <a:spAutoFit/>
+          </a:bodyPr>
+          <a:lstStyle/>
+          <a:p>
+            <a:r>
+              <a:rPr kumimoji="1" lang="en-US" altLang="ja-JP" sz="2800" b="1" dirty="0">
+                <a:solidFill>
+                  <a:schemeClr val="bg1"/>
+                </a:solidFill>
+              </a:rPr>
+              <a:t>HEALPY</a:t>
+            </a:r>
+            <a:endParaRPr kumimoji="1" lang="ja-JP" altLang="en-US" sz="2800" b="1" dirty="0">
+              <a:solidFill>
+                <a:schemeClr val="bg1"/>
+              </a:solidFill>
+            </a:endParaRPr>
+          </a:p>
+        </p:txBody>
+      </p:sp>
+      <p:pic>
+        <p:nvPicPr>
+          <p:cNvPr id="9" name="図 8">
+            <a:extLst>
+              <a:ext uri="{FF2B5EF4-FFF2-40B4-BE49-F238E27FC236}">
+                <a16:creationId xmlns:a16="http://schemas.microsoft.com/office/drawing/2014/main" id="{DC18CFA1-C217-4EAA-8D8C-DE07471FFF8C}"/>
+              </a:ext>
+            </a:extLst>
+          </p:cNvPr>
+          <p:cNvPicPr>
+            <a:picLocks noChangeAspect="1"/>
+          </p:cNvPicPr>
+          <p:nvPr/>
+        </p:nvPicPr>
+        <p:blipFill>
+          <a:blip r:embed="rId2">
+            <a:biLevel thresh="25000"/>
+            <a:extLst>
+              <a:ext uri="{28A0092B-C50C-407E-A947-70E740481C1C}">
+                <a14:useLocalDpi xmlns:a14="http://schemas.microsoft.com/office/drawing/2010/main" val="0"/>
+              </a:ext>
+            </a:extLst>
+          </a:blip>
+          <a:stretch>
+            <a:fillRect/>
+          </a:stretch>
+        </p:blipFill>
+        <p:spPr>
+          <a:xfrm>
+            <a:off x="11536101" y="302870"/>
+            <a:ext cx="392790" cy="392790"/>
+          </a:xfrm>
+          <a:prstGeom prst="rect">
+            <a:avLst/>
+          </a:prstGeom>
+        </p:spPr>
+      </p:pic>
+      <p:sp>
+        <p:nvSpPr>
+          <p:cNvPr id="10" name="テキスト ボックス 9">
+            <a:extLst>
+              <a:ext uri="{FF2B5EF4-FFF2-40B4-BE49-F238E27FC236}">
+                <a16:creationId xmlns:a16="http://schemas.microsoft.com/office/drawing/2014/main" id="{9935281B-B54F-4982-BECD-278051C5574F}"/>
+              </a:ext>
+            </a:extLst>
+          </p:cNvPr>
+          <p:cNvSpPr txBox="1"/>
+          <p:nvPr/>
+        </p:nvSpPr>
+        <p:spPr>
+          <a:xfrm>
+            <a:off x="6149054" y="434050"/>
+            <a:ext cx="891250" cy="338554"/>
+          </a:xfrm>
+          <a:prstGeom prst="rect">
+            <a:avLst/>
+          </a:prstGeom>
+          <a:noFill/>
+        </p:spPr>
+        <p:txBody>
+          <a:bodyPr wrap="square" rtlCol="0">
+            <a:spAutoFit/>
+          </a:bodyPr>
+          <a:lstStyle/>
+          <a:p>
+            <a:r>
+              <a:rPr kumimoji="1" lang="en-US" altLang="ja-JP" sz="1600" b="1" dirty="0">
+                <a:solidFill>
+                  <a:schemeClr val="bg1"/>
+                </a:solidFill>
+              </a:rPr>
+              <a:t>TOP</a:t>
+            </a:r>
+            <a:endParaRPr kumimoji="1" lang="ja-JP" altLang="en-US" sz="1600" b="1" dirty="0">
+              <a:solidFill>
+                <a:schemeClr val="bg1"/>
+              </a:solidFill>
+            </a:endParaRPr>
+          </a:p>
+        </p:txBody>
+      </p:sp>
+      <p:sp>
+        <p:nvSpPr>
+          <p:cNvPr id="11" name="テキスト ボックス 10">
+            <a:extLst>
+              <a:ext uri="{FF2B5EF4-FFF2-40B4-BE49-F238E27FC236}">
+                <a16:creationId xmlns:a16="http://schemas.microsoft.com/office/drawing/2014/main" id="{1C06A14A-AC86-4D80-A3EC-1AF5383A99A5}"/>
+              </a:ext>
+            </a:extLst>
+          </p:cNvPr>
+          <p:cNvSpPr txBox="1"/>
+          <p:nvPr/>
+        </p:nvSpPr>
+        <p:spPr>
+          <a:xfrm>
+            <a:off x="7040304" y="434050"/>
+            <a:ext cx="1840373" cy="338554"/>
+          </a:xfrm>
+          <a:prstGeom prst="rect">
+            <a:avLst/>
+          </a:prstGeom>
+          <a:noFill/>
+        </p:spPr>
+        <p:txBody>
+          <a:bodyPr wrap="square" rtlCol="0">
+            <a:spAutoFit/>
+          </a:bodyPr>
+          <a:lstStyle/>
+          <a:p>
+            <a:r>
+              <a:rPr kumimoji="1" lang="ja-JP" altLang="en-US" sz="1600" b="1" dirty="0">
+                <a:solidFill>
+                  <a:schemeClr val="bg1"/>
+                </a:solidFill>
+              </a:rPr>
+              <a:t>健康チェック</a:t>
+            </a:r>
+          </a:p>
+        </p:txBody>
+      </p:sp>
+      <p:sp>
+        <p:nvSpPr>
+          <p:cNvPr id="12" name="テキスト ボックス 11">
+            <a:extLst>
+              <a:ext uri="{FF2B5EF4-FFF2-40B4-BE49-F238E27FC236}">
+                <a16:creationId xmlns:a16="http://schemas.microsoft.com/office/drawing/2014/main" id="{438E1E90-0FBD-4658-9908-0C5629C9704A}"/>
+              </a:ext>
+            </a:extLst>
+          </p:cNvPr>
+          <p:cNvSpPr txBox="1"/>
+          <p:nvPr/>
+        </p:nvSpPr>
+        <p:spPr>
+          <a:xfrm>
+            <a:off x="8693768" y="434050"/>
+            <a:ext cx="891250" cy="338554"/>
+          </a:xfrm>
+          <a:prstGeom prst="rect">
+            <a:avLst/>
+          </a:prstGeom>
+          <a:noFill/>
+        </p:spPr>
+        <p:txBody>
+          <a:bodyPr wrap="square" rtlCol="0">
+            <a:spAutoFit/>
+          </a:bodyPr>
+          <a:lstStyle/>
+          <a:p>
+            <a:r>
+              <a:rPr kumimoji="1" lang="ja-JP" altLang="en-US" sz="1600" b="1" dirty="0">
+                <a:solidFill>
+                  <a:schemeClr val="bg1"/>
+                </a:solidFill>
+              </a:rPr>
+              <a:t>レシピ</a:t>
+            </a:r>
+          </a:p>
+        </p:txBody>
+      </p:sp>
+      <p:sp>
+        <p:nvSpPr>
+          <p:cNvPr id="13" name="テキスト ボックス 12">
+            <a:extLst>
+              <a:ext uri="{FF2B5EF4-FFF2-40B4-BE49-F238E27FC236}">
+                <a16:creationId xmlns:a16="http://schemas.microsoft.com/office/drawing/2014/main" id="{AD1550D3-4F22-4D88-A1B0-888372E2494A}"/>
+              </a:ext>
+            </a:extLst>
+          </p:cNvPr>
+          <p:cNvSpPr txBox="1"/>
+          <p:nvPr/>
+        </p:nvSpPr>
+        <p:spPr>
+          <a:xfrm>
+            <a:off x="9848127" y="413402"/>
+            <a:ext cx="1593446" cy="338554"/>
+          </a:xfrm>
+          <a:prstGeom prst="rect">
+            <a:avLst/>
+          </a:prstGeom>
+          <a:noFill/>
+        </p:spPr>
+        <p:txBody>
+          <a:bodyPr wrap="square" rtlCol="0">
+            <a:spAutoFit/>
+          </a:bodyPr>
+          <a:lstStyle/>
+          <a:p>
+            <a:r>
+              <a:rPr kumimoji="1" lang="ja-JP" altLang="en-US" sz="1600" b="1" dirty="0">
+                <a:solidFill>
+                  <a:schemeClr val="bg1"/>
+                </a:solidFill>
+              </a:rPr>
+              <a:t>マイページ</a:t>
+            </a:r>
+          </a:p>
+        </p:txBody>
+      </p:sp>
+      <p:sp>
+        <p:nvSpPr>
+          <p:cNvPr id="15" name="テキスト ボックス 14">
+            <a:extLst>
+              <a:ext uri="{FF2B5EF4-FFF2-40B4-BE49-F238E27FC236}">
+                <a16:creationId xmlns:a16="http://schemas.microsoft.com/office/drawing/2014/main" id="{1F3EE160-1F31-43B9-AC02-8FCA2AB6FF22}"/>
+              </a:ext>
+            </a:extLst>
+          </p:cNvPr>
+          <p:cNvSpPr txBox="1"/>
+          <p:nvPr/>
+        </p:nvSpPr>
+        <p:spPr>
+          <a:xfrm>
+            <a:off x="5362443" y="1478660"/>
+            <a:ext cx="1467114" cy="369332"/>
+          </a:xfrm>
+          <a:prstGeom prst="rect">
+            <a:avLst/>
+          </a:prstGeom>
+          <a:noFill/>
+        </p:spPr>
+        <p:txBody>
+          <a:bodyPr wrap="square" rtlCol="0">
+            <a:spAutoFit/>
+          </a:bodyPr>
+          <a:lstStyle/>
+          <a:p>
+            <a:r>
+              <a:rPr lang="ja-JP" altLang="en-US" dirty="0"/>
+              <a:t>マイページ</a:t>
+            </a:r>
+            <a:endParaRPr kumimoji="1" lang="ja-JP" altLang="en-US" dirty="0"/>
+          </a:p>
+        </p:txBody>
+      </p:sp>
+      <p:cxnSp>
+        <p:nvCxnSpPr>
+          <p:cNvPr id="17" name="直線コネクタ 16">
+            <a:extLst>
+              <a:ext uri="{FF2B5EF4-FFF2-40B4-BE49-F238E27FC236}">
+                <a16:creationId xmlns:a16="http://schemas.microsoft.com/office/drawing/2014/main" id="{445CBDB6-5C5F-4A41-9AB1-938A280B7720}"/>
+              </a:ext>
+            </a:extLst>
+          </p:cNvPr>
+          <p:cNvCxnSpPr>
+            <a:cxnSpLocks/>
+          </p:cNvCxnSpPr>
+          <p:nvPr/>
+        </p:nvCxnSpPr>
+        <p:spPr>
+          <a:xfrm>
+            <a:off x="1192192" y="1943489"/>
+            <a:ext cx="9688011" cy="0"/>
+          </a:xfrm>
+          <a:prstGeom prst="line">
+            <a:avLst/>
+          </a:prstGeom>
+        </p:spPr>
+        <p:style>
+          <a:lnRef idx="1">
+            <a:schemeClr val="accent1"/>
+          </a:lnRef>
+          <a:fillRef idx="0">
+            <a:schemeClr val="accent1"/>
+          </a:fillRef>
+          <a:effectRef idx="0">
+            <a:schemeClr val="accent1"/>
+          </a:effectRef>
+          <a:fontRef idx="minor">
+            <a:schemeClr val="tx1"/>
+          </a:fontRef>
+        </p:style>
+      </p:cxnSp>
+      <p:sp>
+        <p:nvSpPr>
+          <p:cNvPr id="20" name="正方形/長方形 19">
+            <a:extLst>
+              <a:ext uri="{FF2B5EF4-FFF2-40B4-BE49-F238E27FC236}">
+                <a16:creationId xmlns:a16="http://schemas.microsoft.com/office/drawing/2014/main" id="{C9072788-EF8C-40A6-BCC2-90E23DEC89B4}"/>
+              </a:ext>
+            </a:extLst>
+          </p:cNvPr>
+          <p:cNvSpPr/>
+          <p:nvPr/>
+        </p:nvSpPr>
+        <p:spPr>
+          <a:xfrm>
+            <a:off x="0" y="6327388"/>
+            <a:ext cx="12192000" cy="530612"/>
+          </a:xfrm>
+          <a:prstGeom prst="rect">
+            <a:avLst/>
+          </a:prstGeom>
+          <a:ln>
+            <a:noFill/>
+          </a:ln>
+        </p:spPr>
+        <p:style>
+          <a:lnRef idx="2">
+            <a:schemeClr val="accent1">
+              <a:shade val="50000"/>
+            </a:schemeClr>
+          </a:lnRef>
+          <a:fillRef idx="1">
+            <a:schemeClr val="accent1"/>
+          </a:fillRef>
+          <a:effectRef idx="0">
+            <a:schemeClr val="accent1"/>
+          </a:effectRef>
+          <a:fontRef idx="minor">
+            <a:schemeClr val="lt1"/>
+          </a:fontRef>
+        </p:style>
+        <p:txBody>
+          <a:bodyPr rtlCol="0" anchor="ctr"/>
+          <a:lstStyle/>
+          <a:p>
+            <a:pPr algn="ctr"/>
+            <a:endParaRPr kumimoji="1" lang="ja-JP" altLang="en-US"/>
+          </a:p>
+        </p:txBody>
+      </p:sp>
+      <p:sp>
+        <p:nvSpPr>
+          <p:cNvPr id="21" name="テキスト ボックス 20">
+            <a:extLst>
+              <a:ext uri="{FF2B5EF4-FFF2-40B4-BE49-F238E27FC236}">
+                <a16:creationId xmlns:a16="http://schemas.microsoft.com/office/drawing/2014/main" id="{AC67675B-023A-46E8-B64B-9CD43D16825B}"/>
+              </a:ext>
+            </a:extLst>
+          </p:cNvPr>
+          <p:cNvSpPr txBox="1"/>
+          <p:nvPr/>
+        </p:nvSpPr>
+        <p:spPr>
+          <a:xfrm>
+            <a:off x="7451025" y="6443432"/>
+            <a:ext cx="1695917" cy="276999"/>
+          </a:xfrm>
+          <a:prstGeom prst="rect">
+            <a:avLst/>
+          </a:prstGeom>
+          <a:noFill/>
+        </p:spPr>
+        <p:txBody>
+          <a:bodyPr wrap="square" rtlCol="0">
+            <a:spAutoFit/>
+          </a:bodyPr>
+          <a:lstStyle/>
+          <a:p>
+            <a:r>
+              <a:rPr kumimoji="1" lang="ja-JP" altLang="en-US" sz="1200" dirty="0">
+                <a:solidFill>
+                  <a:schemeClr val="bg1"/>
+                </a:solidFill>
+              </a:rPr>
+              <a:t>利用規約</a:t>
+            </a:r>
+          </a:p>
+        </p:txBody>
+      </p:sp>
+      <p:sp>
+        <p:nvSpPr>
+          <p:cNvPr id="22" name="テキスト ボックス 21">
+            <a:extLst>
+              <a:ext uri="{FF2B5EF4-FFF2-40B4-BE49-F238E27FC236}">
+                <a16:creationId xmlns:a16="http://schemas.microsoft.com/office/drawing/2014/main" id="{73BA08FE-0562-4AA5-B705-3A4B42B6DBEA}"/>
+              </a:ext>
+            </a:extLst>
+          </p:cNvPr>
+          <p:cNvSpPr txBox="1"/>
+          <p:nvPr/>
+        </p:nvSpPr>
+        <p:spPr>
+          <a:xfrm>
+            <a:off x="8563824" y="6453889"/>
+            <a:ext cx="2515377" cy="276999"/>
+          </a:xfrm>
+          <a:prstGeom prst="rect">
+            <a:avLst/>
+          </a:prstGeom>
+          <a:noFill/>
+        </p:spPr>
+        <p:txBody>
+          <a:bodyPr wrap="square" rtlCol="0">
+            <a:spAutoFit/>
+          </a:bodyPr>
+          <a:lstStyle/>
+          <a:p>
+            <a:r>
+              <a:rPr kumimoji="1" lang="ja-JP" altLang="en-US" sz="1200" dirty="0">
+                <a:solidFill>
+                  <a:schemeClr val="bg1"/>
+                </a:solidFill>
+              </a:rPr>
+              <a:t>プライバシーポリシー</a:t>
+            </a:r>
+          </a:p>
+        </p:txBody>
+      </p:sp>
+      <p:sp>
+        <p:nvSpPr>
+          <p:cNvPr id="23" name="テキスト ボックス 22">
+            <a:extLst>
+              <a:ext uri="{FF2B5EF4-FFF2-40B4-BE49-F238E27FC236}">
+                <a16:creationId xmlns:a16="http://schemas.microsoft.com/office/drawing/2014/main" id="{95920364-145E-4633-85DB-876D7E7CE75B}"/>
+              </a:ext>
+            </a:extLst>
+          </p:cNvPr>
+          <p:cNvSpPr txBox="1"/>
+          <p:nvPr/>
+        </p:nvSpPr>
+        <p:spPr>
+          <a:xfrm>
+            <a:off x="10644850" y="6464346"/>
+            <a:ext cx="1695917" cy="276999"/>
+          </a:xfrm>
+          <a:prstGeom prst="rect">
+            <a:avLst/>
+          </a:prstGeom>
+          <a:noFill/>
+        </p:spPr>
+        <p:txBody>
+          <a:bodyPr wrap="square" rtlCol="0">
+            <a:spAutoFit/>
+          </a:bodyPr>
+          <a:lstStyle/>
+          <a:p>
+            <a:r>
+              <a:rPr kumimoji="1" lang="ja-JP" altLang="en-US" sz="1200" dirty="0">
+                <a:solidFill>
+                  <a:schemeClr val="bg1"/>
+                </a:solidFill>
+              </a:rPr>
+              <a:t>運営会社</a:t>
+            </a:r>
+          </a:p>
+        </p:txBody>
+      </p:sp>
+      <p:cxnSp>
+        <p:nvCxnSpPr>
+          <p:cNvPr id="8" name="直線コネクタ 7">
+            <a:extLst>
+              <a:ext uri="{FF2B5EF4-FFF2-40B4-BE49-F238E27FC236}">
+                <a16:creationId xmlns:a16="http://schemas.microsoft.com/office/drawing/2014/main" id="{3E333F03-B2C3-4B40-A2EE-B5C4F89B126B}"/>
+              </a:ext>
+            </a:extLst>
+          </p:cNvPr>
+          <p:cNvCxnSpPr/>
+          <p:nvPr/>
+        </p:nvCxnSpPr>
+        <p:spPr>
+          <a:xfrm>
+            <a:off x="2680094" y="2786743"/>
+            <a:ext cx="6466848" cy="0"/>
+          </a:xfrm>
+          <a:prstGeom prst="line">
+            <a:avLst/>
+          </a:prstGeom>
+          <a:ln>
+            <a:solidFill>
+              <a:schemeClr val="bg2">
+                <a:lumMod val="90000"/>
+              </a:schemeClr>
+            </a:solidFill>
+          </a:ln>
+        </p:spPr>
+        <p:style>
+          <a:lnRef idx="1">
+            <a:schemeClr val="accent1"/>
+          </a:lnRef>
+          <a:fillRef idx="0">
+            <a:schemeClr val="accent1"/>
+          </a:fillRef>
+          <a:effectRef idx="0">
+            <a:schemeClr val="accent1"/>
+          </a:effectRef>
+          <a:fontRef idx="minor">
+            <a:schemeClr val="tx1"/>
+          </a:fontRef>
+        </p:style>
+      </p:cxnSp>
+      <p:cxnSp>
+        <p:nvCxnSpPr>
+          <p:cNvPr id="29" name="直線コネクタ 28">
+            <a:extLst>
+              <a:ext uri="{FF2B5EF4-FFF2-40B4-BE49-F238E27FC236}">
+                <a16:creationId xmlns:a16="http://schemas.microsoft.com/office/drawing/2014/main" id="{7A2E7156-539C-4CF3-AA8B-C08E458882D8}"/>
+              </a:ext>
+            </a:extLst>
+          </p:cNvPr>
+          <p:cNvCxnSpPr/>
+          <p:nvPr/>
+        </p:nvCxnSpPr>
+        <p:spPr>
+          <a:xfrm>
+            <a:off x="2680094" y="3487057"/>
+            <a:ext cx="6466848" cy="0"/>
+          </a:xfrm>
+          <a:prstGeom prst="line">
+            <a:avLst/>
+          </a:prstGeom>
+          <a:ln>
+            <a:solidFill>
+              <a:schemeClr val="bg2">
+                <a:lumMod val="90000"/>
+              </a:schemeClr>
+            </a:solidFill>
+          </a:ln>
+        </p:spPr>
+        <p:style>
+          <a:lnRef idx="1">
+            <a:schemeClr val="accent1"/>
+          </a:lnRef>
+          <a:fillRef idx="0">
+            <a:schemeClr val="accent1"/>
+          </a:fillRef>
+          <a:effectRef idx="0">
+            <a:schemeClr val="accent1"/>
+          </a:effectRef>
+          <a:fontRef idx="minor">
+            <a:schemeClr val="tx1"/>
+          </a:fontRef>
+        </p:style>
+      </p:cxnSp>
+      <p:cxnSp>
+        <p:nvCxnSpPr>
+          <p:cNvPr id="30" name="直線コネクタ 29">
+            <a:extLst>
+              <a:ext uri="{FF2B5EF4-FFF2-40B4-BE49-F238E27FC236}">
+                <a16:creationId xmlns:a16="http://schemas.microsoft.com/office/drawing/2014/main" id="{60A76D0F-1BCB-47B2-81B6-7564C54FD737}"/>
+              </a:ext>
+            </a:extLst>
+          </p:cNvPr>
+          <p:cNvCxnSpPr/>
+          <p:nvPr/>
+        </p:nvCxnSpPr>
+        <p:spPr>
+          <a:xfrm>
+            <a:off x="2680094" y="4256314"/>
+            <a:ext cx="6466848" cy="0"/>
+          </a:xfrm>
+          <a:prstGeom prst="line">
+            <a:avLst/>
+          </a:prstGeom>
+          <a:ln>
+            <a:solidFill>
+              <a:schemeClr val="bg2">
+                <a:lumMod val="90000"/>
+              </a:schemeClr>
+            </a:solidFill>
+          </a:ln>
+        </p:spPr>
+        <p:style>
+          <a:lnRef idx="1">
+            <a:schemeClr val="accent1"/>
+          </a:lnRef>
+          <a:fillRef idx="0">
+            <a:schemeClr val="accent1"/>
+          </a:fillRef>
+          <a:effectRef idx="0">
+            <a:schemeClr val="accent1"/>
+          </a:effectRef>
+          <a:fontRef idx="minor">
+            <a:schemeClr val="tx1"/>
+          </a:fontRef>
+        </p:style>
+      </p:cxnSp>
+      <p:sp>
+        <p:nvSpPr>
+          <p:cNvPr id="2" name="テキスト ボックス 1">
+            <a:extLst>
+              <a:ext uri="{FF2B5EF4-FFF2-40B4-BE49-F238E27FC236}">
+                <a16:creationId xmlns:a16="http://schemas.microsoft.com/office/drawing/2014/main" id="{23FD1119-2B19-45DC-B185-C18559F468DD}"/>
+              </a:ext>
+            </a:extLst>
+          </p:cNvPr>
+          <p:cNvSpPr txBox="1"/>
+          <p:nvPr/>
+        </p:nvSpPr>
+        <p:spPr>
+          <a:xfrm>
+            <a:off x="2680094" y="2417736"/>
+            <a:ext cx="2046889" cy="369332"/>
+          </a:xfrm>
+          <a:prstGeom prst="rect">
+            <a:avLst/>
+          </a:prstGeom>
+          <a:noFill/>
+        </p:spPr>
+        <p:txBody>
+          <a:bodyPr wrap="square" rtlCol="0">
+            <a:spAutoFit/>
+          </a:bodyPr>
+          <a:lstStyle/>
+          <a:p>
+            <a:pPr algn="ctr"/>
+            <a:r>
+              <a:rPr kumimoji="1" lang="ja-JP" altLang="en-US" dirty="0"/>
+              <a:t>ユーザー情報</a:t>
+            </a:r>
+          </a:p>
+        </p:txBody>
+      </p:sp>
+      <p:sp>
+        <p:nvSpPr>
+          <p:cNvPr id="24" name="テキスト ボックス 23">
+            <a:extLst>
+              <a:ext uri="{FF2B5EF4-FFF2-40B4-BE49-F238E27FC236}">
+                <a16:creationId xmlns:a16="http://schemas.microsoft.com/office/drawing/2014/main" id="{7CDE0C96-F265-4243-84AC-73847FD66105}"/>
+              </a:ext>
+            </a:extLst>
+          </p:cNvPr>
+          <p:cNvSpPr txBox="1"/>
+          <p:nvPr/>
+        </p:nvSpPr>
+        <p:spPr>
+          <a:xfrm>
+            <a:off x="2680094" y="3148318"/>
+            <a:ext cx="2682349" cy="369332"/>
+          </a:xfrm>
+          <a:prstGeom prst="rect">
+            <a:avLst/>
+          </a:prstGeom>
+          <a:noFill/>
+        </p:spPr>
+        <p:txBody>
+          <a:bodyPr wrap="square" rtlCol="0">
+            <a:spAutoFit/>
+          </a:bodyPr>
+          <a:lstStyle/>
+          <a:p>
+            <a:pPr algn="ctr"/>
+            <a:r>
+              <a:rPr kumimoji="1" lang="ja-JP" altLang="en-US" dirty="0"/>
+              <a:t>ユーザー情報の変更</a:t>
+            </a:r>
+            <a:endParaRPr kumimoji="1" lang="en-US" altLang="ja-JP" dirty="0"/>
+          </a:p>
+        </p:txBody>
+      </p:sp>
+      <p:sp>
+        <p:nvSpPr>
+          <p:cNvPr id="25" name="テキスト ボックス 24">
+            <a:extLst>
+              <a:ext uri="{FF2B5EF4-FFF2-40B4-BE49-F238E27FC236}">
+                <a16:creationId xmlns:a16="http://schemas.microsoft.com/office/drawing/2014/main" id="{A59DEDDC-989F-44DA-A947-3B4F2BB4E718}"/>
+              </a:ext>
+            </a:extLst>
+          </p:cNvPr>
+          <p:cNvSpPr txBox="1"/>
+          <p:nvPr/>
+        </p:nvSpPr>
+        <p:spPr>
+          <a:xfrm>
+            <a:off x="2680094" y="3886982"/>
+            <a:ext cx="2046889" cy="369332"/>
+          </a:xfrm>
+          <a:prstGeom prst="rect">
+            <a:avLst/>
+          </a:prstGeom>
+          <a:noFill/>
+        </p:spPr>
+        <p:txBody>
+          <a:bodyPr wrap="square" rtlCol="0">
+            <a:spAutoFit/>
+          </a:bodyPr>
+          <a:lstStyle/>
+          <a:p>
+            <a:pPr algn="ctr"/>
+            <a:r>
+              <a:rPr lang="ja-JP" altLang="en-US" dirty="0"/>
+              <a:t>ログアウト</a:t>
+            </a:r>
+            <a:endParaRPr kumimoji="1" lang="ja-JP" altLang="en-US" dirty="0"/>
+          </a:p>
+        </p:txBody>
+      </p:sp>
+    </p:spTree>
+    <p:extLst>
+      <p:ext uri="{BB962C8B-B14F-4D97-AF65-F5344CB8AC3E}">
+        <p14:creationId xmlns:p14="http://schemas.microsoft.com/office/powerpoint/2010/main" val="2788701022"/>
+      </p:ext>
+    </p:extLst>
+  </p:cSld>
+  <p:clrMapOvr>
+    <a:masterClrMapping/>
+  </p:clrMapOvr>
+</p:sld>
+</file>
+
+<file path=ppt/slides/slide11.xml><?xml version="1.0" encoding="utf-8"?>
+<p:sld xmlns:a="http://schemas.openxmlformats.org/drawingml/2006/main" xmlns:r="http://schemas.openxmlformats.org/officeDocument/2006/relationships" xmlns:p="http://schemas.openxmlformats.org/presentationml/2006/main">
+  <p:cSld>
+    <p:spTree>
+      <p:nvGrpSpPr>
+        <p:cNvPr id="1" name=""/>
+        <p:cNvGrpSpPr/>
+        <p:nvPr/>
+      </p:nvGrpSpPr>
+      <p:grpSpPr>
+        <a:xfrm>
+          <a:off x="0" y="0"/>
+          <a:ext cx="0" cy="0"/>
+          <a:chOff x="0" y="0"/>
+          <a:chExt cx="0" cy="0"/>
+        </a:xfrm>
+      </p:grpSpPr>
+      <p:sp>
+        <p:nvSpPr>
+          <p:cNvPr id="4" name="正方形/長方形 3">
+            <a:extLst>
+              <a:ext uri="{FF2B5EF4-FFF2-40B4-BE49-F238E27FC236}">
+                <a16:creationId xmlns:a16="http://schemas.microsoft.com/office/drawing/2014/main" id="{5B5E192D-A1F0-4BEE-9668-CECE31301453}"/>
+              </a:ext>
+            </a:extLst>
+          </p:cNvPr>
+          <p:cNvSpPr/>
+          <p:nvPr/>
+        </p:nvSpPr>
+        <p:spPr>
+          <a:xfrm>
+            <a:off x="0" y="0"/>
+            <a:ext cx="12192000" cy="868101"/>
+          </a:xfrm>
+          <a:prstGeom prst="rect">
+            <a:avLst/>
+          </a:prstGeom>
+          <a:ln>
+            <a:noFill/>
+          </a:ln>
+        </p:spPr>
+        <p:style>
+          <a:lnRef idx="2">
+            <a:schemeClr val="accent1">
+              <a:shade val="50000"/>
+            </a:schemeClr>
+          </a:lnRef>
+          <a:fillRef idx="1">
+            <a:schemeClr val="accent1"/>
+          </a:fillRef>
+          <a:effectRef idx="0">
+            <a:schemeClr val="accent1"/>
+          </a:effectRef>
+          <a:fontRef idx="minor">
+            <a:schemeClr val="lt1"/>
+          </a:fontRef>
+        </p:style>
+        <p:txBody>
+          <a:bodyPr rtlCol="0" anchor="ctr"/>
+          <a:lstStyle/>
+          <a:p>
+            <a:pPr algn="ctr"/>
+            <a:endParaRPr kumimoji="1" lang="ja-JP" altLang="en-US"/>
+          </a:p>
+        </p:txBody>
+      </p:sp>
+      <p:sp>
+        <p:nvSpPr>
+          <p:cNvPr id="6" name="テキスト ボックス 5">
+            <a:extLst>
+              <a:ext uri="{FF2B5EF4-FFF2-40B4-BE49-F238E27FC236}">
+                <a16:creationId xmlns:a16="http://schemas.microsoft.com/office/drawing/2014/main" id="{24492137-43AE-4FC9-8D70-BBBE850A1909}"/>
+              </a:ext>
+            </a:extLst>
+          </p:cNvPr>
+          <p:cNvSpPr txBox="1"/>
+          <p:nvPr/>
+        </p:nvSpPr>
+        <p:spPr>
+          <a:xfrm>
+            <a:off x="625033" y="172440"/>
+            <a:ext cx="2824223" cy="523220"/>
+          </a:xfrm>
+          <a:prstGeom prst="rect">
+            <a:avLst/>
+          </a:prstGeom>
+          <a:noFill/>
+        </p:spPr>
+        <p:txBody>
+          <a:bodyPr wrap="square" rtlCol="0">
+            <a:spAutoFit/>
+          </a:bodyPr>
+          <a:lstStyle/>
+          <a:p>
+            <a:r>
+              <a:rPr kumimoji="1" lang="en-US" altLang="ja-JP" sz="2800" b="1" dirty="0">
+                <a:solidFill>
+                  <a:schemeClr val="bg1"/>
+                </a:solidFill>
+              </a:rPr>
+              <a:t>HEALPY</a:t>
+            </a:r>
+            <a:endParaRPr kumimoji="1" lang="ja-JP" altLang="en-US" sz="2800" b="1" dirty="0">
+              <a:solidFill>
+                <a:schemeClr val="bg1"/>
+              </a:solidFill>
+            </a:endParaRPr>
+          </a:p>
+        </p:txBody>
+      </p:sp>
+      <p:pic>
+        <p:nvPicPr>
+          <p:cNvPr id="9" name="図 8">
+            <a:extLst>
+              <a:ext uri="{FF2B5EF4-FFF2-40B4-BE49-F238E27FC236}">
+                <a16:creationId xmlns:a16="http://schemas.microsoft.com/office/drawing/2014/main" id="{DC18CFA1-C217-4EAA-8D8C-DE07471FFF8C}"/>
+              </a:ext>
+            </a:extLst>
+          </p:cNvPr>
+          <p:cNvPicPr>
+            <a:picLocks noChangeAspect="1"/>
+          </p:cNvPicPr>
+          <p:nvPr/>
+        </p:nvPicPr>
+        <p:blipFill>
+          <a:blip r:embed="rId2">
+            <a:biLevel thresh="25000"/>
+            <a:extLst>
+              <a:ext uri="{28A0092B-C50C-407E-A947-70E740481C1C}">
+                <a14:useLocalDpi xmlns:a14="http://schemas.microsoft.com/office/drawing/2010/main" val="0"/>
+              </a:ext>
+            </a:extLst>
+          </a:blip>
+          <a:stretch>
+            <a:fillRect/>
+          </a:stretch>
+        </p:blipFill>
+        <p:spPr>
+          <a:xfrm>
+            <a:off x="11536101" y="302870"/>
+            <a:ext cx="392790" cy="392790"/>
+          </a:xfrm>
+          <a:prstGeom prst="rect">
+            <a:avLst/>
+          </a:prstGeom>
+        </p:spPr>
+      </p:pic>
+      <p:sp>
+        <p:nvSpPr>
+          <p:cNvPr id="10" name="テキスト ボックス 9">
+            <a:extLst>
+              <a:ext uri="{FF2B5EF4-FFF2-40B4-BE49-F238E27FC236}">
+                <a16:creationId xmlns:a16="http://schemas.microsoft.com/office/drawing/2014/main" id="{9935281B-B54F-4982-BECD-278051C5574F}"/>
+              </a:ext>
+            </a:extLst>
+          </p:cNvPr>
+          <p:cNvSpPr txBox="1"/>
+          <p:nvPr/>
+        </p:nvSpPr>
+        <p:spPr>
+          <a:xfrm>
+            <a:off x="6149054" y="434050"/>
+            <a:ext cx="891250" cy="338554"/>
+          </a:xfrm>
+          <a:prstGeom prst="rect">
+            <a:avLst/>
+          </a:prstGeom>
+          <a:noFill/>
+        </p:spPr>
+        <p:txBody>
+          <a:bodyPr wrap="square" rtlCol="0">
+            <a:spAutoFit/>
+          </a:bodyPr>
+          <a:lstStyle/>
+          <a:p>
+            <a:r>
+              <a:rPr kumimoji="1" lang="en-US" altLang="ja-JP" sz="1600" b="1" dirty="0">
+                <a:solidFill>
+                  <a:schemeClr val="bg1"/>
+                </a:solidFill>
+              </a:rPr>
+              <a:t>TOP</a:t>
+            </a:r>
+            <a:endParaRPr kumimoji="1" lang="ja-JP" altLang="en-US" sz="1600" b="1" dirty="0">
+              <a:solidFill>
+                <a:schemeClr val="bg1"/>
+              </a:solidFill>
+            </a:endParaRPr>
+          </a:p>
+        </p:txBody>
+      </p:sp>
+      <p:sp>
+        <p:nvSpPr>
+          <p:cNvPr id="11" name="テキスト ボックス 10">
+            <a:extLst>
+              <a:ext uri="{FF2B5EF4-FFF2-40B4-BE49-F238E27FC236}">
+                <a16:creationId xmlns:a16="http://schemas.microsoft.com/office/drawing/2014/main" id="{1C06A14A-AC86-4D80-A3EC-1AF5383A99A5}"/>
+              </a:ext>
+            </a:extLst>
+          </p:cNvPr>
+          <p:cNvSpPr txBox="1"/>
+          <p:nvPr/>
+        </p:nvSpPr>
+        <p:spPr>
+          <a:xfrm>
+            <a:off x="7040304" y="434050"/>
+            <a:ext cx="1840373" cy="338554"/>
+          </a:xfrm>
+          <a:prstGeom prst="rect">
+            <a:avLst/>
+          </a:prstGeom>
+          <a:noFill/>
+        </p:spPr>
+        <p:txBody>
+          <a:bodyPr wrap="square" rtlCol="0">
+            <a:spAutoFit/>
+          </a:bodyPr>
+          <a:lstStyle/>
+          <a:p>
+            <a:r>
+              <a:rPr kumimoji="1" lang="ja-JP" altLang="en-US" sz="1600" b="1" dirty="0">
+                <a:solidFill>
+                  <a:schemeClr val="bg1"/>
+                </a:solidFill>
+              </a:rPr>
+              <a:t>健康チェック</a:t>
+            </a:r>
+          </a:p>
+        </p:txBody>
+      </p:sp>
+      <p:sp>
+        <p:nvSpPr>
+          <p:cNvPr id="12" name="テキスト ボックス 11">
+            <a:extLst>
+              <a:ext uri="{FF2B5EF4-FFF2-40B4-BE49-F238E27FC236}">
+                <a16:creationId xmlns:a16="http://schemas.microsoft.com/office/drawing/2014/main" id="{438E1E90-0FBD-4658-9908-0C5629C9704A}"/>
+              </a:ext>
+            </a:extLst>
+          </p:cNvPr>
+          <p:cNvSpPr txBox="1"/>
+          <p:nvPr/>
+        </p:nvSpPr>
+        <p:spPr>
+          <a:xfrm>
+            <a:off x="8693768" y="434050"/>
+            <a:ext cx="891250" cy="338554"/>
+          </a:xfrm>
+          <a:prstGeom prst="rect">
+            <a:avLst/>
+          </a:prstGeom>
+          <a:noFill/>
+        </p:spPr>
+        <p:txBody>
+          <a:bodyPr wrap="square" rtlCol="0">
+            <a:spAutoFit/>
+          </a:bodyPr>
+          <a:lstStyle/>
+          <a:p>
+            <a:r>
+              <a:rPr kumimoji="1" lang="ja-JP" altLang="en-US" sz="1600" b="1" dirty="0">
+                <a:solidFill>
+                  <a:schemeClr val="bg1"/>
+                </a:solidFill>
+              </a:rPr>
+              <a:t>レシピ</a:t>
+            </a:r>
+          </a:p>
+        </p:txBody>
+      </p:sp>
+      <p:sp>
+        <p:nvSpPr>
+          <p:cNvPr id="13" name="テキスト ボックス 12">
+            <a:extLst>
+              <a:ext uri="{FF2B5EF4-FFF2-40B4-BE49-F238E27FC236}">
+                <a16:creationId xmlns:a16="http://schemas.microsoft.com/office/drawing/2014/main" id="{AD1550D3-4F22-4D88-A1B0-888372E2494A}"/>
+              </a:ext>
+            </a:extLst>
+          </p:cNvPr>
+          <p:cNvSpPr txBox="1"/>
+          <p:nvPr/>
+        </p:nvSpPr>
+        <p:spPr>
+          <a:xfrm>
+            <a:off x="9848127" y="413402"/>
+            <a:ext cx="1593446" cy="338554"/>
+          </a:xfrm>
+          <a:prstGeom prst="rect">
+            <a:avLst/>
+          </a:prstGeom>
+          <a:noFill/>
+        </p:spPr>
+        <p:txBody>
+          <a:bodyPr wrap="square" rtlCol="0">
+            <a:spAutoFit/>
+          </a:bodyPr>
+          <a:lstStyle/>
+          <a:p>
+            <a:r>
+              <a:rPr kumimoji="1" lang="ja-JP" altLang="en-US" sz="1600" b="1" dirty="0">
+                <a:solidFill>
+                  <a:schemeClr val="bg1"/>
+                </a:solidFill>
+              </a:rPr>
+              <a:t>マイページ</a:t>
+            </a:r>
+          </a:p>
+        </p:txBody>
+      </p:sp>
+      <p:sp>
+        <p:nvSpPr>
+          <p:cNvPr id="15" name="テキスト ボックス 14">
+            <a:extLst>
+              <a:ext uri="{FF2B5EF4-FFF2-40B4-BE49-F238E27FC236}">
+                <a16:creationId xmlns:a16="http://schemas.microsoft.com/office/drawing/2014/main" id="{1F3EE160-1F31-43B9-AC02-8FCA2AB6FF22}"/>
+              </a:ext>
+            </a:extLst>
+          </p:cNvPr>
+          <p:cNvSpPr txBox="1"/>
+          <p:nvPr/>
+        </p:nvSpPr>
+        <p:spPr>
+          <a:xfrm>
+            <a:off x="5362443" y="1478660"/>
+            <a:ext cx="1467114" cy="369332"/>
+          </a:xfrm>
+          <a:prstGeom prst="rect">
+            <a:avLst/>
+          </a:prstGeom>
+          <a:noFill/>
+        </p:spPr>
+        <p:txBody>
+          <a:bodyPr wrap="square" rtlCol="0">
+            <a:spAutoFit/>
+          </a:bodyPr>
+          <a:lstStyle/>
+          <a:p>
+            <a:r>
+              <a:rPr lang="ja-JP" altLang="en-US" dirty="0"/>
+              <a:t>マイページ</a:t>
+            </a:r>
+            <a:endParaRPr kumimoji="1" lang="ja-JP" altLang="en-US" dirty="0"/>
+          </a:p>
+        </p:txBody>
+      </p:sp>
+      <p:cxnSp>
+        <p:nvCxnSpPr>
+          <p:cNvPr id="17" name="直線コネクタ 16">
+            <a:extLst>
+              <a:ext uri="{FF2B5EF4-FFF2-40B4-BE49-F238E27FC236}">
+                <a16:creationId xmlns:a16="http://schemas.microsoft.com/office/drawing/2014/main" id="{445CBDB6-5C5F-4A41-9AB1-938A280B7720}"/>
+              </a:ext>
+            </a:extLst>
+          </p:cNvPr>
+          <p:cNvCxnSpPr>
+            <a:cxnSpLocks/>
+          </p:cNvCxnSpPr>
+          <p:nvPr/>
+        </p:nvCxnSpPr>
+        <p:spPr>
+          <a:xfrm>
+            <a:off x="1192192" y="1943489"/>
+            <a:ext cx="9688011" cy="0"/>
+          </a:xfrm>
+          <a:prstGeom prst="line">
+            <a:avLst/>
+          </a:prstGeom>
+        </p:spPr>
+        <p:style>
+          <a:lnRef idx="1">
+            <a:schemeClr val="accent1"/>
+          </a:lnRef>
+          <a:fillRef idx="0">
+            <a:schemeClr val="accent1"/>
+          </a:fillRef>
+          <a:effectRef idx="0">
+            <a:schemeClr val="accent1"/>
+          </a:effectRef>
+          <a:fontRef idx="minor">
+            <a:schemeClr val="tx1"/>
+          </a:fontRef>
+        </p:style>
+      </p:cxnSp>
+      <p:sp>
+        <p:nvSpPr>
+          <p:cNvPr id="58" name="テキスト ボックス 57">
+            <a:extLst>
+              <a:ext uri="{FF2B5EF4-FFF2-40B4-BE49-F238E27FC236}">
+                <a16:creationId xmlns:a16="http://schemas.microsoft.com/office/drawing/2014/main" id="{FC01D6EC-4BE4-43F8-AD94-5DA91684F9F2}"/>
+              </a:ext>
+            </a:extLst>
+          </p:cNvPr>
+          <p:cNvSpPr txBox="1"/>
+          <p:nvPr/>
+        </p:nvSpPr>
+        <p:spPr>
+          <a:xfrm>
+            <a:off x="2680094" y="2396041"/>
+            <a:ext cx="2124134" cy="2600712"/>
+          </a:xfrm>
+          <a:prstGeom prst="rect">
+            <a:avLst/>
+          </a:prstGeom>
+          <a:noFill/>
+        </p:spPr>
+        <p:txBody>
+          <a:bodyPr wrap="square" rtlCol="0">
+            <a:spAutoFit/>
+          </a:bodyPr>
+          <a:lstStyle/>
+          <a:p>
+            <a:r>
+              <a:rPr kumimoji="1" lang="ja-JP" altLang="en-US" dirty="0"/>
+              <a:t>名前</a:t>
+            </a:r>
+            <a:endParaRPr kumimoji="1" lang="en-US" altLang="ja-JP" dirty="0"/>
+          </a:p>
+          <a:p>
+            <a:endParaRPr lang="en-US" altLang="ja-JP" sz="1100" dirty="0"/>
+          </a:p>
+          <a:p>
+            <a:endParaRPr lang="en-US" altLang="ja-JP" dirty="0"/>
+          </a:p>
+          <a:p>
+            <a:r>
+              <a:rPr kumimoji="1" lang="ja-JP" altLang="en-US" dirty="0"/>
+              <a:t>メールアドレス</a:t>
+            </a:r>
+            <a:endParaRPr kumimoji="1" lang="en-US" altLang="ja-JP" dirty="0"/>
+          </a:p>
+          <a:p>
+            <a:endParaRPr lang="en-US" altLang="ja-JP" sz="1100" dirty="0"/>
+          </a:p>
+          <a:p>
+            <a:endParaRPr lang="en-US" altLang="ja-JP" dirty="0"/>
+          </a:p>
+          <a:p>
+            <a:r>
+              <a:rPr kumimoji="1" lang="ja-JP" altLang="en-US" dirty="0"/>
+              <a:t>生年月日</a:t>
+            </a:r>
+            <a:endParaRPr kumimoji="1" lang="en-US" altLang="ja-JP" dirty="0"/>
+          </a:p>
+          <a:p>
+            <a:endParaRPr lang="en-US" altLang="ja-JP" dirty="0"/>
+          </a:p>
+          <a:p>
+            <a:r>
+              <a:rPr lang="ja-JP" altLang="en-US" sz="1100" dirty="0"/>
+              <a:t>　　　・</a:t>
+            </a:r>
+            <a:endParaRPr lang="en-US" altLang="ja-JP" sz="1100" dirty="0"/>
+          </a:p>
+          <a:p>
+            <a:r>
+              <a:rPr lang="ja-JP" altLang="en-US" sz="1100" dirty="0"/>
+              <a:t>　　　・</a:t>
+            </a:r>
+            <a:endParaRPr lang="en-US" altLang="ja-JP" sz="1100" dirty="0"/>
+          </a:p>
+          <a:p>
+            <a:r>
+              <a:rPr lang="ja-JP" altLang="en-US" sz="1100" dirty="0"/>
+              <a:t>　　　・</a:t>
+            </a:r>
+            <a:endParaRPr lang="en-US" altLang="ja-JP" sz="1100" dirty="0"/>
+          </a:p>
+        </p:txBody>
+      </p:sp>
+      <p:sp>
+        <p:nvSpPr>
+          <p:cNvPr id="20" name="正方形/長方形 19">
+            <a:extLst>
+              <a:ext uri="{FF2B5EF4-FFF2-40B4-BE49-F238E27FC236}">
+                <a16:creationId xmlns:a16="http://schemas.microsoft.com/office/drawing/2014/main" id="{C9072788-EF8C-40A6-BCC2-90E23DEC89B4}"/>
+              </a:ext>
+            </a:extLst>
+          </p:cNvPr>
+          <p:cNvSpPr/>
+          <p:nvPr/>
+        </p:nvSpPr>
+        <p:spPr>
+          <a:xfrm>
+            <a:off x="0" y="6327388"/>
+            <a:ext cx="12192000" cy="530612"/>
+          </a:xfrm>
+          <a:prstGeom prst="rect">
+            <a:avLst/>
+          </a:prstGeom>
+          <a:ln>
+            <a:noFill/>
+          </a:ln>
+        </p:spPr>
+        <p:style>
+          <a:lnRef idx="2">
+            <a:schemeClr val="accent1">
+              <a:shade val="50000"/>
+            </a:schemeClr>
+          </a:lnRef>
+          <a:fillRef idx="1">
+            <a:schemeClr val="accent1"/>
+          </a:fillRef>
+          <a:effectRef idx="0">
+            <a:schemeClr val="accent1"/>
+          </a:effectRef>
+          <a:fontRef idx="minor">
+            <a:schemeClr val="lt1"/>
+          </a:fontRef>
+        </p:style>
+        <p:txBody>
+          <a:bodyPr rtlCol="0" anchor="ctr"/>
+          <a:lstStyle/>
+          <a:p>
+            <a:pPr algn="ctr"/>
+            <a:endParaRPr kumimoji="1" lang="ja-JP" altLang="en-US"/>
+          </a:p>
+        </p:txBody>
+      </p:sp>
+      <p:sp>
+        <p:nvSpPr>
+          <p:cNvPr id="21" name="テキスト ボックス 20">
+            <a:extLst>
+              <a:ext uri="{FF2B5EF4-FFF2-40B4-BE49-F238E27FC236}">
+                <a16:creationId xmlns:a16="http://schemas.microsoft.com/office/drawing/2014/main" id="{AC67675B-023A-46E8-B64B-9CD43D16825B}"/>
+              </a:ext>
+            </a:extLst>
+          </p:cNvPr>
+          <p:cNvSpPr txBox="1"/>
+          <p:nvPr/>
+        </p:nvSpPr>
+        <p:spPr>
+          <a:xfrm>
+            <a:off x="7451025" y="6443432"/>
+            <a:ext cx="1695917" cy="276999"/>
+          </a:xfrm>
+          <a:prstGeom prst="rect">
+            <a:avLst/>
+          </a:prstGeom>
+          <a:noFill/>
+        </p:spPr>
+        <p:txBody>
+          <a:bodyPr wrap="square" rtlCol="0">
+            <a:spAutoFit/>
+          </a:bodyPr>
+          <a:lstStyle/>
+          <a:p>
+            <a:r>
+              <a:rPr kumimoji="1" lang="ja-JP" altLang="en-US" sz="1200" dirty="0">
+                <a:solidFill>
+                  <a:schemeClr val="bg1"/>
+                </a:solidFill>
+              </a:rPr>
+              <a:t>利用規約</a:t>
+            </a:r>
+          </a:p>
+        </p:txBody>
+      </p:sp>
+      <p:sp>
+        <p:nvSpPr>
+          <p:cNvPr id="22" name="テキスト ボックス 21">
+            <a:extLst>
+              <a:ext uri="{FF2B5EF4-FFF2-40B4-BE49-F238E27FC236}">
+                <a16:creationId xmlns:a16="http://schemas.microsoft.com/office/drawing/2014/main" id="{73BA08FE-0562-4AA5-B705-3A4B42B6DBEA}"/>
+              </a:ext>
+            </a:extLst>
+          </p:cNvPr>
+          <p:cNvSpPr txBox="1"/>
+          <p:nvPr/>
+        </p:nvSpPr>
+        <p:spPr>
+          <a:xfrm>
+            <a:off x="8563824" y="6453889"/>
+            <a:ext cx="2515377" cy="276999"/>
+          </a:xfrm>
+          <a:prstGeom prst="rect">
+            <a:avLst/>
+          </a:prstGeom>
+          <a:noFill/>
+        </p:spPr>
+        <p:txBody>
+          <a:bodyPr wrap="square" rtlCol="0">
+            <a:spAutoFit/>
+          </a:bodyPr>
+          <a:lstStyle/>
+          <a:p>
+            <a:r>
+              <a:rPr kumimoji="1" lang="ja-JP" altLang="en-US" sz="1200" dirty="0">
+                <a:solidFill>
+                  <a:schemeClr val="bg1"/>
+                </a:solidFill>
+              </a:rPr>
+              <a:t>プライバシーポリシー</a:t>
+            </a:r>
+          </a:p>
+        </p:txBody>
+      </p:sp>
+      <p:sp>
+        <p:nvSpPr>
+          <p:cNvPr id="23" name="テキスト ボックス 22">
+            <a:extLst>
+              <a:ext uri="{FF2B5EF4-FFF2-40B4-BE49-F238E27FC236}">
+                <a16:creationId xmlns:a16="http://schemas.microsoft.com/office/drawing/2014/main" id="{95920364-145E-4633-85DB-876D7E7CE75B}"/>
+              </a:ext>
+            </a:extLst>
+          </p:cNvPr>
+          <p:cNvSpPr txBox="1"/>
+          <p:nvPr/>
+        </p:nvSpPr>
+        <p:spPr>
+          <a:xfrm>
+            <a:off x="10644850" y="6464346"/>
+            <a:ext cx="1695917" cy="276999"/>
+          </a:xfrm>
+          <a:prstGeom prst="rect">
+            <a:avLst/>
+          </a:prstGeom>
+          <a:noFill/>
+        </p:spPr>
+        <p:txBody>
+          <a:bodyPr wrap="square" rtlCol="0">
+            <a:spAutoFit/>
+          </a:bodyPr>
+          <a:lstStyle/>
+          <a:p>
+            <a:r>
+              <a:rPr kumimoji="1" lang="ja-JP" altLang="en-US" sz="1200" dirty="0">
+                <a:solidFill>
+                  <a:schemeClr val="bg1"/>
+                </a:solidFill>
+              </a:rPr>
+              <a:t>運営会社</a:t>
+            </a:r>
+          </a:p>
+        </p:txBody>
+      </p:sp>
+      <p:cxnSp>
+        <p:nvCxnSpPr>
+          <p:cNvPr id="8" name="直線コネクタ 7">
+            <a:extLst>
+              <a:ext uri="{FF2B5EF4-FFF2-40B4-BE49-F238E27FC236}">
+                <a16:creationId xmlns:a16="http://schemas.microsoft.com/office/drawing/2014/main" id="{3E333F03-B2C3-4B40-A2EE-B5C4F89B126B}"/>
+              </a:ext>
+            </a:extLst>
+          </p:cNvPr>
+          <p:cNvCxnSpPr/>
+          <p:nvPr/>
+        </p:nvCxnSpPr>
+        <p:spPr>
+          <a:xfrm>
+            <a:off x="2680094" y="2786743"/>
+            <a:ext cx="6466848" cy="0"/>
+          </a:xfrm>
+          <a:prstGeom prst="line">
+            <a:avLst/>
+          </a:prstGeom>
+          <a:ln>
+            <a:solidFill>
+              <a:schemeClr val="bg2">
+                <a:lumMod val="90000"/>
+              </a:schemeClr>
+            </a:solidFill>
+          </a:ln>
+        </p:spPr>
+        <p:style>
+          <a:lnRef idx="1">
+            <a:schemeClr val="accent1"/>
+          </a:lnRef>
+          <a:fillRef idx="0">
+            <a:schemeClr val="accent1"/>
+          </a:fillRef>
+          <a:effectRef idx="0">
+            <a:schemeClr val="accent1"/>
+          </a:effectRef>
+          <a:fontRef idx="minor">
+            <a:schemeClr val="tx1"/>
+          </a:fontRef>
+        </p:style>
+      </p:cxnSp>
+      <p:cxnSp>
+        <p:nvCxnSpPr>
+          <p:cNvPr id="29" name="直線コネクタ 28">
+            <a:extLst>
+              <a:ext uri="{FF2B5EF4-FFF2-40B4-BE49-F238E27FC236}">
+                <a16:creationId xmlns:a16="http://schemas.microsoft.com/office/drawing/2014/main" id="{7A2E7156-539C-4CF3-AA8B-C08E458882D8}"/>
+              </a:ext>
+            </a:extLst>
+          </p:cNvPr>
+          <p:cNvCxnSpPr/>
+          <p:nvPr/>
+        </p:nvCxnSpPr>
+        <p:spPr>
+          <a:xfrm>
+            <a:off x="2680094" y="3487057"/>
+            <a:ext cx="6466848" cy="0"/>
+          </a:xfrm>
+          <a:prstGeom prst="line">
+            <a:avLst/>
+          </a:prstGeom>
+          <a:ln>
+            <a:solidFill>
+              <a:schemeClr val="bg2">
+                <a:lumMod val="90000"/>
+              </a:schemeClr>
+            </a:solidFill>
+          </a:ln>
+        </p:spPr>
+        <p:style>
+          <a:lnRef idx="1">
+            <a:schemeClr val="accent1"/>
+          </a:lnRef>
+          <a:fillRef idx="0">
+            <a:schemeClr val="accent1"/>
+          </a:fillRef>
+          <a:effectRef idx="0">
+            <a:schemeClr val="accent1"/>
+          </a:effectRef>
+          <a:fontRef idx="minor">
+            <a:schemeClr val="tx1"/>
+          </a:fontRef>
+        </p:style>
+      </p:cxnSp>
+      <p:cxnSp>
+        <p:nvCxnSpPr>
+          <p:cNvPr id="30" name="直線コネクタ 29">
+            <a:extLst>
+              <a:ext uri="{FF2B5EF4-FFF2-40B4-BE49-F238E27FC236}">
+                <a16:creationId xmlns:a16="http://schemas.microsoft.com/office/drawing/2014/main" id="{60A76D0F-1BCB-47B2-81B6-7564C54FD737}"/>
+              </a:ext>
+            </a:extLst>
+          </p:cNvPr>
+          <p:cNvCxnSpPr/>
+          <p:nvPr/>
+        </p:nvCxnSpPr>
+        <p:spPr>
+          <a:xfrm>
+            <a:off x="2680094" y="4256314"/>
+            <a:ext cx="6466848" cy="0"/>
+          </a:xfrm>
+          <a:prstGeom prst="line">
+            <a:avLst/>
+          </a:prstGeom>
+          <a:ln>
+            <a:solidFill>
+              <a:schemeClr val="bg2">
+                <a:lumMod val="90000"/>
+              </a:schemeClr>
+            </a:solidFill>
+          </a:ln>
+        </p:spPr>
+        <p:style>
+          <a:lnRef idx="1">
+            <a:schemeClr val="accent1"/>
+          </a:lnRef>
+          <a:fillRef idx="0">
+            <a:schemeClr val="accent1"/>
+          </a:fillRef>
+          <a:effectRef idx="0">
+            <a:schemeClr val="accent1"/>
+          </a:effectRef>
+          <a:fontRef idx="minor">
+            <a:schemeClr val="tx1"/>
+          </a:fontRef>
+        </p:style>
+      </p:cxnSp>
+      <p:cxnSp>
+        <p:nvCxnSpPr>
+          <p:cNvPr id="32" name="直線コネクタ 31">
+            <a:extLst>
+              <a:ext uri="{FF2B5EF4-FFF2-40B4-BE49-F238E27FC236}">
+                <a16:creationId xmlns:a16="http://schemas.microsoft.com/office/drawing/2014/main" id="{6C2B9C80-70B3-4A75-A2CA-8417E7CE4AC7}"/>
+              </a:ext>
+            </a:extLst>
+          </p:cNvPr>
+          <p:cNvCxnSpPr/>
+          <p:nvPr/>
+        </p:nvCxnSpPr>
+        <p:spPr>
+          <a:xfrm>
+            <a:off x="2680094" y="5083629"/>
+            <a:ext cx="6466848" cy="0"/>
+          </a:xfrm>
+          <a:prstGeom prst="line">
+            <a:avLst/>
+          </a:prstGeom>
+          <a:ln>
+            <a:solidFill>
+              <a:schemeClr val="bg2">
+                <a:lumMod val="90000"/>
+              </a:schemeClr>
+            </a:solidFill>
+          </a:ln>
+        </p:spPr>
+        <p:style>
+          <a:lnRef idx="1">
+            <a:schemeClr val="accent1"/>
+          </a:lnRef>
+          <a:fillRef idx="0">
+            <a:schemeClr val="accent1"/>
+          </a:fillRef>
+          <a:effectRef idx="0">
+            <a:schemeClr val="accent1"/>
+          </a:effectRef>
+          <a:fontRef idx="minor">
+            <a:schemeClr val="tx1"/>
+          </a:fontRef>
+        </p:style>
+      </p:cxnSp>
+      <p:sp>
+        <p:nvSpPr>
+          <p:cNvPr id="33" name="四角形: 角を丸くする 32">
+            <a:extLst>
+              <a:ext uri="{FF2B5EF4-FFF2-40B4-BE49-F238E27FC236}">
+                <a16:creationId xmlns:a16="http://schemas.microsoft.com/office/drawing/2014/main" id="{E73B78BA-D7FC-421B-9853-BE8FA3F2A2AC}"/>
+              </a:ext>
+            </a:extLst>
+          </p:cNvPr>
+          <p:cNvSpPr/>
+          <p:nvPr/>
+        </p:nvSpPr>
+        <p:spPr>
+          <a:xfrm>
+            <a:off x="5014735" y="5484134"/>
+            <a:ext cx="2268638" cy="486136"/>
+          </a:xfrm>
+          <a:prstGeom prst="roundRect">
+            <a:avLst/>
+          </a:prstGeom>
+          <a:solidFill>
+            <a:schemeClr val="accent1">
+              <a:lumMod val="60000"/>
+              <a:lumOff val="40000"/>
+            </a:schemeClr>
+          </a:solidFill>
+          <a:ln>
+            <a:noFill/>
+          </a:ln>
+        </p:spPr>
+        <p:style>
+          <a:lnRef idx="2">
+            <a:schemeClr val="accent1">
+              <a:shade val="50000"/>
+            </a:schemeClr>
+          </a:lnRef>
+          <a:fillRef idx="1">
+            <a:schemeClr val="accent1"/>
+          </a:fillRef>
+          <a:effectRef idx="0">
+            <a:schemeClr val="accent1"/>
+          </a:effectRef>
+          <a:fontRef idx="minor">
+            <a:schemeClr val="lt1"/>
+          </a:fontRef>
+        </p:style>
+        <p:txBody>
+          <a:bodyPr rtlCol="0" anchor="ctr"/>
+          <a:lstStyle/>
+          <a:p>
+            <a:pPr algn="ctr"/>
+            <a:r>
+              <a:rPr kumimoji="1" lang="ja-JP" altLang="en-US" b="1" dirty="0"/>
+              <a:t>変更する</a:t>
+            </a:r>
+          </a:p>
+        </p:txBody>
+      </p:sp>
+    </p:spTree>
+    <p:extLst>
+      <p:ext uri="{BB962C8B-B14F-4D97-AF65-F5344CB8AC3E}">
+        <p14:creationId xmlns:p14="http://schemas.microsoft.com/office/powerpoint/2010/main" val="866190950"/>
+      </p:ext>
+    </p:extLst>
+  </p:cSld>
+  <p:clrMapOvr>
+    <a:masterClrMapping/>
+  </p:clrMapOvr>
+</p:sld>
+</file>
+
+<file path=ppt/slides/slide12.xml><?xml version="1.0" encoding="utf-8"?>
+<p:sld xmlns:a="http://schemas.openxmlformats.org/drawingml/2006/main" xmlns:r="http://schemas.openxmlformats.org/officeDocument/2006/relationships" xmlns:p="http://schemas.openxmlformats.org/presentationml/2006/main">
+  <p:cSld>
+    <p:spTree>
+      <p:nvGrpSpPr>
+        <p:cNvPr id="1" name=""/>
+        <p:cNvGrpSpPr/>
+        <p:nvPr/>
+      </p:nvGrpSpPr>
+      <p:grpSpPr>
+        <a:xfrm>
+          <a:off x="0" y="0"/>
+          <a:ext cx="0" cy="0"/>
+          <a:chOff x="0" y="0"/>
+          <a:chExt cx="0" cy="0"/>
+        </a:xfrm>
+      </p:grpSpPr>
+      <p:sp>
+        <p:nvSpPr>
+          <p:cNvPr id="4" name="正方形/長方形 3">
+            <a:extLst>
+              <a:ext uri="{FF2B5EF4-FFF2-40B4-BE49-F238E27FC236}">
+                <a16:creationId xmlns:a16="http://schemas.microsoft.com/office/drawing/2014/main" id="{5B5E192D-A1F0-4BEE-9668-CECE31301453}"/>
+              </a:ext>
+            </a:extLst>
+          </p:cNvPr>
+          <p:cNvSpPr/>
+          <p:nvPr/>
+        </p:nvSpPr>
+        <p:spPr>
+          <a:xfrm>
+            <a:off x="0" y="0"/>
+            <a:ext cx="12192000" cy="868101"/>
+          </a:xfrm>
+          <a:prstGeom prst="rect">
+            <a:avLst/>
+          </a:prstGeom>
+          <a:ln>
+            <a:noFill/>
+          </a:ln>
+        </p:spPr>
+        <p:style>
+          <a:lnRef idx="2">
+            <a:schemeClr val="accent1">
+              <a:shade val="50000"/>
+            </a:schemeClr>
+          </a:lnRef>
+          <a:fillRef idx="1">
+            <a:schemeClr val="accent1"/>
+          </a:fillRef>
+          <a:effectRef idx="0">
+            <a:schemeClr val="accent1"/>
+          </a:effectRef>
+          <a:fontRef idx="minor">
+            <a:schemeClr val="lt1"/>
+          </a:fontRef>
+        </p:style>
+        <p:txBody>
+          <a:bodyPr rtlCol="0" anchor="ctr"/>
+          <a:lstStyle/>
+          <a:p>
+            <a:pPr algn="ctr"/>
+            <a:endParaRPr kumimoji="1" lang="ja-JP" altLang="en-US"/>
+          </a:p>
+        </p:txBody>
+      </p:sp>
+      <p:sp>
+        <p:nvSpPr>
+          <p:cNvPr id="6" name="テキスト ボックス 5">
+            <a:extLst>
+              <a:ext uri="{FF2B5EF4-FFF2-40B4-BE49-F238E27FC236}">
+                <a16:creationId xmlns:a16="http://schemas.microsoft.com/office/drawing/2014/main" id="{24492137-43AE-4FC9-8D70-BBBE850A1909}"/>
+              </a:ext>
+            </a:extLst>
+          </p:cNvPr>
+          <p:cNvSpPr txBox="1"/>
+          <p:nvPr/>
+        </p:nvSpPr>
+        <p:spPr>
+          <a:xfrm>
+            <a:off x="625033" y="172440"/>
+            <a:ext cx="2824223" cy="523220"/>
+          </a:xfrm>
+          <a:prstGeom prst="rect">
+            <a:avLst/>
+          </a:prstGeom>
+          <a:noFill/>
+        </p:spPr>
+        <p:txBody>
+          <a:bodyPr wrap="square" rtlCol="0">
+            <a:spAutoFit/>
+          </a:bodyPr>
+          <a:lstStyle/>
+          <a:p>
+            <a:r>
+              <a:rPr kumimoji="1" lang="en-US" altLang="ja-JP" sz="2800" b="1" dirty="0">
+                <a:solidFill>
+                  <a:schemeClr val="bg1"/>
+                </a:solidFill>
+              </a:rPr>
+              <a:t>HEALPY</a:t>
+            </a:r>
+            <a:endParaRPr kumimoji="1" lang="ja-JP" altLang="en-US" sz="2800" b="1" dirty="0">
+              <a:solidFill>
+                <a:schemeClr val="bg1"/>
+              </a:solidFill>
+            </a:endParaRPr>
+          </a:p>
+        </p:txBody>
+      </p:sp>
+      <p:pic>
+        <p:nvPicPr>
+          <p:cNvPr id="9" name="図 8">
+            <a:extLst>
+              <a:ext uri="{FF2B5EF4-FFF2-40B4-BE49-F238E27FC236}">
+                <a16:creationId xmlns:a16="http://schemas.microsoft.com/office/drawing/2014/main" id="{DC18CFA1-C217-4EAA-8D8C-DE07471FFF8C}"/>
+              </a:ext>
+            </a:extLst>
+          </p:cNvPr>
+          <p:cNvPicPr>
+            <a:picLocks noChangeAspect="1"/>
+          </p:cNvPicPr>
+          <p:nvPr/>
+        </p:nvPicPr>
+        <p:blipFill>
+          <a:blip r:embed="rId2">
+            <a:biLevel thresh="25000"/>
+            <a:extLst>
+              <a:ext uri="{28A0092B-C50C-407E-A947-70E740481C1C}">
+                <a14:useLocalDpi xmlns:a14="http://schemas.microsoft.com/office/drawing/2010/main" val="0"/>
+              </a:ext>
+            </a:extLst>
+          </a:blip>
+          <a:stretch>
+            <a:fillRect/>
+          </a:stretch>
+        </p:blipFill>
+        <p:spPr>
+          <a:xfrm>
+            <a:off x="11536101" y="302870"/>
+            <a:ext cx="392790" cy="392790"/>
+          </a:xfrm>
+          <a:prstGeom prst="rect">
+            <a:avLst/>
+          </a:prstGeom>
+        </p:spPr>
+      </p:pic>
+      <p:sp>
+        <p:nvSpPr>
+          <p:cNvPr id="10" name="テキスト ボックス 9">
+            <a:extLst>
+              <a:ext uri="{FF2B5EF4-FFF2-40B4-BE49-F238E27FC236}">
+                <a16:creationId xmlns:a16="http://schemas.microsoft.com/office/drawing/2014/main" id="{9935281B-B54F-4982-BECD-278051C5574F}"/>
+              </a:ext>
+            </a:extLst>
+          </p:cNvPr>
+          <p:cNvSpPr txBox="1"/>
+          <p:nvPr/>
+        </p:nvSpPr>
+        <p:spPr>
+          <a:xfrm>
+            <a:off x="6149054" y="434050"/>
+            <a:ext cx="891250" cy="338554"/>
+          </a:xfrm>
+          <a:prstGeom prst="rect">
+            <a:avLst/>
+          </a:prstGeom>
+          <a:noFill/>
+        </p:spPr>
+        <p:txBody>
+          <a:bodyPr wrap="square" rtlCol="0">
+            <a:spAutoFit/>
+          </a:bodyPr>
+          <a:lstStyle/>
+          <a:p>
+            <a:r>
+              <a:rPr kumimoji="1" lang="en-US" altLang="ja-JP" sz="1600" b="1" dirty="0">
+                <a:solidFill>
+                  <a:schemeClr val="bg1"/>
+                </a:solidFill>
+              </a:rPr>
+              <a:t>TOP</a:t>
+            </a:r>
+            <a:endParaRPr kumimoji="1" lang="ja-JP" altLang="en-US" sz="1600" b="1" dirty="0">
+              <a:solidFill>
+                <a:schemeClr val="bg1"/>
+              </a:solidFill>
+            </a:endParaRPr>
+          </a:p>
+        </p:txBody>
+      </p:sp>
+      <p:sp>
+        <p:nvSpPr>
+          <p:cNvPr id="11" name="テキスト ボックス 10">
+            <a:extLst>
+              <a:ext uri="{FF2B5EF4-FFF2-40B4-BE49-F238E27FC236}">
+                <a16:creationId xmlns:a16="http://schemas.microsoft.com/office/drawing/2014/main" id="{1C06A14A-AC86-4D80-A3EC-1AF5383A99A5}"/>
+              </a:ext>
+            </a:extLst>
+          </p:cNvPr>
+          <p:cNvSpPr txBox="1"/>
+          <p:nvPr/>
+        </p:nvSpPr>
+        <p:spPr>
+          <a:xfrm>
+            <a:off x="7040304" y="434050"/>
+            <a:ext cx="1840373" cy="338554"/>
+          </a:xfrm>
+          <a:prstGeom prst="rect">
+            <a:avLst/>
+          </a:prstGeom>
+          <a:noFill/>
+        </p:spPr>
+        <p:txBody>
+          <a:bodyPr wrap="square" rtlCol="0">
+            <a:spAutoFit/>
+          </a:bodyPr>
+          <a:lstStyle/>
+          <a:p>
+            <a:r>
+              <a:rPr kumimoji="1" lang="ja-JP" altLang="en-US" sz="1600" b="1" dirty="0">
+                <a:solidFill>
+                  <a:schemeClr val="bg1"/>
+                </a:solidFill>
+              </a:rPr>
+              <a:t>健康チェック</a:t>
+            </a:r>
+          </a:p>
+        </p:txBody>
+      </p:sp>
+      <p:sp>
+        <p:nvSpPr>
+          <p:cNvPr id="12" name="テキスト ボックス 11">
+            <a:extLst>
+              <a:ext uri="{FF2B5EF4-FFF2-40B4-BE49-F238E27FC236}">
+                <a16:creationId xmlns:a16="http://schemas.microsoft.com/office/drawing/2014/main" id="{438E1E90-0FBD-4658-9908-0C5629C9704A}"/>
+              </a:ext>
+            </a:extLst>
+          </p:cNvPr>
+          <p:cNvSpPr txBox="1"/>
+          <p:nvPr/>
+        </p:nvSpPr>
+        <p:spPr>
+          <a:xfrm>
+            <a:off x="8693768" y="434050"/>
+            <a:ext cx="891250" cy="338554"/>
+          </a:xfrm>
+          <a:prstGeom prst="rect">
+            <a:avLst/>
+          </a:prstGeom>
+          <a:noFill/>
+        </p:spPr>
+        <p:txBody>
+          <a:bodyPr wrap="square" rtlCol="0">
+            <a:spAutoFit/>
+          </a:bodyPr>
+          <a:lstStyle/>
+          <a:p>
+            <a:r>
+              <a:rPr kumimoji="1" lang="ja-JP" altLang="en-US" sz="1600" b="1" dirty="0">
+                <a:solidFill>
+                  <a:schemeClr val="bg1"/>
+                </a:solidFill>
+              </a:rPr>
+              <a:t>レシピ</a:t>
+            </a:r>
+          </a:p>
+        </p:txBody>
+      </p:sp>
+      <p:sp>
+        <p:nvSpPr>
+          <p:cNvPr id="13" name="テキスト ボックス 12">
+            <a:extLst>
+              <a:ext uri="{FF2B5EF4-FFF2-40B4-BE49-F238E27FC236}">
+                <a16:creationId xmlns:a16="http://schemas.microsoft.com/office/drawing/2014/main" id="{AD1550D3-4F22-4D88-A1B0-888372E2494A}"/>
+              </a:ext>
+            </a:extLst>
+          </p:cNvPr>
+          <p:cNvSpPr txBox="1"/>
+          <p:nvPr/>
+        </p:nvSpPr>
+        <p:spPr>
+          <a:xfrm>
+            <a:off x="9848127" y="413402"/>
+            <a:ext cx="1593446" cy="338554"/>
+          </a:xfrm>
+          <a:prstGeom prst="rect">
+            <a:avLst/>
+          </a:prstGeom>
+          <a:noFill/>
+        </p:spPr>
+        <p:txBody>
+          <a:bodyPr wrap="square" rtlCol="0">
+            <a:spAutoFit/>
+          </a:bodyPr>
+          <a:lstStyle/>
+          <a:p>
+            <a:r>
+              <a:rPr kumimoji="1" lang="ja-JP" altLang="en-US" sz="1600" b="1" dirty="0">
+                <a:solidFill>
+                  <a:schemeClr val="bg1"/>
+                </a:solidFill>
+              </a:rPr>
+              <a:t>マイページ</a:t>
+            </a:r>
+          </a:p>
+        </p:txBody>
+      </p:sp>
+      <p:sp>
+        <p:nvSpPr>
+          <p:cNvPr id="15" name="テキスト ボックス 14">
+            <a:extLst>
+              <a:ext uri="{FF2B5EF4-FFF2-40B4-BE49-F238E27FC236}">
+                <a16:creationId xmlns:a16="http://schemas.microsoft.com/office/drawing/2014/main" id="{1F3EE160-1F31-43B9-AC02-8FCA2AB6FF22}"/>
+              </a:ext>
+            </a:extLst>
+          </p:cNvPr>
+          <p:cNvSpPr txBox="1"/>
+          <p:nvPr/>
+        </p:nvSpPr>
+        <p:spPr>
+          <a:xfrm>
+            <a:off x="5362443" y="1478660"/>
+            <a:ext cx="1467114" cy="369332"/>
+          </a:xfrm>
+          <a:prstGeom prst="rect">
+            <a:avLst/>
+          </a:prstGeom>
+          <a:noFill/>
+        </p:spPr>
+        <p:txBody>
+          <a:bodyPr wrap="square" rtlCol="0">
+            <a:spAutoFit/>
+          </a:bodyPr>
+          <a:lstStyle/>
+          <a:p>
+            <a:r>
+              <a:rPr lang="ja-JP" altLang="en-US" dirty="0"/>
+              <a:t>マイページ</a:t>
+            </a:r>
+            <a:endParaRPr kumimoji="1" lang="ja-JP" altLang="en-US" dirty="0"/>
+          </a:p>
+        </p:txBody>
+      </p:sp>
+      <p:cxnSp>
+        <p:nvCxnSpPr>
+          <p:cNvPr id="17" name="直線コネクタ 16">
+            <a:extLst>
+              <a:ext uri="{FF2B5EF4-FFF2-40B4-BE49-F238E27FC236}">
+                <a16:creationId xmlns:a16="http://schemas.microsoft.com/office/drawing/2014/main" id="{445CBDB6-5C5F-4A41-9AB1-938A280B7720}"/>
+              </a:ext>
+            </a:extLst>
+          </p:cNvPr>
+          <p:cNvCxnSpPr>
+            <a:cxnSpLocks/>
+          </p:cNvCxnSpPr>
+          <p:nvPr/>
+        </p:nvCxnSpPr>
+        <p:spPr>
+          <a:xfrm>
+            <a:off x="1192192" y="1943489"/>
+            <a:ext cx="9688011" cy="0"/>
+          </a:xfrm>
+          <a:prstGeom prst="line">
+            <a:avLst/>
+          </a:prstGeom>
+        </p:spPr>
+        <p:style>
+          <a:lnRef idx="1">
+            <a:schemeClr val="accent1"/>
+          </a:lnRef>
+          <a:fillRef idx="0">
+            <a:schemeClr val="accent1"/>
+          </a:fillRef>
+          <a:effectRef idx="0">
+            <a:schemeClr val="accent1"/>
+          </a:effectRef>
+          <a:fontRef idx="minor">
+            <a:schemeClr val="tx1"/>
+          </a:fontRef>
+        </p:style>
+      </p:cxnSp>
+      <p:sp>
+        <p:nvSpPr>
+          <p:cNvPr id="20" name="正方形/長方形 19">
+            <a:extLst>
+              <a:ext uri="{FF2B5EF4-FFF2-40B4-BE49-F238E27FC236}">
+                <a16:creationId xmlns:a16="http://schemas.microsoft.com/office/drawing/2014/main" id="{C9072788-EF8C-40A6-BCC2-90E23DEC89B4}"/>
+              </a:ext>
+            </a:extLst>
+          </p:cNvPr>
+          <p:cNvSpPr/>
+          <p:nvPr/>
+        </p:nvSpPr>
+        <p:spPr>
+          <a:xfrm>
+            <a:off x="0" y="6327388"/>
+            <a:ext cx="12192000" cy="530612"/>
+          </a:xfrm>
+          <a:prstGeom prst="rect">
+            <a:avLst/>
+          </a:prstGeom>
+          <a:ln>
+            <a:noFill/>
+          </a:ln>
+        </p:spPr>
+        <p:style>
+          <a:lnRef idx="2">
+            <a:schemeClr val="accent1">
+              <a:shade val="50000"/>
+            </a:schemeClr>
+          </a:lnRef>
+          <a:fillRef idx="1">
+            <a:schemeClr val="accent1"/>
+          </a:fillRef>
+          <a:effectRef idx="0">
+            <a:schemeClr val="accent1"/>
+          </a:effectRef>
+          <a:fontRef idx="minor">
+            <a:schemeClr val="lt1"/>
+          </a:fontRef>
+        </p:style>
+        <p:txBody>
+          <a:bodyPr rtlCol="0" anchor="ctr"/>
+          <a:lstStyle/>
+          <a:p>
+            <a:pPr algn="ctr"/>
+            <a:endParaRPr kumimoji="1" lang="ja-JP" altLang="en-US"/>
+          </a:p>
+        </p:txBody>
+      </p:sp>
+      <p:sp>
+        <p:nvSpPr>
+          <p:cNvPr id="21" name="テキスト ボックス 20">
+            <a:extLst>
+              <a:ext uri="{FF2B5EF4-FFF2-40B4-BE49-F238E27FC236}">
+                <a16:creationId xmlns:a16="http://schemas.microsoft.com/office/drawing/2014/main" id="{AC67675B-023A-46E8-B64B-9CD43D16825B}"/>
+              </a:ext>
+            </a:extLst>
+          </p:cNvPr>
+          <p:cNvSpPr txBox="1"/>
+          <p:nvPr/>
+        </p:nvSpPr>
+        <p:spPr>
+          <a:xfrm>
+            <a:off x="7451025" y="6443432"/>
+            <a:ext cx="1695917" cy="276999"/>
+          </a:xfrm>
+          <a:prstGeom prst="rect">
+            <a:avLst/>
+          </a:prstGeom>
+          <a:noFill/>
+        </p:spPr>
+        <p:txBody>
+          <a:bodyPr wrap="square" rtlCol="0">
+            <a:spAutoFit/>
+          </a:bodyPr>
+          <a:lstStyle/>
+          <a:p>
+            <a:r>
+              <a:rPr kumimoji="1" lang="ja-JP" altLang="en-US" sz="1200" dirty="0">
+                <a:solidFill>
+                  <a:schemeClr val="bg1"/>
+                </a:solidFill>
+              </a:rPr>
+              <a:t>利用規約</a:t>
+            </a:r>
+          </a:p>
+        </p:txBody>
+      </p:sp>
+      <p:sp>
+        <p:nvSpPr>
+          <p:cNvPr id="22" name="テキスト ボックス 21">
+            <a:extLst>
+              <a:ext uri="{FF2B5EF4-FFF2-40B4-BE49-F238E27FC236}">
+                <a16:creationId xmlns:a16="http://schemas.microsoft.com/office/drawing/2014/main" id="{73BA08FE-0562-4AA5-B705-3A4B42B6DBEA}"/>
+              </a:ext>
+            </a:extLst>
+          </p:cNvPr>
+          <p:cNvSpPr txBox="1"/>
+          <p:nvPr/>
+        </p:nvSpPr>
+        <p:spPr>
+          <a:xfrm>
+            <a:off x="8563824" y="6453889"/>
+            <a:ext cx="2515377" cy="276999"/>
+          </a:xfrm>
+          <a:prstGeom prst="rect">
+            <a:avLst/>
+          </a:prstGeom>
+          <a:noFill/>
+        </p:spPr>
+        <p:txBody>
+          <a:bodyPr wrap="square" rtlCol="0">
+            <a:spAutoFit/>
+          </a:bodyPr>
+          <a:lstStyle/>
+          <a:p>
+            <a:r>
+              <a:rPr kumimoji="1" lang="ja-JP" altLang="en-US" sz="1200" dirty="0">
+                <a:solidFill>
+                  <a:schemeClr val="bg1"/>
+                </a:solidFill>
+              </a:rPr>
+              <a:t>プライバシーポリシー</a:t>
+            </a:r>
+          </a:p>
+        </p:txBody>
+      </p:sp>
+      <p:sp>
+        <p:nvSpPr>
+          <p:cNvPr id="23" name="テキスト ボックス 22">
+            <a:extLst>
+              <a:ext uri="{FF2B5EF4-FFF2-40B4-BE49-F238E27FC236}">
+                <a16:creationId xmlns:a16="http://schemas.microsoft.com/office/drawing/2014/main" id="{95920364-145E-4633-85DB-876D7E7CE75B}"/>
+              </a:ext>
+            </a:extLst>
+          </p:cNvPr>
+          <p:cNvSpPr txBox="1"/>
+          <p:nvPr/>
+        </p:nvSpPr>
+        <p:spPr>
+          <a:xfrm>
+            <a:off x="10644850" y="6464346"/>
+            <a:ext cx="1695917" cy="276999"/>
+          </a:xfrm>
+          <a:prstGeom prst="rect">
+            <a:avLst/>
+          </a:prstGeom>
+          <a:noFill/>
+        </p:spPr>
+        <p:txBody>
+          <a:bodyPr wrap="square" rtlCol="0">
+            <a:spAutoFit/>
+          </a:bodyPr>
+          <a:lstStyle/>
+          <a:p>
+            <a:r>
+              <a:rPr kumimoji="1" lang="ja-JP" altLang="en-US" sz="1200" dirty="0">
+                <a:solidFill>
+                  <a:schemeClr val="bg1"/>
+                </a:solidFill>
+              </a:rPr>
+              <a:t>運営会社</a:t>
+            </a:r>
+          </a:p>
+        </p:txBody>
+      </p:sp>
+      <p:sp>
+        <p:nvSpPr>
+          <p:cNvPr id="33" name="四角形: 角を丸くする 32">
+            <a:extLst>
+              <a:ext uri="{FF2B5EF4-FFF2-40B4-BE49-F238E27FC236}">
+                <a16:creationId xmlns:a16="http://schemas.microsoft.com/office/drawing/2014/main" id="{E73B78BA-D7FC-421B-9853-BE8FA3F2A2AC}"/>
+              </a:ext>
+            </a:extLst>
+          </p:cNvPr>
+          <p:cNvSpPr/>
+          <p:nvPr/>
+        </p:nvSpPr>
+        <p:spPr>
+          <a:xfrm>
+            <a:off x="5182387" y="5433102"/>
+            <a:ext cx="2268638" cy="486136"/>
+          </a:xfrm>
+          <a:prstGeom prst="roundRect">
+            <a:avLst/>
+          </a:prstGeom>
+          <a:solidFill>
+            <a:schemeClr val="accent1">
+              <a:lumMod val="60000"/>
+              <a:lumOff val="40000"/>
+            </a:schemeClr>
+          </a:solidFill>
+          <a:ln>
+            <a:noFill/>
+          </a:ln>
+        </p:spPr>
+        <p:style>
+          <a:lnRef idx="2">
+            <a:schemeClr val="accent1">
+              <a:shade val="50000"/>
+            </a:schemeClr>
+          </a:lnRef>
+          <a:fillRef idx="1">
+            <a:schemeClr val="accent1"/>
+          </a:fillRef>
+          <a:effectRef idx="0">
+            <a:schemeClr val="accent1"/>
+          </a:effectRef>
+          <a:fontRef idx="minor">
+            <a:schemeClr val="lt1"/>
+          </a:fontRef>
+        </p:style>
+        <p:txBody>
+          <a:bodyPr rtlCol="0" anchor="ctr"/>
+          <a:lstStyle/>
+          <a:p>
+            <a:pPr algn="ctr"/>
+            <a:r>
+              <a:rPr kumimoji="1" lang="ja-JP" altLang="en-US" b="1" dirty="0"/>
+              <a:t>変更</a:t>
+            </a:r>
+          </a:p>
+        </p:txBody>
+      </p:sp>
+      <p:sp>
+        <p:nvSpPr>
+          <p:cNvPr id="24" name="テキスト ボックス 23">
+            <a:extLst>
+              <a:ext uri="{FF2B5EF4-FFF2-40B4-BE49-F238E27FC236}">
+                <a16:creationId xmlns:a16="http://schemas.microsoft.com/office/drawing/2014/main" id="{A67126BE-92E9-448F-BA28-A7286F97450B}"/>
+              </a:ext>
+            </a:extLst>
+          </p:cNvPr>
+          <p:cNvSpPr txBox="1"/>
+          <p:nvPr/>
+        </p:nvSpPr>
+        <p:spPr>
+          <a:xfrm>
+            <a:off x="1642821" y="2312821"/>
+            <a:ext cx="1224366" cy="369332"/>
+          </a:xfrm>
+          <a:prstGeom prst="rect">
+            <a:avLst/>
+          </a:prstGeom>
+          <a:noFill/>
+        </p:spPr>
+        <p:txBody>
+          <a:bodyPr wrap="square" rtlCol="0">
+            <a:spAutoFit/>
+          </a:bodyPr>
+          <a:lstStyle/>
+          <a:p>
+            <a:r>
+              <a:rPr kumimoji="1" lang="ja-JP" altLang="en-US" dirty="0"/>
+              <a:t>名前</a:t>
+            </a:r>
+          </a:p>
+        </p:txBody>
+      </p:sp>
+      <p:sp>
+        <p:nvSpPr>
+          <p:cNvPr id="25" name="テキスト ボックス 24">
+            <a:extLst>
+              <a:ext uri="{FF2B5EF4-FFF2-40B4-BE49-F238E27FC236}">
+                <a16:creationId xmlns:a16="http://schemas.microsoft.com/office/drawing/2014/main" id="{E76B53CB-29A5-4F25-A5D7-9446252CFEB4}"/>
+              </a:ext>
+            </a:extLst>
+          </p:cNvPr>
+          <p:cNvSpPr txBox="1"/>
+          <p:nvPr/>
+        </p:nvSpPr>
+        <p:spPr>
+          <a:xfrm>
+            <a:off x="1642819" y="2864009"/>
+            <a:ext cx="1806435" cy="369332"/>
+          </a:xfrm>
+          <a:prstGeom prst="rect">
+            <a:avLst/>
+          </a:prstGeom>
+          <a:noFill/>
+        </p:spPr>
+        <p:txBody>
+          <a:bodyPr wrap="square" rtlCol="0">
+            <a:spAutoFit/>
+          </a:bodyPr>
+          <a:lstStyle/>
+          <a:p>
+            <a:r>
+              <a:rPr kumimoji="1" lang="ja-JP" altLang="en-US" dirty="0"/>
+              <a:t>メールアドレス</a:t>
+            </a:r>
+          </a:p>
+        </p:txBody>
+      </p:sp>
+      <p:sp>
+        <p:nvSpPr>
+          <p:cNvPr id="26" name="テキスト ボックス 25">
+            <a:extLst>
+              <a:ext uri="{FF2B5EF4-FFF2-40B4-BE49-F238E27FC236}">
+                <a16:creationId xmlns:a16="http://schemas.microsoft.com/office/drawing/2014/main" id="{5326B924-F2B9-4AD1-8D6C-C89ABB64DA20}"/>
+              </a:ext>
+            </a:extLst>
+          </p:cNvPr>
+          <p:cNvSpPr txBox="1"/>
+          <p:nvPr/>
+        </p:nvSpPr>
+        <p:spPr>
+          <a:xfrm>
+            <a:off x="1642819" y="3413078"/>
+            <a:ext cx="1806435" cy="369332"/>
+          </a:xfrm>
+          <a:prstGeom prst="rect">
+            <a:avLst/>
+          </a:prstGeom>
+          <a:noFill/>
+        </p:spPr>
+        <p:txBody>
+          <a:bodyPr wrap="square" rtlCol="0">
+            <a:spAutoFit/>
+          </a:bodyPr>
+          <a:lstStyle/>
+          <a:p>
+            <a:r>
+              <a:rPr kumimoji="1" lang="ja-JP" altLang="en-US" dirty="0"/>
+              <a:t>パスワード</a:t>
+            </a:r>
+          </a:p>
+        </p:txBody>
+      </p:sp>
+      <p:sp>
+        <p:nvSpPr>
+          <p:cNvPr id="27" name="テキスト ボックス 26">
+            <a:extLst>
+              <a:ext uri="{FF2B5EF4-FFF2-40B4-BE49-F238E27FC236}">
+                <a16:creationId xmlns:a16="http://schemas.microsoft.com/office/drawing/2014/main" id="{5B3D099C-F635-4602-8E13-7950E6621F5B}"/>
+              </a:ext>
+            </a:extLst>
+          </p:cNvPr>
+          <p:cNvSpPr txBox="1"/>
+          <p:nvPr/>
+        </p:nvSpPr>
+        <p:spPr>
+          <a:xfrm>
+            <a:off x="3914206" y="2312821"/>
+            <a:ext cx="5229795" cy="369332"/>
+          </a:xfrm>
+          <a:prstGeom prst="rect">
+            <a:avLst/>
+          </a:prstGeom>
+        </p:spPr>
+        <p:style>
+          <a:lnRef idx="2">
+            <a:schemeClr val="accent3"/>
+          </a:lnRef>
+          <a:fillRef idx="1">
+            <a:schemeClr val="lt1"/>
+          </a:fillRef>
+          <a:effectRef idx="0">
+            <a:schemeClr val="accent3"/>
+          </a:effectRef>
+          <a:fontRef idx="minor">
+            <a:schemeClr val="dk1"/>
+          </a:fontRef>
+        </p:style>
+        <p:txBody>
+          <a:bodyPr wrap="square" rtlCol="0">
+            <a:spAutoFit/>
+          </a:bodyPr>
+          <a:lstStyle/>
+          <a:p>
+            <a:endParaRPr kumimoji="1" lang="ja-JP" altLang="en-US" dirty="0"/>
+          </a:p>
+        </p:txBody>
+      </p:sp>
+      <p:sp>
+        <p:nvSpPr>
+          <p:cNvPr id="28" name="テキスト ボックス 27">
+            <a:extLst>
+              <a:ext uri="{FF2B5EF4-FFF2-40B4-BE49-F238E27FC236}">
+                <a16:creationId xmlns:a16="http://schemas.microsoft.com/office/drawing/2014/main" id="{A03A1613-4BFE-496E-83C6-22152E1D0F27}"/>
+              </a:ext>
+            </a:extLst>
+          </p:cNvPr>
+          <p:cNvSpPr txBox="1"/>
+          <p:nvPr/>
+        </p:nvSpPr>
+        <p:spPr>
+          <a:xfrm>
+            <a:off x="3914206" y="2864009"/>
+            <a:ext cx="5229795" cy="369332"/>
+          </a:xfrm>
+          <a:prstGeom prst="rect">
+            <a:avLst/>
+          </a:prstGeom>
+        </p:spPr>
+        <p:style>
+          <a:lnRef idx="2">
+            <a:schemeClr val="accent3"/>
+          </a:lnRef>
+          <a:fillRef idx="1">
+            <a:schemeClr val="lt1"/>
+          </a:fillRef>
+          <a:effectRef idx="0">
+            <a:schemeClr val="accent3"/>
+          </a:effectRef>
+          <a:fontRef idx="minor">
+            <a:schemeClr val="dk1"/>
+          </a:fontRef>
+        </p:style>
+        <p:txBody>
+          <a:bodyPr wrap="square" rtlCol="0">
+            <a:spAutoFit/>
+          </a:bodyPr>
+          <a:lstStyle/>
+          <a:p>
+            <a:endParaRPr kumimoji="1" lang="ja-JP" altLang="en-US" dirty="0"/>
+          </a:p>
+        </p:txBody>
+      </p:sp>
+      <p:sp>
+        <p:nvSpPr>
+          <p:cNvPr id="31" name="テキスト ボックス 30">
+            <a:extLst>
+              <a:ext uri="{FF2B5EF4-FFF2-40B4-BE49-F238E27FC236}">
+                <a16:creationId xmlns:a16="http://schemas.microsoft.com/office/drawing/2014/main" id="{C924C36E-593F-499F-8232-28298FDF07F3}"/>
+              </a:ext>
+            </a:extLst>
+          </p:cNvPr>
+          <p:cNvSpPr txBox="1"/>
+          <p:nvPr/>
+        </p:nvSpPr>
+        <p:spPr>
+          <a:xfrm>
+            <a:off x="3914206" y="3413078"/>
+            <a:ext cx="5229795" cy="369332"/>
+          </a:xfrm>
+          <a:prstGeom prst="rect">
+            <a:avLst/>
+          </a:prstGeom>
+        </p:spPr>
+        <p:style>
+          <a:lnRef idx="2">
+            <a:schemeClr val="accent3"/>
+          </a:lnRef>
+          <a:fillRef idx="1">
+            <a:schemeClr val="lt1"/>
+          </a:fillRef>
+          <a:effectRef idx="0">
+            <a:schemeClr val="accent3"/>
+          </a:effectRef>
+          <a:fontRef idx="minor">
+            <a:schemeClr val="dk1"/>
+          </a:fontRef>
+        </p:style>
+        <p:txBody>
+          <a:bodyPr wrap="square" rtlCol="0">
+            <a:spAutoFit/>
+          </a:bodyPr>
+          <a:lstStyle/>
+          <a:p>
+            <a:endParaRPr kumimoji="1" lang="ja-JP" altLang="en-US" dirty="0"/>
+          </a:p>
+        </p:txBody>
+      </p:sp>
+      <p:sp>
+        <p:nvSpPr>
+          <p:cNvPr id="34" name="テキスト ボックス 33">
+            <a:extLst>
+              <a:ext uri="{FF2B5EF4-FFF2-40B4-BE49-F238E27FC236}">
+                <a16:creationId xmlns:a16="http://schemas.microsoft.com/office/drawing/2014/main" id="{9E3592F8-45B0-488D-A3AC-7686377A3AEF}"/>
+              </a:ext>
+            </a:extLst>
+          </p:cNvPr>
+          <p:cNvSpPr txBox="1"/>
+          <p:nvPr/>
+        </p:nvSpPr>
+        <p:spPr>
+          <a:xfrm>
+            <a:off x="6242384" y="4175848"/>
+            <a:ext cx="573437" cy="1015663"/>
+          </a:xfrm>
+          <a:prstGeom prst="rect">
+            <a:avLst/>
+          </a:prstGeom>
+          <a:noFill/>
+        </p:spPr>
+        <p:txBody>
+          <a:bodyPr wrap="square" rtlCol="0">
+            <a:spAutoFit/>
+          </a:bodyPr>
+          <a:lstStyle/>
+          <a:p>
+            <a:r>
+              <a:rPr lang="ja-JP" altLang="en-US" sz="1200" dirty="0"/>
+              <a:t>・</a:t>
+            </a:r>
+            <a:endParaRPr lang="en-US" altLang="ja-JP" sz="1200" dirty="0"/>
+          </a:p>
+          <a:p>
+            <a:r>
+              <a:rPr lang="ja-JP" altLang="en-US" sz="1200" dirty="0"/>
+              <a:t>　　　・</a:t>
+            </a:r>
+            <a:endParaRPr lang="en-US" altLang="ja-JP" sz="1200" dirty="0"/>
+          </a:p>
+          <a:p>
+            <a:r>
+              <a:rPr lang="ja-JP" altLang="en-US" sz="1200" dirty="0"/>
+              <a:t>　　　・</a:t>
+            </a:r>
+            <a:endParaRPr kumimoji="1" lang="ja-JP" altLang="en-US" sz="1200" dirty="0"/>
+          </a:p>
+        </p:txBody>
+      </p:sp>
+    </p:spTree>
+    <p:extLst>
+      <p:ext uri="{BB962C8B-B14F-4D97-AF65-F5344CB8AC3E}">
+        <p14:creationId xmlns:p14="http://schemas.microsoft.com/office/powerpoint/2010/main" val="4163269255"/>
       </p:ext>
     </p:extLst>
   </p:cSld>
@@ -4992,49 +7583,12 @@
           </a:p>
         </p:txBody>
       </p:sp>
-      <p:pic>
-        <p:nvPicPr>
-          <p:cNvPr id="9" name="図 8">
-            <a:extLst>
-              <a:ext uri="{FF2B5EF4-FFF2-40B4-BE49-F238E27FC236}">
-                <a16:creationId xmlns:a16="http://schemas.microsoft.com/office/drawing/2014/main" id="{DC18CFA1-C217-4EAA-8D8C-DE07471FFF8C}"/>
-              </a:ext>
-            </a:extLst>
-          </p:cNvPr>
-          <p:cNvPicPr>
-            <a:picLocks noChangeAspect="1"/>
-          </p:cNvPicPr>
-          <p:nvPr/>
-        </p:nvPicPr>
-        <p:blipFill>
-          <a:blip r:embed="rId2">
-            <a:biLevel thresh="25000"/>
-            <a:extLst>
-              <a:ext uri="{28A0092B-C50C-407E-A947-70E740481C1C}">
-                <a14:useLocalDpi xmlns:a14="http://schemas.microsoft.com/office/drawing/2010/main" val="0"/>
-              </a:ext>
-            </a:extLst>
-          </a:blip>
-          <a:stretch>
-            <a:fillRect/>
-          </a:stretch>
-        </p:blipFill>
-        <p:spPr>
-          <a:xfrm>
-            <a:off x="11536101" y="302870"/>
-            <a:ext cx="392790" cy="392790"/>
-          </a:xfrm>
-          <a:prstGeom prst="rect">
-            <a:avLst/>
-          </a:prstGeom>
-        </p:spPr>
-      </p:pic>
-      <p:sp>
-        <p:nvSpPr>
-          <p:cNvPr id="10" name="テキスト ボックス 9">
-            <a:extLst>
-              <a:ext uri="{FF2B5EF4-FFF2-40B4-BE49-F238E27FC236}">
-                <a16:creationId xmlns:a16="http://schemas.microsoft.com/office/drawing/2014/main" id="{9935281B-B54F-4982-BECD-278051C5574F}"/>
+      <p:sp>
+        <p:nvSpPr>
+          <p:cNvPr id="15" name="テキスト ボックス 14">
+            <a:extLst>
+              <a:ext uri="{FF2B5EF4-FFF2-40B4-BE49-F238E27FC236}">
+                <a16:creationId xmlns:a16="http://schemas.microsoft.com/office/drawing/2014/main" id="{1F3EE160-1F31-43B9-AC02-8FCA2AB6FF22}"/>
               </a:ext>
             </a:extLst>
           </p:cNvPr>
@@ -5043,8 +7597,8 @@
         </p:nvSpPr>
         <p:spPr>
           <a:xfrm>
-            <a:off x="6149054" y="434050"/>
-            <a:ext cx="891250" cy="338554"/>
+            <a:off x="1273215" y="1574157"/>
+            <a:ext cx="9780608" cy="369332"/>
           </a:xfrm>
           <a:prstGeom prst="rect">
             <a:avLst/>
@@ -5057,170 +7611,10 @@
           </a:bodyPr>
           <a:lstStyle/>
           <a:p>
-            <a:r>
-              <a:rPr kumimoji="1" lang="en-US" altLang="ja-JP" sz="1600" b="1" dirty="0">
-                <a:solidFill>
-                  <a:schemeClr val="bg1"/>
-                </a:solidFill>
-              </a:rPr>
-              <a:t>TOP</a:t>
-            </a:r>
-            <a:endParaRPr kumimoji="1" lang="ja-JP" altLang="en-US" sz="1600" b="1" dirty="0">
-              <a:solidFill>
-                <a:schemeClr val="bg1"/>
-              </a:solidFill>
-            </a:endParaRPr>
-          </a:p>
-        </p:txBody>
-      </p:sp>
-      <p:sp>
-        <p:nvSpPr>
-          <p:cNvPr id="11" name="テキスト ボックス 10">
-            <a:extLst>
-              <a:ext uri="{FF2B5EF4-FFF2-40B4-BE49-F238E27FC236}">
-                <a16:creationId xmlns:a16="http://schemas.microsoft.com/office/drawing/2014/main" id="{1C06A14A-AC86-4D80-A3EC-1AF5383A99A5}"/>
-              </a:ext>
-            </a:extLst>
-          </p:cNvPr>
-          <p:cNvSpPr txBox="1"/>
-          <p:nvPr/>
-        </p:nvSpPr>
-        <p:spPr>
-          <a:xfrm>
-            <a:off x="7040304" y="434050"/>
-            <a:ext cx="1840373" cy="338554"/>
-          </a:xfrm>
-          <a:prstGeom prst="rect">
-            <a:avLst/>
-          </a:prstGeom>
-          <a:noFill/>
-        </p:spPr>
-        <p:txBody>
-          <a:bodyPr wrap="square" rtlCol="0">
-            <a:spAutoFit/>
-          </a:bodyPr>
-          <a:lstStyle/>
-          <a:p>
-            <a:r>
-              <a:rPr kumimoji="1" lang="ja-JP" altLang="en-US" sz="1600" b="1" dirty="0">
-                <a:solidFill>
-                  <a:schemeClr val="bg1"/>
-                </a:solidFill>
-              </a:rPr>
-              <a:t>健康チェック</a:t>
-            </a:r>
-          </a:p>
-        </p:txBody>
-      </p:sp>
-      <p:sp>
-        <p:nvSpPr>
-          <p:cNvPr id="12" name="テキスト ボックス 11">
-            <a:extLst>
-              <a:ext uri="{FF2B5EF4-FFF2-40B4-BE49-F238E27FC236}">
-                <a16:creationId xmlns:a16="http://schemas.microsoft.com/office/drawing/2014/main" id="{438E1E90-0FBD-4658-9908-0C5629C9704A}"/>
-              </a:ext>
-            </a:extLst>
-          </p:cNvPr>
-          <p:cNvSpPr txBox="1"/>
-          <p:nvPr/>
-        </p:nvSpPr>
-        <p:spPr>
-          <a:xfrm>
-            <a:off x="8693768" y="434050"/>
-            <a:ext cx="891250" cy="338554"/>
-          </a:xfrm>
-          <a:prstGeom prst="rect">
-            <a:avLst/>
-          </a:prstGeom>
-          <a:noFill/>
-        </p:spPr>
-        <p:txBody>
-          <a:bodyPr wrap="square" rtlCol="0">
-            <a:spAutoFit/>
-          </a:bodyPr>
-          <a:lstStyle/>
-          <a:p>
-            <a:r>
-              <a:rPr kumimoji="1" lang="ja-JP" altLang="en-US" sz="1600" b="1" dirty="0">
-                <a:solidFill>
-                  <a:schemeClr val="bg1"/>
-                </a:solidFill>
-              </a:rPr>
-              <a:t>レシピ</a:t>
-            </a:r>
-          </a:p>
-        </p:txBody>
-      </p:sp>
-      <p:sp>
-        <p:nvSpPr>
-          <p:cNvPr id="13" name="テキスト ボックス 12">
-            <a:extLst>
-              <a:ext uri="{FF2B5EF4-FFF2-40B4-BE49-F238E27FC236}">
-                <a16:creationId xmlns:a16="http://schemas.microsoft.com/office/drawing/2014/main" id="{AD1550D3-4F22-4D88-A1B0-888372E2494A}"/>
-              </a:ext>
-            </a:extLst>
-          </p:cNvPr>
-          <p:cNvSpPr txBox="1"/>
-          <p:nvPr/>
-        </p:nvSpPr>
-        <p:spPr>
-          <a:xfrm>
-            <a:off x="9848127" y="413402"/>
-            <a:ext cx="1593446" cy="338554"/>
-          </a:xfrm>
-          <a:prstGeom prst="rect">
-            <a:avLst/>
-          </a:prstGeom>
-          <a:noFill/>
-        </p:spPr>
-        <p:txBody>
-          <a:bodyPr wrap="square" rtlCol="0">
-            <a:spAutoFit/>
-          </a:bodyPr>
-          <a:lstStyle/>
-          <a:p>
-            <a:r>
-              <a:rPr kumimoji="1" lang="ja-JP" altLang="en-US" sz="1600" b="1" dirty="0">
-                <a:solidFill>
-                  <a:schemeClr val="bg1"/>
-                </a:solidFill>
-              </a:rPr>
-              <a:t>マイページ</a:t>
-            </a:r>
-          </a:p>
-        </p:txBody>
-      </p:sp>
-      <p:sp>
-        <p:nvSpPr>
-          <p:cNvPr id="15" name="テキスト ボックス 14">
-            <a:extLst>
-              <a:ext uri="{FF2B5EF4-FFF2-40B4-BE49-F238E27FC236}">
-                <a16:creationId xmlns:a16="http://schemas.microsoft.com/office/drawing/2014/main" id="{1F3EE160-1F31-43B9-AC02-8FCA2AB6FF22}"/>
-              </a:ext>
-            </a:extLst>
-          </p:cNvPr>
-          <p:cNvSpPr txBox="1"/>
-          <p:nvPr/>
-        </p:nvSpPr>
-        <p:spPr>
-          <a:xfrm>
-            <a:off x="5354600" y="1499788"/>
-            <a:ext cx="2480157" cy="369332"/>
-          </a:xfrm>
-          <a:prstGeom prst="rect">
-            <a:avLst/>
-          </a:prstGeom>
-          <a:noFill/>
-        </p:spPr>
-        <p:txBody>
-          <a:bodyPr wrap="square" rtlCol="0">
-            <a:spAutoFit/>
-          </a:bodyPr>
-          <a:lstStyle/>
-          <a:p>
+            <a:pPr algn="ctr"/>
             <a:r>
               <a:rPr kumimoji="1" lang="ja-JP" altLang="en-US" dirty="0"/>
-              <a:t>〇月〇日（〇）</a:t>
+              <a:t>ログイン</a:t>
             </a:r>
           </a:p>
         </p:txBody>
@@ -5234,9 +7628,7 @@
               </a:ext>
             </a:extLst>
           </p:cNvPr>
-          <p:cNvCxnSpPr>
-            <a:cxnSpLocks/>
-          </p:cNvCxnSpPr>
+          <p:cNvCxnSpPr/>
           <p:nvPr/>
         </p:nvCxnSpPr>
         <p:spPr>
@@ -5263,92 +7655,12 @@
           </a:fontRef>
         </p:style>
       </p:cxnSp>
-      <p:graphicFrame>
-        <p:nvGraphicFramePr>
-          <p:cNvPr id="51" name="グラフ 50">
-            <a:extLst>
-              <a:ext uri="{FF2B5EF4-FFF2-40B4-BE49-F238E27FC236}">
-                <a16:creationId xmlns:a16="http://schemas.microsoft.com/office/drawing/2014/main" id="{E208F3E7-64E6-47CE-B433-0C229F21CD26}"/>
-              </a:ext>
-            </a:extLst>
-          </p:cNvPr>
-          <p:cNvGraphicFramePr>
-            <a:graphicFrameLocks/>
-          </p:cNvGraphicFramePr>
-          <p:nvPr>
-            <p:extLst>
-              <p:ext uri="{D42A27DB-BD31-4B8C-83A1-F6EECF244321}">
-                <p14:modId xmlns:p14="http://schemas.microsoft.com/office/powerpoint/2010/main" val="1480140703"/>
-              </p:ext>
-            </p:extLst>
-          </p:nvPr>
-        </p:nvGraphicFramePr>
-        <p:xfrm>
-          <a:off x="2883339" y="3529028"/>
-          <a:ext cx="6125029" cy="2743200"/>
-        </p:xfrm>
-        <a:graphic>
-          <a:graphicData uri="http://schemas.openxmlformats.org/drawingml/2006/chart">
-            <c:chart xmlns:c="http://schemas.openxmlformats.org/drawingml/2006/chart" xmlns:r="http://schemas.openxmlformats.org/officeDocument/2006/relationships" r:id="rId3"/>
-          </a:graphicData>
-        </a:graphic>
-      </p:graphicFrame>
-      <p:sp>
-        <p:nvSpPr>
-          <p:cNvPr id="54" name="テキスト ボックス 53">
-            <a:extLst>
-              <a:ext uri="{FF2B5EF4-FFF2-40B4-BE49-F238E27FC236}">
-                <a16:creationId xmlns:a16="http://schemas.microsoft.com/office/drawing/2014/main" id="{8C935EF3-72ED-466A-B25C-B077FD3898D9}"/>
-              </a:ext>
-            </a:extLst>
-          </p:cNvPr>
-          <p:cNvSpPr txBox="1"/>
-          <p:nvPr/>
-        </p:nvSpPr>
-        <p:spPr>
-          <a:xfrm>
-            <a:off x="4882538" y="2682898"/>
-            <a:ext cx="5762312" cy="523220"/>
-          </a:xfrm>
-          <a:prstGeom prst="rect">
-            <a:avLst/>
-          </a:prstGeom>
-          <a:noFill/>
-        </p:spPr>
-        <p:txBody>
-          <a:bodyPr wrap="square" rtlCol="0">
-            <a:spAutoFit/>
-          </a:bodyPr>
-          <a:lstStyle/>
-          <a:p>
-            <a:r>
-              <a:rPr kumimoji="1" lang="ja-JP" altLang="en-US" sz="1400" dirty="0"/>
-              <a:t>前日より</a:t>
-            </a:r>
-            <a:r>
-              <a:rPr kumimoji="1" lang="en-US" altLang="ja-JP" sz="1400" dirty="0"/>
-              <a:t>2</a:t>
-            </a:r>
-            <a:r>
-              <a:rPr kumimoji="1" lang="ja-JP" altLang="en-US" sz="1400" dirty="0"/>
-              <a:t>点アップしました！</a:t>
-            </a:r>
-            <a:endParaRPr kumimoji="1" lang="en-US" altLang="ja-JP" sz="1400" dirty="0"/>
-          </a:p>
-          <a:p>
-            <a:r>
-              <a:rPr kumimoji="1" lang="ja-JP" altLang="en-US" sz="1400" dirty="0"/>
-              <a:t>この調子でポイントアップを目指しましょう！</a:t>
-            </a:r>
-          </a:p>
-        </p:txBody>
-      </p:sp>
-      <p:sp>
-        <p:nvSpPr>
-          <p:cNvPr id="55" name="正方形/長方形 54">
-            <a:extLst>
-              <a:ext uri="{FF2B5EF4-FFF2-40B4-BE49-F238E27FC236}">
-                <a16:creationId xmlns:a16="http://schemas.microsoft.com/office/drawing/2014/main" id="{998AD345-6754-43B3-9CFB-00721A00B0EC}"/>
+      <p:sp>
+        <p:nvSpPr>
+          <p:cNvPr id="23" name="正方形/長方形 22">
+            <a:extLst>
+              <a:ext uri="{FF2B5EF4-FFF2-40B4-BE49-F238E27FC236}">
+                <a16:creationId xmlns:a16="http://schemas.microsoft.com/office/drawing/2014/main" id="{2406CEEA-2325-4FAE-9132-BBB983156608}"/>
               </a:ext>
             </a:extLst>
           </p:cNvPr>
@@ -5357,19 +7669,14 @@
         </p:nvSpPr>
         <p:spPr>
           <a:xfrm>
-            <a:off x="3439886" y="2688347"/>
-            <a:ext cx="653141" cy="653141"/>
-          </a:xfrm>
-          <a:prstGeom prst="rect">
-            <a:avLst/>
-          </a:prstGeom>
-          <a:noFill/>
+            <a:off x="0" y="6327388"/>
+            <a:ext cx="12192000" cy="530612"/>
+          </a:xfrm>
+          <a:prstGeom prst="rect">
+            <a:avLst/>
+          </a:prstGeom>
           <a:ln>
-            <a:solidFill>
-              <a:schemeClr val="bg1">
-                <a:lumMod val="75000"/>
-              </a:schemeClr>
-            </a:solidFill>
+            <a:noFill/>
           </a:ln>
         </p:spPr>
         <p:style>
@@ -5393,23 +7700,16 @@
           <a:lstStyle/>
           <a:p>
             <a:pPr algn="ctr"/>
-            <a:r>
-              <a:rPr kumimoji="1" lang="ja-JP" altLang="en-US" sz="2800" dirty="0">
-                <a:solidFill>
-                  <a:schemeClr val="tx1"/>
-                </a:solidFill>
-              </a:rPr>
-              <a:t>８</a:t>
-            </a:r>
-          </a:p>
-        </p:txBody>
-      </p:sp>
-      <p:sp>
-        <p:nvSpPr>
-          <p:cNvPr id="56" name="テキスト ボックス 55">
-            <a:extLst>
-              <a:ext uri="{FF2B5EF4-FFF2-40B4-BE49-F238E27FC236}">
-                <a16:creationId xmlns:a16="http://schemas.microsoft.com/office/drawing/2014/main" id="{7D1DDAAF-3989-47B0-9A55-03A74AA5B2C5}"/>
+            <a:endParaRPr kumimoji="1" lang="ja-JP" altLang="en-US"/>
+          </a:p>
+        </p:txBody>
+      </p:sp>
+      <p:sp>
+        <p:nvSpPr>
+          <p:cNvPr id="13" name="テキスト ボックス 12">
+            <a:extLst>
+              <a:ext uri="{FF2B5EF4-FFF2-40B4-BE49-F238E27FC236}">
+                <a16:creationId xmlns:a16="http://schemas.microsoft.com/office/drawing/2014/main" id="{EDDAEF76-F0B0-4C44-B2D4-7C6D6266E1DF}"/>
               </a:ext>
             </a:extLst>
           </p:cNvPr>
@@ -5418,8 +7718,8 @@
         </p:nvSpPr>
         <p:spPr>
           <a:xfrm>
-            <a:off x="3068685" y="2346918"/>
-            <a:ext cx="1816461" cy="307777"/>
+            <a:off x="1642819" y="2864009"/>
+            <a:ext cx="1806435" cy="369332"/>
           </a:xfrm>
           <a:prstGeom prst="rect">
             <a:avLst/>
@@ -5433,18 +7733,143 @@
           <a:lstStyle/>
           <a:p>
             <a:r>
-              <a:rPr kumimoji="1" lang="ja-JP" altLang="en-US" sz="1400" dirty="0"/>
-              <a:t>今日のポイント</a:t>
-            </a:r>
-          </a:p>
-        </p:txBody>
-      </p:sp>
-      <p:sp>
-        <p:nvSpPr>
-          <p:cNvPr id="16" name="正方形/長方形 15">
-            <a:extLst>
-              <a:ext uri="{FF2B5EF4-FFF2-40B4-BE49-F238E27FC236}">
-                <a16:creationId xmlns:a16="http://schemas.microsoft.com/office/drawing/2014/main" id="{487D07B4-5DE8-411A-8740-6BD4716D4087}"/>
+              <a:rPr kumimoji="1" lang="ja-JP" altLang="en-US" dirty="0"/>
+              <a:t>メールアドレス</a:t>
+            </a:r>
+          </a:p>
+        </p:txBody>
+      </p:sp>
+      <p:sp>
+        <p:nvSpPr>
+          <p:cNvPr id="14" name="テキスト ボックス 13">
+            <a:extLst>
+              <a:ext uri="{FF2B5EF4-FFF2-40B4-BE49-F238E27FC236}">
+                <a16:creationId xmlns:a16="http://schemas.microsoft.com/office/drawing/2014/main" id="{1F18D2BE-0C33-4F04-B7D4-08C0798623E2}"/>
+              </a:ext>
+            </a:extLst>
+          </p:cNvPr>
+          <p:cNvSpPr txBox="1"/>
+          <p:nvPr/>
+        </p:nvSpPr>
+        <p:spPr>
+          <a:xfrm>
+            <a:off x="3914206" y="2864009"/>
+            <a:ext cx="5229795" cy="369332"/>
+          </a:xfrm>
+          <a:prstGeom prst="rect">
+            <a:avLst/>
+          </a:prstGeom>
+        </p:spPr>
+        <p:style>
+          <a:lnRef idx="2">
+            <a:schemeClr val="accent3"/>
+          </a:lnRef>
+          <a:fillRef idx="1">
+            <a:schemeClr val="lt1"/>
+          </a:fillRef>
+          <a:effectRef idx="0">
+            <a:schemeClr val="accent3"/>
+          </a:effectRef>
+          <a:fontRef idx="minor">
+            <a:schemeClr val="dk1"/>
+          </a:fontRef>
+        </p:style>
+        <p:txBody>
+          <a:bodyPr wrap="square" rtlCol="0">
+            <a:spAutoFit/>
+          </a:bodyPr>
+          <a:lstStyle/>
+          <a:p>
+            <a:endParaRPr kumimoji="1" lang="ja-JP" altLang="en-US" dirty="0"/>
+          </a:p>
+        </p:txBody>
+      </p:sp>
+      <p:sp>
+        <p:nvSpPr>
+          <p:cNvPr id="16" name="テキスト ボックス 15">
+            <a:extLst>
+              <a:ext uri="{FF2B5EF4-FFF2-40B4-BE49-F238E27FC236}">
+                <a16:creationId xmlns:a16="http://schemas.microsoft.com/office/drawing/2014/main" id="{9C4913CF-092B-4810-9D56-B9E16660003F}"/>
+              </a:ext>
+            </a:extLst>
+          </p:cNvPr>
+          <p:cNvSpPr txBox="1"/>
+          <p:nvPr/>
+        </p:nvSpPr>
+        <p:spPr>
+          <a:xfrm>
+            <a:off x="1642819" y="3413078"/>
+            <a:ext cx="1806435" cy="369332"/>
+          </a:xfrm>
+          <a:prstGeom prst="rect">
+            <a:avLst/>
+          </a:prstGeom>
+          <a:noFill/>
+        </p:spPr>
+        <p:txBody>
+          <a:bodyPr wrap="square" rtlCol="0">
+            <a:spAutoFit/>
+          </a:bodyPr>
+          <a:lstStyle/>
+          <a:p>
+            <a:r>
+              <a:rPr kumimoji="1" lang="ja-JP" altLang="en-US" dirty="0"/>
+              <a:t>パスワード</a:t>
+            </a:r>
+          </a:p>
+        </p:txBody>
+      </p:sp>
+      <p:sp>
+        <p:nvSpPr>
+          <p:cNvPr id="20" name="テキスト ボックス 19">
+            <a:extLst>
+              <a:ext uri="{FF2B5EF4-FFF2-40B4-BE49-F238E27FC236}">
+                <a16:creationId xmlns:a16="http://schemas.microsoft.com/office/drawing/2014/main" id="{E8C76889-0044-411D-8A8B-F822889755AE}"/>
+              </a:ext>
+            </a:extLst>
+          </p:cNvPr>
+          <p:cNvSpPr txBox="1"/>
+          <p:nvPr/>
+        </p:nvSpPr>
+        <p:spPr>
+          <a:xfrm>
+            <a:off x="3914206" y="3413078"/>
+            <a:ext cx="5229795" cy="369332"/>
+          </a:xfrm>
+          <a:prstGeom prst="rect">
+            <a:avLst/>
+          </a:prstGeom>
+        </p:spPr>
+        <p:style>
+          <a:lnRef idx="2">
+            <a:schemeClr val="accent3"/>
+          </a:lnRef>
+          <a:fillRef idx="1">
+            <a:schemeClr val="lt1"/>
+          </a:fillRef>
+          <a:effectRef idx="0">
+            <a:schemeClr val="accent3"/>
+          </a:effectRef>
+          <a:fontRef idx="minor">
+            <a:schemeClr val="dk1"/>
+          </a:fontRef>
+        </p:style>
+        <p:txBody>
+          <a:bodyPr wrap="square" rtlCol="0">
+            <a:spAutoFit/>
+          </a:bodyPr>
+          <a:lstStyle/>
+          <a:p>
+            <a:endParaRPr kumimoji="1" lang="ja-JP" altLang="en-US" dirty="0"/>
+          </a:p>
+        </p:txBody>
+      </p:sp>
+      <p:sp>
+        <p:nvSpPr>
+          <p:cNvPr id="26" name="四角形: 角を丸くする 25">
+            <a:extLst>
+              <a:ext uri="{FF2B5EF4-FFF2-40B4-BE49-F238E27FC236}">
+                <a16:creationId xmlns:a16="http://schemas.microsoft.com/office/drawing/2014/main" id="{55D9C0A4-F38D-466B-B38C-04027FC640D1}"/>
               </a:ext>
             </a:extLst>
           </p:cNvPr>
@@ -5453,12 +7878,18 @@
         </p:nvSpPr>
         <p:spPr>
           <a:xfrm>
-            <a:off x="0" y="6327388"/>
-            <a:ext cx="12192000" cy="530612"/>
-          </a:xfrm>
-          <a:prstGeom prst="rect">
-            <a:avLst/>
-          </a:prstGeom>
+            <a:off x="5394783" y="5584949"/>
+            <a:ext cx="2268638" cy="486136"/>
+          </a:xfrm>
+          <a:prstGeom prst="roundRect">
+            <a:avLst/>
+          </a:prstGeom>
+          <a:solidFill>
+            <a:schemeClr val="accent1">
+              <a:lumMod val="60000"/>
+              <a:lumOff val="40000"/>
+            </a:schemeClr>
+          </a:solidFill>
           <a:ln>
             <a:noFill/>
           </a:ln>
@@ -5484,123 +7915,9 @@
           <a:lstStyle/>
           <a:p>
             <a:pPr algn="ctr"/>
-            <a:endParaRPr kumimoji="1" lang="ja-JP" altLang="en-US"/>
-          </a:p>
-        </p:txBody>
-      </p:sp>
-      <p:sp>
-        <p:nvSpPr>
-          <p:cNvPr id="18" name="テキスト ボックス 17">
-            <a:extLst>
-              <a:ext uri="{FF2B5EF4-FFF2-40B4-BE49-F238E27FC236}">
-                <a16:creationId xmlns:a16="http://schemas.microsoft.com/office/drawing/2014/main" id="{8A445CFF-ADB0-4E38-9985-18B6205863EC}"/>
-              </a:ext>
-            </a:extLst>
-          </p:cNvPr>
-          <p:cNvSpPr txBox="1"/>
-          <p:nvPr/>
-        </p:nvSpPr>
-        <p:spPr>
-          <a:xfrm>
-            <a:off x="7451025" y="6443432"/>
-            <a:ext cx="1695917" cy="276999"/>
-          </a:xfrm>
-          <a:prstGeom prst="rect">
-            <a:avLst/>
-          </a:prstGeom>
-          <a:noFill/>
-        </p:spPr>
-        <p:txBody>
-          <a:bodyPr wrap="square" rtlCol="0">
-            <a:spAutoFit/>
-          </a:bodyPr>
-          <a:lstStyle/>
-          <a:p>
-            <a:r>
-              <a:rPr kumimoji="1" lang="ja-JP" altLang="en-US" sz="1200" dirty="0">
-                <a:solidFill>
-                  <a:schemeClr val="bg1"/>
-                </a:solidFill>
-              </a:rPr>
-              <a:t>利用規約</a:t>
-            </a:r>
-          </a:p>
-        </p:txBody>
-      </p:sp>
-      <p:sp>
-        <p:nvSpPr>
-          <p:cNvPr id="19" name="テキスト ボックス 18">
-            <a:extLst>
-              <a:ext uri="{FF2B5EF4-FFF2-40B4-BE49-F238E27FC236}">
-                <a16:creationId xmlns:a16="http://schemas.microsoft.com/office/drawing/2014/main" id="{05BD1C3A-4439-4B04-909C-6EF1FB3FFA5C}"/>
-              </a:ext>
-            </a:extLst>
-          </p:cNvPr>
-          <p:cNvSpPr txBox="1"/>
-          <p:nvPr/>
-        </p:nvSpPr>
-        <p:spPr>
-          <a:xfrm>
-            <a:off x="8563824" y="6453889"/>
-            <a:ext cx="2515377" cy="276999"/>
-          </a:xfrm>
-          <a:prstGeom prst="rect">
-            <a:avLst/>
-          </a:prstGeom>
-          <a:noFill/>
-        </p:spPr>
-        <p:txBody>
-          <a:bodyPr wrap="square" rtlCol="0">
-            <a:spAutoFit/>
-          </a:bodyPr>
-          <a:lstStyle/>
-          <a:p>
-            <a:r>
-              <a:rPr kumimoji="1" lang="ja-JP" altLang="en-US" sz="1200" dirty="0">
-                <a:solidFill>
-                  <a:schemeClr val="bg1"/>
-                </a:solidFill>
-              </a:rPr>
-              <a:t>プライバシーポリシー</a:t>
-            </a:r>
-          </a:p>
-        </p:txBody>
-      </p:sp>
-      <p:sp>
-        <p:nvSpPr>
-          <p:cNvPr id="20" name="テキスト ボックス 19">
-            <a:extLst>
-              <a:ext uri="{FF2B5EF4-FFF2-40B4-BE49-F238E27FC236}">
-                <a16:creationId xmlns:a16="http://schemas.microsoft.com/office/drawing/2014/main" id="{5B76F1C7-D99C-4A2F-814B-6DD8EFE1E635}"/>
-              </a:ext>
-            </a:extLst>
-          </p:cNvPr>
-          <p:cNvSpPr txBox="1"/>
-          <p:nvPr/>
-        </p:nvSpPr>
-        <p:spPr>
-          <a:xfrm>
-            <a:off x="10644850" y="6464346"/>
-            <a:ext cx="1695917" cy="276999"/>
-          </a:xfrm>
-          <a:prstGeom prst="rect">
-            <a:avLst/>
-          </a:prstGeom>
-          <a:noFill/>
-        </p:spPr>
-        <p:txBody>
-          <a:bodyPr wrap="square" rtlCol="0">
-            <a:spAutoFit/>
-          </a:bodyPr>
-          <a:lstStyle/>
-          <a:p>
-            <a:r>
-              <a:rPr kumimoji="1" lang="ja-JP" altLang="en-US" sz="1200" dirty="0">
-                <a:solidFill>
-                  <a:schemeClr val="bg1"/>
-                </a:solidFill>
-              </a:rPr>
-              <a:t>運営会社</a:t>
+            <a:r>
+              <a:rPr kumimoji="1" lang="ja-JP" altLang="en-US" b="1" dirty="0"/>
+              <a:t>ログイン</a:t>
             </a:r>
           </a:p>
         </p:txBody>
@@ -5608,7 +7925,7 @@
     </p:spTree>
     <p:extLst>
       <p:ext uri="{BB962C8B-B14F-4D97-AF65-F5344CB8AC3E}">
-        <p14:creationId xmlns:p14="http://schemas.microsoft.com/office/powerpoint/2010/main" val="3226850943"/>
+        <p14:creationId xmlns:p14="http://schemas.microsoft.com/office/powerpoint/2010/main" val="1454531131"/>
       </p:ext>
     </p:extLst>
   </p:cSld>
@@ -5728,49 +8045,12 @@
           </a:p>
         </p:txBody>
       </p:sp>
-      <p:pic>
-        <p:nvPicPr>
-          <p:cNvPr id="9" name="図 8">
-            <a:extLst>
-              <a:ext uri="{FF2B5EF4-FFF2-40B4-BE49-F238E27FC236}">
-                <a16:creationId xmlns:a16="http://schemas.microsoft.com/office/drawing/2014/main" id="{DC18CFA1-C217-4EAA-8D8C-DE07471FFF8C}"/>
-              </a:ext>
-            </a:extLst>
-          </p:cNvPr>
-          <p:cNvPicPr>
-            <a:picLocks noChangeAspect="1"/>
-          </p:cNvPicPr>
-          <p:nvPr/>
-        </p:nvPicPr>
-        <p:blipFill>
-          <a:blip r:embed="rId2">
-            <a:biLevel thresh="25000"/>
-            <a:extLst>
-              <a:ext uri="{28A0092B-C50C-407E-A947-70E740481C1C}">
-                <a14:useLocalDpi xmlns:a14="http://schemas.microsoft.com/office/drawing/2010/main" val="0"/>
-              </a:ext>
-            </a:extLst>
-          </a:blip>
-          <a:stretch>
-            <a:fillRect/>
-          </a:stretch>
-        </p:blipFill>
-        <p:spPr>
-          <a:xfrm>
-            <a:off x="11536101" y="302870"/>
-            <a:ext cx="392790" cy="392790"/>
-          </a:xfrm>
-          <a:prstGeom prst="rect">
-            <a:avLst/>
-          </a:prstGeom>
-        </p:spPr>
-      </p:pic>
-      <p:sp>
-        <p:nvSpPr>
-          <p:cNvPr id="10" name="テキスト ボックス 9">
-            <a:extLst>
-              <a:ext uri="{FF2B5EF4-FFF2-40B4-BE49-F238E27FC236}">
-                <a16:creationId xmlns:a16="http://schemas.microsoft.com/office/drawing/2014/main" id="{9935281B-B54F-4982-BECD-278051C5574F}"/>
+      <p:sp>
+        <p:nvSpPr>
+          <p:cNvPr id="15" name="テキスト ボックス 14">
+            <a:extLst>
+              <a:ext uri="{FF2B5EF4-FFF2-40B4-BE49-F238E27FC236}">
+                <a16:creationId xmlns:a16="http://schemas.microsoft.com/office/drawing/2014/main" id="{1F3EE160-1F31-43B9-AC02-8FCA2AB6FF22}"/>
               </a:ext>
             </a:extLst>
           </p:cNvPr>
@@ -5779,8 +8059,8 @@
         </p:nvSpPr>
         <p:spPr>
           <a:xfrm>
-            <a:off x="6149054" y="434050"/>
-            <a:ext cx="891250" cy="338554"/>
+            <a:off x="1273215" y="1574157"/>
+            <a:ext cx="9780608" cy="369332"/>
           </a:xfrm>
           <a:prstGeom prst="rect">
             <a:avLst/>
@@ -5793,171 +8073,12 @@
           </a:bodyPr>
           <a:lstStyle/>
           <a:p>
-            <a:r>
-              <a:rPr kumimoji="1" lang="en-US" altLang="ja-JP" sz="1600" b="1" dirty="0">
-                <a:solidFill>
-                  <a:schemeClr val="bg1"/>
-                </a:solidFill>
-              </a:rPr>
-              <a:t>TOP</a:t>
-            </a:r>
-            <a:endParaRPr kumimoji="1" lang="ja-JP" altLang="en-US" sz="1600" b="1" dirty="0">
-              <a:solidFill>
-                <a:schemeClr val="bg1"/>
-              </a:solidFill>
-            </a:endParaRPr>
-          </a:p>
-        </p:txBody>
-      </p:sp>
-      <p:sp>
-        <p:nvSpPr>
-          <p:cNvPr id="11" name="テキスト ボックス 10">
-            <a:extLst>
-              <a:ext uri="{FF2B5EF4-FFF2-40B4-BE49-F238E27FC236}">
-                <a16:creationId xmlns:a16="http://schemas.microsoft.com/office/drawing/2014/main" id="{1C06A14A-AC86-4D80-A3EC-1AF5383A99A5}"/>
-              </a:ext>
-            </a:extLst>
-          </p:cNvPr>
-          <p:cNvSpPr txBox="1"/>
-          <p:nvPr/>
-        </p:nvSpPr>
-        <p:spPr>
-          <a:xfrm>
-            <a:off x="7040304" y="434050"/>
-            <a:ext cx="1840373" cy="338554"/>
-          </a:xfrm>
-          <a:prstGeom prst="rect">
-            <a:avLst/>
-          </a:prstGeom>
-          <a:noFill/>
-        </p:spPr>
-        <p:txBody>
-          <a:bodyPr wrap="square" rtlCol="0">
-            <a:spAutoFit/>
-          </a:bodyPr>
-          <a:lstStyle/>
-          <a:p>
-            <a:r>
-              <a:rPr kumimoji="1" lang="ja-JP" altLang="en-US" sz="1600" b="1" dirty="0">
-                <a:solidFill>
-                  <a:schemeClr val="bg1"/>
-                </a:solidFill>
-              </a:rPr>
-              <a:t>健康チェック</a:t>
-            </a:r>
-          </a:p>
-        </p:txBody>
-      </p:sp>
-      <p:sp>
-        <p:nvSpPr>
-          <p:cNvPr id="12" name="テキスト ボックス 11">
-            <a:extLst>
-              <a:ext uri="{FF2B5EF4-FFF2-40B4-BE49-F238E27FC236}">
-                <a16:creationId xmlns:a16="http://schemas.microsoft.com/office/drawing/2014/main" id="{438E1E90-0FBD-4658-9908-0C5629C9704A}"/>
-              </a:ext>
-            </a:extLst>
-          </p:cNvPr>
-          <p:cNvSpPr txBox="1"/>
-          <p:nvPr/>
-        </p:nvSpPr>
-        <p:spPr>
-          <a:xfrm>
-            <a:off x="8693768" y="434050"/>
-            <a:ext cx="891250" cy="338554"/>
-          </a:xfrm>
-          <a:prstGeom prst="rect">
-            <a:avLst/>
-          </a:prstGeom>
-          <a:noFill/>
-        </p:spPr>
-        <p:txBody>
-          <a:bodyPr wrap="square" rtlCol="0">
-            <a:spAutoFit/>
-          </a:bodyPr>
-          <a:lstStyle/>
-          <a:p>
-            <a:r>
-              <a:rPr kumimoji="1" lang="ja-JP" altLang="en-US" sz="1600" b="1" dirty="0">
-                <a:solidFill>
-                  <a:schemeClr val="bg1"/>
-                </a:solidFill>
-              </a:rPr>
-              <a:t>レシピ</a:t>
-            </a:r>
-          </a:p>
-        </p:txBody>
-      </p:sp>
-      <p:sp>
-        <p:nvSpPr>
-          <p:cNvPr id="13" name="テキスト ボックス 12">
-            <a:extLst>
-              <a:ext uri="{FF2B5EF4-FFF2-40B4-BE49-F238E27FC236}">
-                <a16:creationId xmlns:a16="http://schemas.microsoft.com/office/drawing/2014/main" id="{AD1550D3-4F22-4D88-A1B0-888372E2494A}"/>
-              </a:ext>
-            </a:extLst>
-          </p:cNvPr>
-          <p:cNvSpPr txBox="1"/>
-          <p:nvPr/>
-        </p:nvSpPr>
-        <p:spPr>
-          <a:xfrm>
-            <a:off x="9848127" y="413402"/>
-            <a:ext cx="1593446" cy="338554"/>
-          </a:xfrm>
-          <a:prstGeom prst="rect">
-            <a:avLst/>
-          </a:prstGeom>
-          <a:noFill/>
-        </p:spPr>
-        <p:txBody>
-          <a:bodyPr wrap="square" rtlCol="0">
-            <a:spAutoFit/>
-          </a:bodyPr>
-          <a:lstStyle/>
-          <a:p>
-            <a:r>
-              <a:rPr kumimoji="1" lang="ja-JP" altLang="en-US" sz="1600" b="1" dirty="0">
-                <a:solidFill>
-                  <a:schemeClr val="bg1"/>
-                </a:solidFill>
-              </a:rPr>
-              <a:t>マイページ</a:t>
-            </a:r>
-          </a:p>
-        </p:txBody>
-      </p:sp>
-      <p:sp>
-        <p:nvSpPr>
-          <p:cNvPr id="15" name="テキスト ボックス 14">
-            <a:extLst>
-              <a:ext uri="{FF2B5EF4-FFF2-40B4-BE49-F238E27FC236}">
-                <a16:creationId xmlns:a16="http://schemas.microsoft.com/office/drawing/2014/main" id="{1F3EE160-1F31-43B9-AC02-8FCA2AB6FF22}"/>
-              </a:ext>
-            </a:extLst>
-          </p:cNvPr>
-          <p:cNvSpPr txBox="1"/>
-          <p:nvPr/>
-        </p:nvSpPr>
-        <p:spPr>
-          <a:xfrm>
-            <a:off x="5354600" y="1499788"/>
-            <a:ext cx="2480157" cy="369332"/>
-          </a:xfrm>
-          <a:prstGeom prst="rect">
-            <a:avLst/>
-          </a:prstGeom>
-          <a:noFill/>
-        </p:spPr>
-        <p:txBody>
-          <a:bodyPr wrap="square" rtlCol="0">
-            <a:spAutoFit/>
-          </a:bodyPr>
-          <a:lstStyle/>
-          <a:p>
-            <a:r>
-              <a:rPr kumimoji="1" lang="ja-JP" altLang="en-US" dirty="0"/>
-              <a:t>健康チェック</a:t>
-            </a:r>
+            <a:pPr algn="ctr"/>
+            <a:r>
+              <a:rPr lang="ja-JP" altLang="en-US" dirty="0"/>
+              <a:t>新規登録</a:t>
+            </a:r>
+            <a:endParaRPr kumimoji="1" lang="ja-JP" altLang="en-US" dirty="0"/>
           </a:p>
         </p:txBody>
       </p:sp>
@@ -5970,9 +8091,7 @@
               </a:ext>
             </a:extLst>
           </p:cNvPr>
-          <p:cNvCxnSpPr>
-            <a:cxnSpLocks/>
-          </p:cNvCxnSpPr>
+          <p:cNvCxnSpPr/>
           <p:nvPr/>
         </p:nvCxnSpPr>
         <p:spPr>
@@ -6001,10 +8120,59 @@
       </p:cxnSp>
       <p:sp>
         <p:nvSpPr>
-          <p:cNvPr id="58" name="テキスト ボックス 57">
-            <a:extLst>
-              <a:ext uri="{FF2B5EF4-FFF2-40B4-BE49-F238E27FC236}">
-                <a16:creationId xmlns:a16="http://schemas.microsoft.com/office/drawing/2014/main" id="{FC01D6EC-4BE4-43F8-AD94-5DA91684F9F2}"/>
+          <p:cNvPr id="23" name="正方形/長方形 22">
+            <a:extLst>
+              <a:ext uri="{FF2B5EF4-FFF2-40B4-BE49-F238E27FC236}">
+                <a16:creationId xmlns:a16="http://schemas.microsoft.com/office/drawing/2014/main" id="{2406CEEA-2325-4FAE-9132-BBB983156608}"/>
+              </a:ext>
+            </a:extLst>
+          </p:cNvPr>
+          <p:cNvSpPr/>
+          <p:nvPr/>
+        </p:nvSpPr>
+        <p:spPr>
+          <a:xfrm>
+            <a:off x="0" y="6327388"/>
+            <a:ext cx="12192000" cy="530612"/>
+          </a:xfrm>
+          <a:prstGeom prst="rect">
+            <a:avLst/>
+          </a:prstGeom>
+          <a:ln>
+            <a:noFill/>
+          </a:ln>
+        </p:spPr>
+        <p:style>
+          <a:lnRef idx="2">
+            <a:schemeClr val="accent1">
+              <a:shade val="50000"/>
+            </a:schemeClr>
+          </a:lnRef>
+          <a:fillRef idx="1">
+            <a:schemeClr val="accent1"/>
+          </a:fillRef>
+          <a:effectRef idx="0">
+            <a:schemeClr val="accent1"/>
+          </a:effectRef>
+          <a:fontRef idx="minor">
+            <a:schemeClr val="lt1"/>
+          </a:fontRef>
+        </p:style>
+        <p:txBody>
+          <a:bodyPr rtlCol="0" anchor="ctr"/>
+          <a:lstStyle/>
+          <a:p>
+            <a:pPr algn="ctr"/>
+            <a:endParaRPr kumimoji="1" lang="ja-JP" altLang="en-US"/>
+          </a:p>
+        </p:txBody>
+      </p:sp>
+      <p:sp>
+        <p:nvSpPr>
+          <p:cNvPr id="2" name="テキスト ボックス 1">
+            <a:extLst>
+              <a:ext uri="{FF2B5EF4-FFF2-40B4-BE49-F238E27FC236}">
+                <a16:creationId xmlns:a16="http://schemas.microsoft.com/office/drawing/2014/main" id="{821C7A44-2287-4196-9524-66C7349DD9CF}"/>
               </a:ext>
             </a:extLst>
           </p:cNvPr>
@@ -6013,8 +8181,8 @@
         </p:nvSpPr>
         <p:spPr>
           <a:xfrm>
-            <a:off x="4294470" y="3059668"/>
-            <a:ext cx="4210315" cy="369332"/>
+            <a:off x="1642821" y="2312821"/>
+            <a:ext cx="1224366" cy="369332"/>
           </a:xfrm>
           <a:prstGeom prst="rect">
             <a:avLst/>
@@ -6029,18 +8197,272 @@
           <a:p>
             <a:r>
               <a:rPr kumimoji="1" lang="ja-JP" altLang="en-US" dirty="0"/>
-              <a:t>今日の健康チェックをしましょう</a:t>
-            </a:r>
-            <a:endParaRPr kumimoji="1" lang="en-US" altLang="ja-JP" dirty="0"/>
-          </a:p>
-        </p:txBody>
-      </p:sp>
-      <p:sp>
-        <p:nvSpPr>
-          <p:cNvPr id="59" name="四角形: 角を丸くする 58">
-            <a:extLst>
-              <a:ext uri="{FF2B5EF4-FFF2-40B4-BE49-F238E27FC236}">
-                <a16:creationId xmlns:a16="http://schemas.microsoft.com/office/drawing/2014/main" id="{3B7CB8C8-47A5-4E04-B5FA-B4302311F55C}"/>
+              <a:t>名前</a:t>
+            </a:r>
+          </a:p>
+        </p:txBody>
+      </p:sp>
+      <p:sp>
+        <p:nvSpPr>
+          <p:cNvPr id="3" name="テキスト ボックス 2">
+            <a:extLst>
+              <a:ext uri="{FF2B5EF4-FFF2-40B4-BE49-F238E27FC236}">
+                <a16:creationId xmlns:a16="http://schemas.microsoft.com/office/drawing/2014/main" id="{ADF569E2-51DC-401C-9DB9-4DD283ADFA01}"/>
+              </a:ext>
+            </a:extLst>
+          </p:cNvPr>
+          <p:cNvSpPr txBox="1"/>
+          <p:nvPr/>
+        </p:nvSpPr>
+        <p:spPr>
+          <a:xfrm>
+            <a:off x="3914206" y="2312821"/>
+            <a:ext cx="5229795" cy="369332"/>
+          </a:xfrm>
+          <a:prstGeom prst="rect">
+            <a:avLst/>
+          </a:prstGeom>
+        </p:spPr>
+        <p:style>
+          <a:lnRef idx="2">
+            <a:schemeClr val="accent3"/>
+          </a:lnRef>
+          <a:fillRef idx="1">
+            <a:schemeClr val="lt1"/>
+          </a:fillRef>
+          <a:effectRef idx="0">
+            <a:schemeClr val="accent3"/>
+          </a:effectRef>
+          <a:fontRef idx="minor">
+            <a:schemeClr val="dk1"/>
+          </a:fontRef>
+        </p:style>
+        <p:txBody>
+          <a:bodyPr wrap="square" rtlCol="0">
+            <a:spAutoFit/>
+          </a:bodyPr>
+          <a:lstStyle/>
+          <a:p>
+            <a:endParaRPr kumimoji="1" lang="ja-JP" altLang="en-US" dirty="0"/>
+          </a:p>
+        </p:txBody>
+      </p:sp>
+      <p:sp>
+        <p:nvSpPr>
+          <p:cNvPr id="13" name="テキスト ボックス 12">
+            <a:extLst>
+              <a:ext uri="{FF2B5EF4-FFF2-40B4-BE49-F238E27FC236}">
+                <a16:creationId xmlns:a16="http://schemas.microsoft.com/office/drawing/2014/main" id="{EDDAEF76-F0B0-4C44-B2D4-7C6D6266E1DF}"/>
+              </a:ext>
+            </a:extLst>
+          </p:cNvPr>
+          <p:cNvSpPr txBox="1"/>
+          <p:nvPr/>
+        </p:nvSpPr>
+        <p:spPr>
+          <a:xfrm>
+            <a:off x="1642819" y="2864009"/>
+            <a:ext cx="1806435" cy="369332"/>
+          </a:xfrm>
+          <a:prstGeom prst="rect">
+            <a:avLst/>
+          </a:prstGeom>
+          <a:noFill/>
+        </p:spPr>
+        <p:txBody>
+          <a:bodyPr wrap="square" rtlCol="0">
+            <a:spAutoFit/>
+          </a:bodyPr>
+          <a:lstStyle/>
+          <a:p>
+            <a:r>
+              <a:rPr kumimoji="1" lang="ja-JP" altLang="en-US" dirty="0"/>
+              <a:t>メールアドレス</a:t>
+            </a:r>
+          </a:p>
+        </p:txBody>
+      </p:sp>
+      <p:sp>
+        <p:nvSpPr>
+          <p:cNvPr id="14" name="テキスト ボックス 13">
+            <a:extLst>
+              <a:ext uri="{FF2B5EF4-FFF2-40B4-BE49-F238E27FC236}">
+                <a16:creationId xmlns:a16="http://schemas.microsoft.com/office/drawing/2014/main" id="{1F18D2BE-0C33-4F04-B7D4-08C0798623E2}"/>
+              </a:ext>
+            </a:extLst>
+          </p:cNvPr>
+          <p:cNvSpPr txBox="1"/>
+          <p:nvPr/>
+        </p:nvSpPr>
+        <p:spPr>
+          <a:xfrm>
+            <a:off x="3914206" y="2864009"/>
+            <a:ext cx="5229795" cy="369332"/>
+          </a:xfrm>
+          <a:prstGeom prst="rect">
+            <a:avLst/>
+          </a:prstGeom>
+        </p:spPr>
+        <p:style>
+          <a:lnRef idx="2">
+            <a:schemeClr val="accent3"/>
+          </a:lnRef>
+          <a:fillRef idx="1">
+            <a:schemeClr val="lt1"/>
+          </a:fillRef>
+          <a:effectRef idx="0">
+            <a:schemeClr val="accent3"/>
+          </a:effectRef>
+          <a:fontRef idx="minor">
+            <a:schemeClr val="dk1"/>
+          </a:fontRef>
+        </p:style>
+        <p:txBody>
+          <a:bodyPr wrap="square" rtlCol="0">
+            <a:spAutoFit/>
+          </a:bodyPr>
+          <a:lstStyle/>
+          <a:p>
+            <a:endParaRPr kumimoji="1" lang="ja-JP" altLang="en-US" dirty="0"/>
+          </a:p>
+        </p:txBody>
+      </p:sp>
+      <p:sp>
+        <p:nvSpPr>
+          <p:cNvPr id="16" name="テキスト ボックス 15">
+            <a:extLst>
+              <a:ext uri="{FF2B5EF4-FFF2-40B4-BE49-F238E27FC236}">
+                <a16:creationId xmlns:a16="http://schemas.microsoft.com/office/drawing/2014/main" id="{9C4913CF-092B-4810-9D56-B9E16660003F}"/>
+              </a:ext>
+            </a:extLst>
+          </p:cNvPr>
+          <p:cNvSpPr txBox="1"/>
+          <p:nvPr/>
+        </p:nvSpPr>
+        <p:spPr>
+          <a:xfrm>
+            <a:off x="1642819" y="3413078"/>
+            <a:ext cx="1806435" cy="369332"/>
+          </a:xfrm>
+          <a:prstGeom prst="rect">
+            <a:avLst/>
+          </a:prstGeom>
+          <a:noFill/>
+        </p:spPr>
+        <p:txBody>
+          <a:bodyPr wrap="square" rtlCol="0">
+            <a:spAutoFit/>
+          </a:bodyPr>
+          <a:lstStyle/>
+          <a:p>
+            <a:r>
+              <a:rPr kumimoji="1" lang="ja-JP" altLang="en-US" dirty="0"/>
+              <a:t>パスワード</a:t>
+            </a:r>
+          </a:p>
+        </p:txBody>
+      </p:sp>
+      <p:sp>
+        <p:nvSpPr>
+          <p:cNvPr id="20" name="テキスト ボックス 19">
+            <a:extLst>
+              <a:ext uri="{FF2B5EF4-FFF2-40B4-BE49-F238E27FC236}">
+                <a16:creationId xmlns:a16="http://schemas.microsoft.com/office/drawing/2014/main" id="{E8C76889-0044-411D-8A8B-F822889755AE}"/>
+              </a:ext>
+            </a:extLst>
+          </p:cNvPr>
+          <p:cNvSpPr txBox="1"/>
+          <p:nvPr/>
+        </p:nvSpPr>
+        <p:spPr>
+          <a:xfrm>
+            <a:off x="3914206" y="3413078"/>
+            <a:ext cx="5229795" cy="369332"/>
+          </a:xfrm>
+          <a:prstGeom prst="rect">
+            <a:avLst/>
+          </a:prstGeom>
+        </p:spPr>
+        <p:style>
+          <a:lnRef idx="2">
+            <a:schemeClr val="accent3"/>
+          </a:lnRef>
+          <a:fillRef idx="1">
+            <a:schemeClr val="lt1"/>
+          </a:fillRef>
+          <a:effectRef idx="0">
+            <a:schemeClr val="accent3"/>
+          </a:effectRef>
+          <a:fontRef idx="minor">
+            <a:schemeClr val="dk1"/>
+          </a:fontRef>
+        </p:style>
+        <p:txBody>
+          <a:bodyPr wrap="square" rtlCol="0">
+            <a:spAutoFit/>
+          </a:bodyPr>
+          <a:lstStyle/>
+          <a:p>
+            <a:endParaRPr kumimoji="1" lang="ja-JP" altLang="en-US" dirty="0"/>
+          </a:p>
+        </p:txBody>
+      </p:sp>
+      <p:sp>
+        <p:nvSpPr>
+          <p:cNvPr id="5" name="テキスト ボックス 4">
+            <a:extLst>
+              <a:ext uri="{FF2B5EF4-FFF2-40B4-BE49-F238E27FC236}">
+                <a16:creationId xmlns:a16="http://schemas.microsoft.com/office/drawing/2014/main" id="{CB5CAF12-9851-4848-8CC6-5C75434EA935}"/>
+              </a:ext>
+            </a:extLst>
+          </p:cNvPr>
+          <p:cNvSpPr txBox="1"/>
+          <p:nvPr/>
+        </p:nvSpPr>
+        <p:spPr>
+          <a:xfrm>
+            <a:off x="6242384" y="4175848"/>
+            <a:ext cx="573437" cy="1015663"/>
+          </a:xfrm>
+          <a:prstGeom prst="rect">
+            <a:avLst/>
+          </a:prstGeom>
+          <a:noFill/>
+        </p:spPr>
+        <p:txBody>
+          <a:bodyPr wrap="square" rtlCol="0">
+            <a:spAutoFit/>
+          </a:bodyPr>
+          <a:lstStyle/>
+          <a:p>
+            <a:r>
+              <a:rPr lang="ja-JP" altLang="en-US" sz="1200" dirty="0"/>
+              <a:t>・</a:t>
+            </a:r>
+            <a:endParaRPr lang="en-US" altLang="ja-JP" sz="1200" dirty="0"/>
+          </a:p>
+          <a:p>
+            <a:r>
+              <a:rPr lang="ja-JP" altLang="en-US" sz="1200" dirty="0"/>
+              <a:t>　　　・</a:t>
+            </a:r>
+            <a:endParaRPr lang="en-US" altLang="ja-JP" sz="1200" dirty="0"/>
+          </a:p>
+          <a:p>
+            <a:r>
+              <a:rPr lang="ja-JP" altLang="en-US" sz="1200" dirty="0"/>
+              <a:t>　　　・</a:t>
+            </a:r>
+            <a:endParaRPr kumimoji="1" lang="ja-JP" altLang="en-US" sz="1200" dirty="0"/>
+          </a:p>
+        </p:txBody>
+      </p:sp>
+      <p:sp>
+        <p:nvSpPr>
+          <p:cNvPr id="26" name="四角形: 角を丸くする 25">
+            <a:extLst>
+              <a:ext uri="{FF2B5EF4-FFF2-40B4-BE49-F238E27FC236}">
+                <a16:creationId xmlns:a16="http://schemas.microsoft.com/office/drawing/2014/main" id="{55D9C0A4-F38D-466B-B38C-04027FC640D1}"/>
               </a:ext>
             </a:extLst>
           </p:cNvPr>
@@ -6049,7 +8471,7 @@
         </p:nvSpPr>
         <p:spPr>
           <a:xfrm>
-            <a:off x="4961681" y="3929460"/>
+            <a:off x="5394783" y="5584949"/>
             <a:ext cx="2268638" cy="486136"/>
           </a:xfrm>
           <a:prstGeom prst="roundRect">
@@ -6064,13 +8486,6 @@
           <a:ln>
             <a:noFill/>
           </a:ln>
-          <a:effectLst>
-            <a:outerShdw blurRad="50800" dist="38100" dir="2700000" algn="tl" rotWithShape="0">
-              <a:prstClr val="black">
-                <a:alpha val="40000"/>
-              </a:prstClr>
-            </a:outerShdw>
-          </a:effectLst>
         </p:spPr>
         <p:style>
           <a:lnRef idx="2">
@@ -6094,182 +8509,17 @@
           <a:p>
             <a:pPr algn="ctr"/>
             <a:r>
-              <a:rPr kumimoji="1" lang="ja-JP" altLang="en-US" b="1" dirty="0"/>
-              <a:t>スタート</a:t>
-            </a:r>
-          </a:p>
-        </p:txBody>
-      </p:sp>
-      <p:sp>
-        <p:nvSpPr>
-          <p:cNvPr id="61" name="正方形/長方形 60">
-            <a:extLst>
-              <a:ext uri="{FF2B5EF4-FFF2-40B4-BE49-F238E27FC236}">
-                <a16:creationId xmlns:a16="http://schemas.microsoft.com/office/drawing/2014/main" id="{98B6EA4B-0D08-4197-BBEB-9777D11C9AFF}"/>
-              </a:ext>
-            </a:extLst>
-          </p:cNvPr>
-          <p:cNvSpPr/>
-          <p:nvPr/>
-        </p:nvSpPr>
-        <p:spPr>
-          <a:xfrm>
-            <a:off x="0" y="6327388"/>
-            <a:ext cx="12192000" cy="530612"/>
-          </a:xfrm>
-          <a:prstGeom prst="rect">
-            <a:avLst/>
-          </a:prstGeom>
-          <a:ln>
-            <a:noFill/>
-          </a:ln>
-        </p:spPr>
-        <p:style>
-          <a:lnRef idx="2">
-            <a:schemeClr val="accent1">
-              <a:shade val="50000"/>
-            </a:schemeClr>
-          </a:lnRef>
-          <a:fillRef idx="1">
-            <a:schemeClr val="accent1"/>
-          </a:fillRef>
-          <a:effectRef idx="0">
-            <a:schemeClr val="accent1"/>
-          </a:effectRef>
-          <a:fontRef idx="minor">
-            <a:schemeClr val="lt1"/>
-          </a:fontRef>
-        </p:style>
-        <p:txBody>
-          <a:bodyPr rtlCol="0" anchor="ctr"/>
-          <a:lstStyle/>
-          <a:p>
-            <a:pPr algn="ctr"/>
-            <a:endParaRPr kumimoji="1" lang="ja-JP" altLang="en-US"/>
-          </a:p>
-        </p:txBody>
-      </p:sp>
-      <p:sp>
-        <p:nvSpPr>
-          <p:cNvPr id="62" name="テキスト ボックス 61">
-            <a:extLst>
-              <a:ext uri="{FF2B5EF4-FFF2-40B4-BE49-F238E27FC236}">
-                <a16:creationId xmlns:a16="http://schemas.microsoft.com/office/drawing/2014/main" id="{0EF87866-1C00-4FF2-BFFF-D7D277BA97A1}"/>
-              </a:ext>
-            </a:extLst>
-          </p:cNvPr>
-          <p:cNvSpPr txBox="1"/>
-          <p:nvPr/>
-        </p:nvSpPr>
-        <p:spPr>
-          <a:xfrm>
-            <a:off x="7451025" y="6443432"/>
-            <a:ext cx="1695917" cy="276999"/>
-          </a:xfrm>
-          <a:prstGeom prst="rect">
-            <a:avLst/>
-          </a:prstGeom>
-          <a:noFill/>
-        </p:spPr>
-        <p:txBody>
-          <a:bodyPr wrap="square" rtlCol="0">
-            <a:spAutoFit/>
-          </a:bodyPr>
-          <a:lstStyle/>
-          <a:p>
-            <a:r>
-              <a:rPr kumimoji="1" lang="ja-JP" altLang="en-US" sz="1200" dirty="0">
-                <a:solidFill>
-                  <a:schemeClr val="bg1"/>
-                </a:solidFill>
-              </a:rPr>
-              <a:t>利用規約</a:t>
-            </a:r>
-          </a:p>
-        </p:txBody>
-      </p:sp>
-      <p:sp>
-        <p:nvSpPr>
-          <p:cNvPr id="63" name="テキスト ボックス 62">
-            <a:extLst>
-              <a:ext uri="{FF2B5EF4-FFF2-40B4-BE49-F238E27FC236}">
-                <a16:creationId xmlns:a16="http://schemas.microsoft.com/office/drawing/2014/main" id="{3E6D3612-B192-4CA4-9D51-D5E362AB8605}"/>
-              </a:ext>
-            </a:extLst>
-          </p:cNvPr>
-          <p:cNvSpPr txBox="1"/>
-          <p:nvPr/>
-        </p:nvSpPr>
-        <p:spPr>
-          <a:xfrm>
-            <a:off x="8563824" y="6453889"/>
-            <a:ext cx="2515377" cy="276999"/>
-          </a:xfrm>
-          <a:prstGeom prst="rect">
-            <a:avLst/>
-          </a:prstGeom>
-          <a:noFill/>
-        </p:spPr>
-        <p:txBody>
-          <a:bodyPr wrap="square" rtlCol="0">
-            <a:spAutoFit/>
-          </a:bodyPr>
-          <a:lstStyle/>
-          <a:p>
-            <a:r>
-              <a:rPr kumimoji="1" lang="ja-JP" altLang="en-US" sz="1200" dirty="0">
-                <a:solidFill>
-                  <a:schemeClr val="bg1"/>
-                </a:solidFill>
-              </a:rPr>
-              <a:t>プライバシーポリシー</a:t>
-            </a:r>
-          </a:p>
-        </p:txBody>
-      </p:sp>
-      <p:sp>
-        <p:nvSpPr>
-          <p:cNvPr id="64" name="テキスト ボックス 63">
-            <a:extLst>
-              <a:ext uri="{FF2B5EF4-FFF2-40B4-BE49-F238E27FC236}">
-                <a16:creationId xmlns:a16="http://schemas.microsoft.com/office/drawing/2014/main" id="{8E0728CA-1FE1-4BAC-8051-F788CF640C16}"/>
-              </a:ext>
-            </a:extLst>
-          </p:cNvPr>
-          <p:cNvSpPr txBox="1"/>
-          <p:nvPr/>
-        </p:nvSpPr>
-        <p:spPr>
-          <a:xfrm>
-            <a:off x="10644850" y="6464346"/>
-            <a:ext cx="1695917" cy="276999"/>
-          </a:xfrm>
-          <a:prstGeom prst="rect">
-            <a:avLst/>
-          </a:prstGeom>
-          <a:noFill/>
-        </p:spPr>
-        <p:txBody>
-          <a:bodyPr wrap="square" rtlCol="0">
-            <a:spAutoFit/>
-          </a:bodyPr>
-          <a:lstStyle/>
-          <a:p>
-            <a:r>
-              <a:rPr kumimoji="1" lang="ja-JP" altLang="en-US" sz="1200" dirty="0">
-                <a:solidFill>
-                  <a:schemeClr val="bg1"/>
-                </a:solidFill>
-              </a:rPr>
-              <a:t>運営会社</a:t>
-            </a:r>
+              <a:rPr lang="ja-JP" altLang="en-US" b="1" dirty="0"/>
+              <a:t>登録</a:t>
+            </a:r>
+            <a:endParaRPr kumimoji="1" lang="ja-JP" altLang="en-US" b="1" dirty="0"/>
           </a:p>
         </p:txBody>
       </p:sp>
     </p:spTree>
     <p:extLst>
       <p:ext uri="{BB962C8B-B14F-4D97-AF65-F5344CB8AC3E}">
-        <p14:creationId xmlns:p14="http://schemas.microsoft.com/office/powerpoint/2010/main" val="3409366305"/>
+        <p14:creationId xmlns:p14="http://schemas.microsoft.com/office/powerpoint/2010/main" val="1366160609"/>
       </p:ext>
     </p:extLst>
   </p:cSld>
@@ -6617,7 +8867,7 @@
           <a:p>
             <a:r>
               <a:rPr kumimoji="1" lang="ja-JP" altLang="en-US" dirty="0"/>
-              <a:t>健康チェック</a:t>
+              <a:t>〇月〇日（〇）</a:t>
             </a:r>
           </a:p>
         </p:txBody>
@@ -6660,12 +8910,42 @@
           </a:fontRef>
         </p:style>
       </p:cxnSp>
-      <p:sp>
-        <p:nvSpPr>
-          <p:cNvPr id="58" name="テキスト ボックス 57">
-            <a:extLst>
-              <a:ext uri="{FF2B5EF4-FFF2-40B4-BE49-F238E27FC236}">
-                <a16:creationId xmlns:a16="http://schemas.microsoft.com/office/drawing/2014/main" id="{FC01D6EC-4BE4-43F8-AD94-5DA91684F9F2}"/>
+      <p:graphicFrame>
+        <p:nvGraphicFramePr>
+          <p:cNvPr id="51" name="グラフ 50">
+            <a:extLst>
+              <a:ext uri="{FF2B5EF4-FFF2-40B4-BE49-F238E27FC236}">
+                <a16:creationId xmlns:a16="http://schemas.microsoft.com/office/drawing/2014/main" id="{E208F3E7-64E6-47CE-B433-0C229F21CD26}"/>
+              </a:ext>
+            </a:extLst>
+          </p:cNvPr>
+          <p:cNvGraphicFramePr>
+            <a:graphicFrameLocks/>
+          </p:cNvGraphicFramePr>
+          <p:nvPr>
+            <p:extLst>
+              <p:ext uri="{D42A27DB-BD31-4B8C-83A1-F6EECF244321}">
+                <p14:modId xmlns:p14="http://schemas.microsoft.com/office/powerpoint/2010/main" val="1480140703"/>
+              </p:ext>
+            </p:extLst>
+          </p:nvPr>
+        </p:nvGraphicFramePr>
+        <p:xfrm>
+          <a:off x="2883339" y="3529028"/>
+          <a:ext cx="6125029" cy="2743200"/>
+        </p:xfrm>
+        <a:graphic>
+          <a:graphicData uri="http://schemas.openxmlformats.org/drawingml/2006/chart">
+            <c:chart xmlns:c="http://schemas.openxmlformats.org/drawingml/2006/chart" xmlns:r="http://schemas.openxmlformats.org/officeDocument/2006/relationships" r:id="rId3"/>
+          </a:graphicData>
+        </a:graphic>
+      </p:graphicFrame>
+      <p:sp>
+        <p:nvSpPr>
+          <p:cNvPr id="54" name="テキスト ボックス 53">
+            <a:extLst>
+              <a:ext uri="{FF2B5EF4-FFF2-40B4-BE49-F238E27FC236}">
+                <a16:creationId xmlns:a16="http://schemas.microsoft.com/office/drawing/2014/main" id="{8C935EF3-72ED-466A-B25C-B077FD3898D9}"/>
               </a:ext>
             </a:extLst>
           </p:cNvPr>
@@ -6674,8 +8954,8 @@
         </p:nvSpPr>
         <p:spPr>
           <a:xfrm>
-            <a:off x="3960732" y="2626221"/>
-            <a:ext cx="4376643" cy="923330"/>
+            <a:off x="4882538" y="2682898"/>
+            <a:ext cx="5762312" cy="523220"/>
           </a:xfrm>
           <a:prstGeom prst="rect">
             <a:avLst/>
@@ -6688,32 +8968,34 @@
           </a:bodyPr>
           <a:lstStyle/>
           <a:p>
-            <a:pPr algn="ctr"/>
-            <a:r>
-              <a:rPr kumimoji="1" lang="en-US" altLang="ja-JP" dirty="0"/>
-              <a:t>Q1.</a:t>
-            </a:r>
-          </a:p>
-          <a:p>
-            <a:pPr algn="ctr"/>
-            <a:endParaRPr kumimoji="1" lang="en-US" altLang="ja-JP" dirty="0"/>
-          </a:p>
-          <a:p>
-            <a:pPr algn="ctr"/>
-            <a:r>
-              <a:rPr kumimoji="1" lang="ja-JP" altLang="en-US" dirty="0"/>
-              <a:t>今日歩いた歩数を入力してください</a:t>
-            </a:r>
-            <a:endParaRPr kumimoji="1" lang="en-US" altLang="ja-JP" dirty="0"/>
-          </a:p>
-        </p:txBody>
-      </p:sp>
-      <p:sp>
-        <p:nvSpPr>
-          <p:cNvPr id="3" name="正方形/長方形 2">
-            <a:extLst>
-              <a:ext uri="{FF2B5EF4-FFF2-40B4-BE49-F238E27FC236}">
-                <a16:creationId xmlns:a16="http://schemas.microsoft.com/office/drawing/2014/main" id="{9021E0F6-B8D7-4DE2-A124-F796E94C0FDE}"/>
+            <a:r>
+              <a:rPr kumimoji="1" lang="ja-JP" altLang="en-US" sz="1400" dirty="0"/>
+              <a:t>前日より</a:t>
+            </a:r>
+            <a:r>
+              <a:rPr kumimoji="1" lang="en-US" altLang="ja-JP" sz="1400" dirty="0"/>
+              <a:t>2</a:t>
+            </a:r>
+            <a:r>
+              <a:rPr kumimoji="1" lang="ja-JP" altLang="en-US" sz="1400" dirty="0"/>
+              <a:t>点アップしました！</a:t>
+            </a:r>
+            <a:endParaRPr kumimoji="1" lang="en-US" altLang="ja-JP" sz="1400" dirty="0"/>
+          </a:p>
+          <a:p>
+            <a:r>
+              <a:rPr kumimoji="1" lang="ja-JP" altLang="en-US" sz="1400" dirty="0"/>
+              <a:t>この調子でポイントアップを目指しましょう！</a:t>
+            </a:r>
+          </a:p>
+        </p:txBody>
+      </p:sp>
+      <p:sp>
+        <p:nvSpPr>
+          <p:cNvPr id="55" name="正方形/長方形 54">
+            <a:extLst>
+              <a:ext uri="{FF2B5EF4-FFF2-40B4-BE49-F238E27FC236}">
+                <a16:creationId xmlns:a16="http://schemas.microsoft.com/office/drawing/2014/main" id="{998AD345-6754-43B3-9CFB-00721A00B0EC}"/>
               </a:ext>
             </a:extLst>
           </p:cNvPr>
@@ -6722,8 +9004,8 @@
         </p:nvSpPr>
         <p:spPr>
           <a:xfrm>
-            <a:off x="3786767" y="3962400"/>
-            <a:ext cx="3702604" cy="624115"/>
+            <a:off x="3439886" y="2688347"/>
+            <a:ext cx="653141" cy="653141"/>
           </a:xfrm>
           <a:prstGeom prst="rect">
             <a:avLst/>
@@ -6758,16 +9040,58 @@
           <a:lstStyle/>
           <a:p>
             <a:pPr algn="ctr"/>
-            <a:endParaRPr kumimoji="1" lang="ja-JP" altLang="en-US"/>
-          </a:p>
-        </p:txBody>
-      </p:sp>
-      <p:sp>
-        <p:nvSpPr>
-          <p:cNvPr id="19" name="楕円 18">
-            <a:extLst>
-              <a:ext uri="{FF2B5EF4-FFF2-40B4-BE49-F238E27FC236}">
-                <a16:creationId xmlns:a16="http://schemas.microsoft.com/office/drawing/2014/main" id="{B5BB4981-236F-4DFA-8804-2858DE3CD193}"/>
+            <a:r>
+              <a:rPr kumimoji="1" lang="ja-JP" altLang="en-US" sz="2800" dirty="0">
+                <a:solidFill>
+                  <a:schemeClr val="tx1"/>
+                </a:solidFill>
+              </a:rPr>
+              <a:t>８</a:t>
+            </a:r>
+          </a:p>
+        </p:txBody>
+      </p:sp>
+      <p:sp>
+        <p:nvSpPr>
+          <p:cNvPr id="56" name="テキスト ボックス 55">
+            <a:extLst>
+              <a:ext uri="{FF2B5EF4-FFF2-40B4-BE49-F238E27FC236}">
+                <a16:creationId xmlns:a16="http://schemas.microsoft.com/office/drawing/2014/main" id="{7D1DDAAF-3989-47B0-9A55-03A74AA5B2C5}"/>
+              </a:ext>
+            </a:extLst>
+          </p:cNvPr>
+          <p:cNvSpPr txBox="1"/>
+          <p:nvPr/>
+        </p:nvSpPr>
+        <p:spPr>
+          <a:xfrm>
+            <a:off x="3068685" y="2346918"/>
+            <a:ext cx="1816461" cy="307777"/>
+          </a:xfrm>
+          <a:prstGeom prst="rect">
+            <a:avLst/>
+          </a:prstGeom>
+          <a:noFill/>
+        </p:spPr>
+        <p:txBody>
+          <a:bodyPr wrap="square" rtlCol="0">
+            <a:spAutoFit/>
+          </a:bodyPr>
+          <a:lstStyle/>
+          <a:p>
+            <a:r>
+              <a:rPr kumimoji="1" lang="ja-JP" altLang="en-US" sz="1400" dirty="0"/>
+              <a:t>今日のポイント</a:t>
+            </a:r>
+          </a:p>
+        </p:txBody>
+      </p:sp>
+      <p:sp>
+        <p:nvSpPr>
+          <p:cNvPr id="16" name="正方形/長方形 15">
+            <a:extLst>
+              <a:ext uri="{FF2B5EF4-FFF2-40B4-BE49-F238E27FC236}">
+                <a16:creationId xmlns:a16="http://schemas.microsoft.com/office/drawing/2014/main" id="{487D07B4-5DE8-411A-8740-6BD4716D4087}"/>
               </a:ext>
             </a:extLst>
           </p:cNvPr>
@@ -6776,28 +9100,15 @@
         </p:nvSpPr>
         <p:spPr>
           <a:xfrm>
-            <a:off x="7911181" y="3770114"/>
-            <a:ext cx="969496" cy="969496"/>
-          </a:xfrm>
-          <a:prstGeom prst="ellipse">
-            <a:avLst/>
-          </a:prstGeom>
-          <a:solidFill>
-            <a:schemeClr val="accent1">
-              <a:lumMod val="40000"/>
-              <a:lumOff val="60000"/>
-            </a:schemeClr>
-          </a:solidFill>
+            <a:off x="0" y="6327388"/>
+            <a:ext cx="12192000" cy="530612"/>
+          </a:xfrm>
+          <a:prstGeom prst="rect">
+            <a:avLst/>
+          </a:prstGeom>
           <a:ln>
             <a:noFill/>
           </a:ln>
-          <a:effectLst>
-            <a:outerShdw blurRad="50800" dist="38100" dir="2700000" algn="tl" rotWithShape="0">
-              <a:prstClr val="black">
-                <a:alpha val="40000"/>
-              </a:prstClr>
-            </a:outerShdw>
-          </a:effectLst>
         </p:spPr>
         <p:style>
           <a:lnRef idx="2">
@@ -6820,69 +9131,16 @@
           <a:lstStyle/>
           <a:p>
             <a:pPr algn="ctr"/>
-            <a:r>
-              <a:rPr kumimoji="1" lang="en-US" altLang="ja-JP" b="1" dirty="0"/>
-              <a:t>OK</a:t>
-            </a:r>
-            <a:endParaRPr kumimoji="1" lang="ja-JP" altLang="en-US" b="1" dirty="0"/>
-          </a:p>
-        </p:txBody>
-      </p:sp>
-      <p:sp>
-        <p:nvSpPr>
-          <p:cNvPr id="21" name="正方形/長方形 20">
-            <a:extLst>
-              <a:ext uri="{FF2B5EF4-FFF2-40B4-BE49-F238E27FC236}">
-                <a16:creationId xmlns:a16="http://schemas.microsoft.com/office/drawing/2014/main" id="{B07BDB6A-77C1-406A-8105-041A92CE6327}"/>
-              </a:ext>
-            </a:extLst>
-          </p:cNvPr>
-          <p:cNvSpPr/>
-          <p:nvPr/>
-        </p:nvSpPr>
-        <p:spPr>
-          <a:xfrm>
-            <a:off x="0" y="6327388"/>
-            <a:ext cx="12192000" cy="530612"/>
-          </a:xfrm>
-          <a:prstGeom prst="rect">
-            <a:avLst/>
-          </a:prstGeom>
-          <a:ln>
-            <a:noFill/>
-          </a:ln>
-        </p:spPr>
-        <p:style>
-          <a:lnRef idx="2">
-            <a:schemeClr val="accent1">
-              <a:shade val="50000"/>
-            </a:schemeClr>
-          </a:lnRef>
-          <a:fillRef idx="1">
-            <a:schemeClr val="accent1"/>
-          </a:fillRef>
-          <a:effectRef idx="0">
-            <a:schemeClr val="accent1"/>
-          </a:effectRef>
-          <a:fontRef idx="minor">
-            <a:schemeClr val="lt1"/>
-          </a:fontRef>
-        </p:style>
-        <p:txBody>
-          <a:bodyPr rtlCol="0" anchor="ctr"/>
-          <a:lstStyle/>
-          <a:p>
-            <a:pPr algn="ctr"/>
             <a:endParaRPr kumimoji="1" lang="ja-JP" altLang="en-US"/>
           </a:p>
         </p:txBody>
       </p:sp>
       <p:sp>
         <p:nvSpPr>
-          <p:cNvPr id="22" name="テキスト ボックス 21">
-            <a:extLst>
-              <a:ext uri="{FF2B5EF4-FFF2-40B4-BE49-F238E27FC236}">
-                <a16:creationId xmlns:a16="http://schemas.microsoft.com/office/drawing/2014/main" id="{431E6CFC-153B-4262-8244-89132D65D33E}"/>
+          <p:cNvPr id="18" name="テキスト ボックス 17">
+            <a:extLst>
+              <a:ext uri="{FF2B5EF4-FFF2-40B4-BE49-F238E27FC236}">
+                <a16:creationId xmlns:a16="http://schemas.microsoft.com/office/drawing/2014/main" id="{8A445CFF-ADB0-4E38-9985-18B6205863EC}"/>
               </a:ext>
             </a:extLst>
           </p:cNvPr>
@@ -6918,10 +9176,10 @@
       </p:sp>
       <p:sp>
         <p:nvSpPr>
-          <p:cNvPr id="23" name="テキスト ボックス 22">
-            <a:extLst>
-              <a:ext uri="{FF2B5EF4-FFF2-40B4-BE49-F238E27FC236}">
-                <a16:creationId xmlns:a16="http://schemas.microsoft.com/office/drawing/2014/main" id="{CFFC719D-A8B5-4BB6-9A47-996B1E7706F5}"/>
+          <p:cNvPr id="19" name="テキスト ボックス 18">
+            <a:extLst>
+              <a:ext uri="{FF2B5EF4-FFF2-40B4-BE49-F238E27FC236}">
+                <a16:creationId xmlns:a16="http://schemas.microsoft.com/office/drawing/2014/main" id="{05BD1C3A-4439-4B04-909C-6EF1FB3FFA5C}"/>
               </a:ext>
             </a:extLst>
           </p:cNvPr>
@@ -6957,10 +9215,10 @@
       </p:sp>
       <p:sp>
         <p:nvSpPr>
-          <p:cNvPr id="24" name="テキスト ボックス 23">
-            <a:extLst>
-              <a:ext uri="{FF2B5EF4-FFF2-40B4-BE49-F238E27FC236}">
-                <a16:creationId xmlns:a16="http://schemas.microsoft.com/office/drawing/2014/main" id="{14336ADE-DC29-4799-B77F-C1EF95B7D72C}"/>
+          <p:cNvPr id="20" name="テキスト ボックス 19">
+            <a:extLst>
+              <a:ext uri="{FF2B5EF4-FFF2-40B4-BE49-F238E27FC236}">
+                <a16:creationId xmlns:a16="http://schemas.microsoft.com/office/drawing/2014/main" id="{5B76F1C7-D99C-4A2F-814B-6DD8EFE1E635}"/>
               </a:ext>
             </a:extLst>
           </p:cNvPr>
@@ -6997,7 +9255,7 @@
     </p:spTree>
     <p:extLst>
       <p:ext uri="{BB962C8B-B14F-4D97-AF65-F5344CB8AC3E}">
-        <p14:creationId xmlns:p14="http://schemas.microsoft.com/office/powerpoint/2010/main" val="1310537070"/>
+        <p14:creationId xmlns:p14="http://schemas.microsoft.com/office/powerpoint/2010/main" val="3226850943"/>
       </p:ext>
     </p:extLst>
   </p:cSld>
@@ -7402,8 +9660,8 @@
         </p:nvSpPr>
         <p:spPr>
           <a:xfrm>
-            <a:off x="4103707" y="2666544"/>
-            <a:ext cx="3984585" cy="1308050"/>
+            <a:off x="4294470" y="3059668"/>
+            <a:ext cx="4210315" cy="369332"/>
           </a:xfrm>
           <a:prstGeom prst="rect">
             <a:avLst/>
@@ -7416,37 +9674,9 @@
           </a:bodyPr>
           <a:lstStyle/>
           <a:p>
-            <a:pPr algn="ctr"/>
-            <a:r>
-              <a:rPr lang="en-US" altLang="ja-JP" dirty="0"/>
-              <a:t>Q2</a:t>
-            </a:r>
-          </a:p>
-          <a:p>
-            <a:pPr algn="ctr"/>
-            <a:endParaRPr lang="en-US" altLang="ja-JP" dirty="0"/>
-          </a:p>
-          <a:p>
-            <a:pPr algn="ctr"/>
-            <a:r>
-              <a:rPr lang="en-US" altLang="ja-JP" sz="1400" dirty="0"/>
-              <a:t>※</a:t>
-            </a:r>
-            <a:r>
-              <a:rPr lang="ja-JP" altLang="en-US" sz="1400" dirty="0"/>
-              <a:t>昨夜の睡眠についてお答え下さい。</a:t>
-            </a:r>
-            <a:endParaRPr lang="en-US" altLang="ja-JP" sz="1400" dirty="0"/>
-          </a:p>
-          <a:p>
-            <a:pPr algn="ctr"/>
-            <a:endParaRPr lang="en-US" altLang="ja-JP" sz="1100" dirty="0"/>
-          </a:p>
-          <a:p>
-            <a:pPr algn="ctr"/>
             <a:r>
               <a:rPr kumimoji="1" lang="ja-JP" altLang="en-US" dirty="0"/>
-              <a:t>全体的な睡眠の質はどうでしたか？</a:t>
+              <a:t>今日の健康チェックをしましょう</a:t>
             </a:r>
             <a:endParaRPr kumimoji="1" lang="en-US" altLang="ja-JP" dirty="0"/>
           </a:p>
@@ -7454,10 +9684,10 @@
       </p:sp>
       <p:sp>
         <p:nvSpPr>
-          <p:cNvPr id="2" name="楕円 1">
-            <a:extLst>
-              <a:ext uri="{FF2B5EF4-FFF2-40B4-BE49-F238E27FC236}">
-                <a16:creationId xmlns:a16="http://schemas.microsoft.com/office/drawing/2014/main" id="{305395F7-4085-4F5D-8A65-61FDE4CCF7F0}"/>
+          <p:cNvPr id="59" name="四角形: 角を丸くする 58">
+            <a:extLst>
+              <a:ext uri="{FF2B5EF4-FFF2-40B4-BE49-F238E27FC236}">
+                <a16:creationId xmlns:a16="http://schemas.microsoft.com/office/drawing/2014/main" id="{3B7CB8C8-47A5-4E04-B5FA-B4302311F55C}"/>
               </a:ext>
             </a:extLst>
           </p:cNvPr>
@@ -7466,16 +9696,16 @@
         </p:nvSpPr>
         <p:spPr>
           <a:xfrm>
-            <a:off x="3226075" y="4570277"/>
-            <a:ext cx="1161139" cy="1161139"/>
-          </a:xfrm>
-          <a:prstGeom prst="ellipse">
+            <a:off x="4961681" y="3929460"/>
+            <a:ext cx="2268638" cy="486136"/>
+          </a:xfrm>
+          <a:prstGeom prst="roundRect">
             <a:avLst/>
           </a:prstGeom>
           <a:solidFill>
             <a:schemeClr val="accent1">
-              <a:lumMod val="40000"/>
-              <a:lumOff val="60000"/>
+              <a:lumMod val="60000"/>
+              <a:lumOff val="40000"/>
             </a:schemeClr>
           </a:solidFill>
           <a:ln>
@@ -7512,25 +9742,17 @@
             <a:pPr algn="ctr"/>
             <a:r>
               <a:rPr kumimoji="1" lang="ja-JP" altLang="en-US" b="1" dirty="0"/>
-              <a:t>非常に</a:t>
-            </a:r>
-            <a:endParaRPr kumimoji="1" lang="en-US" altLang="ja-JP" b="1" dirty="0"/>
-          </a:p>
-          <a:p>
-            <a:pPr algn="ctr"/>
-            <a:r>
-              <a:rPr kumimoji="1" lang="ja-JP" altLang="en-US" b="1" dirty="0"/>
-              <a:t>満足</a:t>
-            </a:r>
-          </a:p>
-        </p:txBody>
-      </p:sp>
-      <p:sp>
-        <p:nvSpPr>
-          <p:cNvPr id="14" name="楕円 13">
-            <a:extLst>
-              <a:ext uri="{FF2B5EF4-FFF2-40B4-BE49-F238E27FC236}">
-                <a16:creationId xmlns:a16="http://schemas.microsoft.com/office/drawing/2014/main" id="{A36AE943-A1A4-4CF2-B3AD-EB2EA63B3675}"/>
+              <a:t>スタート</a:t>
+            </a:r>
+          </a:p>
+        </p:txBody>
+      </p:sp>
+      <p:sp>
+        <p:nvSpPr>
+          <p:cNvPr id="61" name="正方形/長方形 60">
+            <a:extLst>
+              <a:ext uri="{FF2B5EF4-FFF2-40B4-BE49-F238E27FC236}">
+                <a16:creationId xmlns:a16="http://schemas.microsoft.com/office/drawing/2014/main" id="{98B6EA4B-0D08-4197-BBEB-9777D11C9AFF}"/>
               </a:ext>
             </a:extLst>
           </p:cNvPr>
@@ -7539,28 +9761,15 @@
         </p:nvSpPr>
         <p:spPr>
           <a:xfrm>
-            <a:off x="4830555" y="4570276"/>
-            <a:ext cx="1161139" cy="1161139"/>
-          </a:xfrm>
-          <a:prstGeom prst="ellipse">
-            <a:avLst/>
-          </a:prstGeom>
-          <a:solidFill>
-            <a:schemeClr val="accent1">
-              <a:lumMod val="40000"/>
-              <a:lumOff val="60000"/>
-            </a:schemeClr>
-          </a:solidFill>
+            <a:off x="0" y="6327388"/>
+            <a:ext cx="12192000" cy="530612"/>
+          </a:xfrm>
+          <a:prstGeom prst="rect">
+            <a:avLst/>
+          </a:prstGeom>
           <a:ln>
             <a:noFill/>
           </a:ln>
-          <a:effectLst>
-            <a:outerShdw blurRad="50800" dist="38100" dir="2700000" algn="tl" rotWithShape="0">
-              <a:prstClr val="black">
-                <a:alpha val="40000"/>
-              </a:prstClr>
-            </a:outerShdw>
-          </a:effectLst>
         </p:spPr>
         <p:style>
           <a:lnRef idx="2">
@@ -7583,206 +9792,16 @@
           <a:lstStyle/>
           <a:p>
             <a:pPr algn="ctr"/>
-            <a:r>
-              <a:rPr kumimoji="1" lang="ja-JP" altLang="en-US" b="1" dirty="0"/>
-              <a:t>満足</a:t>
-            </a:r>
-          </a:p>
-        </p:txBody>
-      </p:sp>
-      <p:sp>
-        <p:nvSpPr>
-          <p:cNvPr id="16" name="楕円 15">
-            <a:extLst>
-              <a:ext uri="{FF2B5EF4-FFF2-40B4-BE49-F238E27FC236}">
-                <a16:creationId xmlns:a16="http://schemas.microsoft.com/office/drawing/2014/main" id="{10CDBEF5-F1C3-4EB9-B5D4-FFD66767E956}"/>
-              </a:ext>
-            </a:extLst>
-          </p:cNvPr>
-          <p:cNvSpPr/>
-          <p:nvPr/>
-        </p:nvSpPr>
-        <p:spPr>
-          <a:xfrm>
-            <a:off x="6420097" y="4570276"/>
-            <a:ext cx="1161139" cy="1161139"/>
-          </a:xfrm>
-          <a:prstGeom prst="ellipse">
-            <a:avLst/>
-          </a:prstGeom>
-          <a:solidFill>
-            <a:schemeClr val="accent1">
-              <a:lumMod val="40000"/>
-              <a:lumOff val="60000"/>
-            </a:schemeClr>
-          </a:solidFill>
-          <a:ln>
-            <a:noFill/>
-          </a:ln>
-          <a:effectLst>
-            <a:outerShdw blurRad="50800" dist="38100" dir="2700000" algn="tl" rotWithShape="0">
-              <a:prstClr val="black">
-                <a:alpha val="40000"/>
-              </a:prstClr>
-            </a:outerShdw>
-          </a:effectLst>
-        </p:spPr>
-        <p:style>
-          <a:lnRef idx="2">
-            <a:schemeClr val="accent1">
-              <a:shade val="50000"/>
-            </a:schemeClr>
-          </a:lnRef>
-          <a:fillRef idx="1">
-            <a:schemeClr val="accent1"/>
-          </a:fillRef>
-          <a:effectRef idx="0">
-            <a:schemeClr val="accent1"/>
-          </a:effectRef>
-          <a:fontRef idx="minor">
-            <a:schemeClr val="lt1"/>
-          </a:fontRef>
-        </p:style>
-        <p:txBody>
-          <a:bodyPr rtlCol="0" anchor="ctr"/>
-          <a:lstStyle/>
-          <a:p>
-            <a:pPr algn="ctr"/>
-            <a:r>
-              <a:rPr kumimoji="1" lang="ja-JP" altLang="en-US" b="1" dirty="0"/>
-              <a:t>少し不満</a:t>
-            </a:r>
-          </a:p>
-        </p:txBody>
-      </p:sp>
-      <p:sp>
-        <p:nvSpPr>
-          <p:cNvPr id="18" name="楕円 17">
-            <a:extLst>
-              <a:ext uri="{FF2B5EF4-FFF2-40B4-BE49-F238E27FC236}">
-                <a16:creationId xmlns:a16="http://schemas.microsoft.com/office/drawing/2014/main" id="{CDFCB0A9-140C-4D0E-A915-2B56DE04DFEB}"/>
-              </a:ext>
-            </a:extLst>
-          </p:cNvPr>
-          <p:cNvSpPr/>
-          <p:nvPr/>
-        </p:nvSpPr>
-        <p:spPr>
-          <a:xfrm>
-            <a:off x="7985803" y="4549927"/>
-            <a:ext cx="1161139" cy="1161139"/>
-          </a:xfrm>
-          <a:prstGeom prst="ellipse">
-            <a:avLst/>
-          </a:prstGeom>
-          <a:solidFill>
-            <a:schemeClr val="accent1">
-              <a:lumMod val="40000"/>
-              <a:lumOff val="60000"/>
-            </a:schemeClr>
-          </a:solidFill>
-          <a:ln>
-            <a:noFill/>
-          </a:ln>
-          <a:effectLst>
-            <a:outerShdw blurRad="50800" dist="38100" dir="2700000" algn="tl" rotWithShape="0">
-              <a:prstClr val="black">
-                <a:alpha val="40000"/>
-              </a:prstClr>
-            </a:outerShdw>
-          </a:effectLst>
-        </p:spPr>
-        <p:style>
-          <a:lnRef idx="2">
-            <a:schemeClr val="accent1">
-              <a:shade val="50000"/>
-            </a:schemeClr>
-          </a:lnRef>
-          <a:fillRef idx="1">
-            <a:schemeClr val="accent1"/>
-          </a:fillRef>
-          <a:effectRef idx="0">
-            <a:schemeClr val="accent1"/>
-          </a:effectRef>
-          <a:fontRef idx="minor">
-            <a:schemeClr val="lt1"/>
-          </a:fontRef>
-        </p:style>
-        <p:txBody>
-          <a:bodyPr rtlCol="0" anchor="ctr"/>
-          <a:lstStyle/>
-          <a:p>
-            <a:pPr algn="ctr"/>
-            <a:r>
-              <a:rPr kumimoji="1" lang="ja-JP" altLang="en-US" b="1" dirty="0"/>
-              <a:t>非常に</a:t>
-            </a:r>
-            <a:endParaRPr kumimoji="1" lang="en-US" altLang="ja-JP" b="1" dirty="0"/>
-          </a:p>
-          <a:p>
-            <a:pPr algn="ctr"/>
-            <a:r>
-              <a:rPr kumimoji="1" lang="ja-JP" altLang="en-US" b="1" dirty="0"/>
-              <a:t>不満</a:t>
-            </a:r>
-          </a:p>
-        </p:txBody>
-      </p:sp>
-      <p:sp>
-        <p:nvSpPr>
-          <p:cNvPr id="20" name="正方形/長方形 19">
-            <a:extLst>
-              <a:ext uri="{FF2B5EF4-FFF2-40B4-BE49-F238E27FC236}">
-                <a16:creationId xmlns:a16="http://schemas.microsoft.com/office/drawing/2014/main" id="{92664DF7-5A1E-4B52-944D-58E271A483FD}"/>
-              </a:ext>
-            </a:extLst>
-          </p:cNvPr>
-          <p:cNvSpPr/>
-          <p:nvPr/>
-        </p:nvSpPr>
-        <p:spPr>
-          <a:xfrm>
-            <a:off x="0" y="6327388"/>
-            <a:ext cx="12192000" cy="530612"/>
-          </a:xfrm>
-          <a:prstGeom prst="rect">
-            <a:avLst/>
-          </a:prstGeom>
-          <a:ln>
-            <a:noFill/>
-          </a:ln>
-        </p:spPr>
-        <p:style>
-          <a:lnRef idx="2">
-            <a:schemeClr val="accent1">
-              <a:shade val="50000"/>
-            </a:schemeClr>
-          </a:lnRef>
-          <a:fillRef idx="1">
-            <a:schemeClr val="accent1"/>
-          </a:fillRef>
-          <a:effectRef idx="0">
-            <a:schemeClr val="accent1"/>
-          </a:effectRef>
-          <a:fontRef idx="minor">
-            <a:schemeClr val="lt1"/>
-          </a:fontRef>
-        </p:style>
-        <p:txBody>
-          <a:bodyPr rtlCol="0" anchor="ctr"/>
-          <a:lstStyle/>
-          <a:p>
-            <a:pPr algn="ctr"/>
             <a:endParaRPr kumimoji="1" lang="ja-JP" altLang="en-US"/>
           </a:p>
         </p:txBody>
       </p:sp>
       <p:sp>
         <p:nvSpPr>
-          <p:cNvPr id="21" name="テキスト ボックス 20">
-            <a:extLst>
-              <a:ext uri="{FF2B5EF4-FFF2-40B4-BE49-F238E27FC236}">
-                <a16:creationId xmlns:a16="http://schemas.microsoft.com/office/drawing/2014/main" id="{BE9B7326-70ED-442D-B790-D638D250B8CC}"/>
+          <p:cNvPr id="62" name="テキスト ボックス 61">
+            <a:extLst>
+              <a:ext uri="{FF2B5EF4-FFF2-40B4-BE49-F238E27FC236}">
+                <a16:creationId xmlns:a16="http://schemas.microsoft.com/office/drawing/2014/main" id="{0EF87866-1C00-4FF2-BFFF-D7D277BA97A1}"/>
               </a:ext>
             </a:extLst>
           </p:cNvPr>
@@ -7818,10 +9837,10 @@
       </p:sp>
       <p:sp>
         <p:nvSpPr>
-          <p:cNvPr id="22" name="テキスト ボックス 21">
-            <a:extLst>
-              <a:ext uri="{FF2B5EF4-FFF2-40B4-BE49-F238E27FC236}">
-                <a16:creationId xmlns:a16="http://schemas.microsoft.com/office/drawing/2014/main" id="{A660775B-F7C6-4E87-9FB7-9F8EEF2FE01A}"/>
+          <p:cNvPr id="63" name="テキスト ボックス 62">
+            <a:extLst>
+              <a:ext uri="{FF2B5EF4-FFF2-40B4-BE49-F238E27FC236}">
+                <a16:creationId xmlns:a16="http://schemas.microsoft.com/office/drawing/2014/main" id="{3E6D3612-B192-4CA4-9D51-D5E362AB8605}"/>
               </a:ext>
             </a:extLst>
           </p:cNvPr>
@@ -7857,10 +9876,10 @@
       </p:sp>
       <p:sp>
         <p:nvSpPr>
-          <p:cNvPr id="23" name="テキスト ボックス 22">
-            <a:extLst>
-              <a:ext uri="{FF2B5EF4-FFF2-40B4-BE49-F238E27FC236}">
-                <a16:creationId xmlns:a16="http://schemas.microsoft.com/office/drawing/2014/main" id="{731077F2-D374-4728-AC54-D5EEF896356E}"/>
+          <p:cNvPr id="64" name="テキスト ボックス 63">
+            <a:extLst>
+              <a:ext uri="{FF2B5EF4-FFF2-40B4-BE49-F238E27FC236}">
+                <a16:creationId xmlns:a16="http://schemas.microsoft.com/office/drawing/2014/main" id="{8E0728CA-1FE1-4BAC-8051-F788CF640C16}"/>
               </a:ext>
             </a:extLst>
           </p:cNvPr>
@@ -7897,7 +9916,7 @@
     </p:spTree>
     <p:extLst>
       <p:ext uri="{BB962C8B-B14F-4D97-AF65-F5344CB8AC3E}">
-        <p14:creationId xmlns:p14="http://schemas.microsoft.com/office/powerpoint/2010/main" val="2590232777"/>
+        <p14:creationId xmlns:p14="http://schemas.microsoft.com/office/powerpoint/2010/main" val="3409366305"/>
       </p:ext>
     </p:extLst>
   </p:cSld>
@@ -8229,7 +10248,7 @@
         </p:nvSpPr>
         <p:spPr>
           <a:xfrm>
-            <a:off x="5053736" y="1478660"/>
+            <a:off x="5354600" y="1499788"/>
             <a:ext cx="2480157" cy="369332"/>
           </a:xfrm>
           <a:prstGeom prst="rect">
@@ -8245,7 +10264,7 @@
           <a:p>
             <a:r>
               <a:rPr kumimoji="1" lang="ja-JP" altLang="en-US" dirty="0"/>
-              <a:t>おすすめレシピ</a:t>
+              <a:t>健康チェック</a:t>
             </a:r>
           </a:p>
         </p:txBody>
@@ -8290,10 +10309,58 @@
       </p:cxnSp>
       <p:sp>
         <p:nvSpPr>
-          <p:cNvPr id="20" name="正方形/長方形 19">
-            <a:extLst>
-              <a:ext uri="{FF2B5EF4-FFF2-40B4-BE49-F238E27FC236}">
-                <a16:creationId xmlns:a16="http://schemas.microsoft.com/office/drawing/2014/main" id="{C9072788-EF8C-40A6-BCC2-90E23DEC89B4}"/>
+          <p:cNvPr id="58" name="テキスト ボックス 57">
+            <a:extLst>
+              <a:ext uri="{FF2B5EF4-FFF2-40B4-BE49-F238E27FC236}">
+                <a16:creationId xmlns:a16="http://schemas.microsoft.com/office/drawing/2014/main" id="{FC01D6EC-4BE4-43F8-AD94-5DA91684F9F2}"/>
+              </a:ext>
+            </a:extLst>
+          </p:cNvPr>
+          <p:cNvSpPr txBox="1"/>
+          <p:nvPr/>
+        </p:nvSpPr>
+        <p:spPr>
+          <a:xfrm>
+            <a:off x="3960732" y="2626221"/>
+            <a:ext cx="4376643" cy="923330"/>
+          </a:xfrm>
+          <a:prstGeom prst="rect">
+            <a:avLst/>
+          </a:prstGeom>
+          <a:noFill/>
+        </p:spPr>
+        <p:txBody>
+          <a:bodyPr wrap="square" rtlCol="0">
+            <a:spAutoFit/>
+          </a:bodyPr>
+          <a:lstStyle/>
+          <a:p>
+            <a:pPr algn="ctr"/>
+            <a:r>
+              <a:rPr kumimoji="1" lang="en-US" altLang="ja-JP" dirty="0"/>
+              <a:t>Q1.</a:t>
+            </a:r>
+          </a:p>
+          <a:p>
+            <a:pPr algn="ctr"/>
+            <a:endParaRPr kumimoji="1" lang="en-US" altLang="ja-JP" dirty="0"/>
+          </a:p>
+          <a:p>
+            <a:pPr algn="ctr"/>
+            <a:r>
+              <a:rPr kumimoji="1" lang="ja-JP" altLang="en-US" dirty="0"/>
+              <a:t>今日歩いた歩数を入力してください</a:t>
+            </a:r>
+            <a:endParaRPr kumimoji="1" lang="en-US" altLang="ja-JP" dirty="0"/>
+          </a:p>
+        </p:txBody>
+      </p:sp>
+      <p:sp>
+        <p:nvSpPr>
+          <p:cNvPr id="3" name="正方形/長方形 2">
+            <a:extLst>
+              <a:ext uri="{FF2B5EF4-FFF2-40B4-BE49-F238E27FC236}">
+                <a16:creationId xmlns:a16="http://schemas.microsoft.com/office/drawing/2014/main" id="{9021E0F6-B8D7-4DE2-A124-F796E94C0FDE}"/>
               </a:ext>
             </a:extLst>
           </p:cNvPr>
@@ -8302,14 +10369,19 @@
         </p:nvSpPr>
         <p:spPr>
           <a:xfrm>
-            <a:off x="0" y="6327388"/>
-            <a:ext cx="12192000" cy="530612"/>
-          </a:xfrm>
-          <a:prstGeom prst="rect">
-            <a:avLst/>
-          </a:prstGeom>
+            <a:off x="3786767" y="3962400"/>
+            <a:ext cx="3702604" cy="624115"/>
+          </a:xfrm>
+          <a:prstGeom prst="rect">
+            <a:avLst/>
+          </a:prstGeom>
+          <a:noFill/>
           <a:ln>
-            <a:noFill/>
+            <a:solidFill>
+              <a:schemeClr val="bg1">
+                <a:lumMod val="75000"/>
+              </a:schemeClr>
+            </a:solidFill>
           </a:ln>
         </p:spPr>
         <p:style>
@@ -8339,127 +10411,10 @@
       </p:sp>
       <p:sp>
         <p:nvSpPr>
-          <p:cNvPr id="21" name="テキスト ボックス 20">
-            <a:extLst>
-              <a:ext uri="{FF2B5EF4-FFF2-40B4-BE49-F238E27FC236}">
-                <a16:creationId xmlns:a16="http://schemas.microsoft.com/office/drawing/2014/main" id="{AC67675B-023A-46E8-B64B-9CD43D16825B}"/>
-              </a:ext>
-            </a:extLst>
-          </p:cNvPr>
-          <p:cNvSpPr txBox="1"/>
-          <p:nvPr/>
-        </p:nvSpPr>
-        <p:spPr>
-          <a:xfrm>
-            <a:off x="7451025" y="6443432"/>
-            <a:ext cx="1695917" cy="276999"/>
-          </a:xfrm>
-          <a:prstGeom prst="rect">
-            <a:avLst/>
-          </a:prstGeom>
-          <a:noFill/>
-        </p:spPr>
-        <p:txBody>
-          <a:bodyPr wrap="square" rtlCol="0">
-            <a:spAutoFit/>
-          </a:bodyPr>
-          <a:lstStyle/>
-          <a:p>
-            <a:r>
-              <a:rPr kumimoji="1" lang="ja-JP" altLang="en-US" sz="1200" dirty="0">
-                <a:solidFill>
-                  <a:schemeClr val="bg1"/>
-                </a:solidFill>
-              </a:rPr>
-              <a:t>利用規約</a:t>
-            </a:r>
-          </a:p>
-        </p:txBody>
-      </p:sp>
-      <p:sp>
-        <p:nvSpPr>
-          <p:cNvPr id="22" name="テキスト ボックス 21">
-            <a:extLst>
-              <a:ext uri="{FF2B5EF4-FFF2-40B4-BE49-F238E27FC236}">
-                <a16:creationId xmlns:a16="http://schemas.microsoft.com/office/drawing/2014/main" id="{73BA08FE-0562-4AA5-B705-3A4B42B6DBEA}"/>
-              </a:ext>
-            </a:extLst>
-          </p:cNvPr>
-          <p:cNvSpPr txBox="1"/>
-          <p:nvPr/>
-        </p:nvSpPr>
-        <p:spPr>
-          <a:xfrm>
-            <a:off x="8563824" y="6453889"/>
-            <a:ext cx="2515377" cy="276999"/>
-          </a:xfrm>
-          <a:prstGeom prst="rect">
-            <a:avLst/>
-          </a:prstGeom>
-          <a:noFill/>
-        </p:spPr>
-        <p:txBody>
-          <a:bodyPr wrap="square" rtlCol="0">
-            <a:spAutoFit/>
-          </a:bodyPr>
-          <a:lstStyle/>
-          <a:p>
-            <a:r>
-              <a:rPr kumimoji="1" lang="ja-JP" altLang="en-US" sz="1200" dirty="0">
-                <a:solidFill>
-                  <a:schemeClr val="bg1"/>
-                </a:solidFill>
-              </a:rPr>
-              <a:t>プライバシーポリシー</a:t>
-            </a:r>
-          </a:p>
-        </p:txBody>
-      </p:sp>
-      <p:sp>
-        <p:nvSpPr>
-          <p:cNvPr id="23" name="テキスト ボックス 22">
-            <a:extLst>
-              <a:ext uri="{FF2B5EF4-FFF2-40B4-BE49-F238E27FC236}">
-                <a16:creationId xmlns:a16="http://schemas.microsoft.com/office/drawing/2014/main" id="{95920364-145E-4633-85DB-876D7E7CE75B}"/>
-              </a:ext>
-            </a:extLst>
-          </p:cNvPr>
-          <p:cNvSpPr txBox="1"/>
-          <p:nvPr/>
-        </p:nvSpPr>
-        <p:spPr>
-          <a:xfrm>
-            <a:off x="10644850" y="6464346"/>
-            <a:ext cx="1695917" cy="276999"/>
-          </a:xfrm>
-          <a:prstGeom prst="rect">
-            <a:avLst/>
-          </a:prstGeom>
-          <a:noFill/>
-        </p:spPr>
-        <p:txBody>
-          <a:bodyPr wrap="square" rtlCol="0">
-            <a:spAutoFit/>
-          </a:bodyPr>
-          <a:lstStyle/>
-          <a:p>
-            <a:r>
-              <a:rPr kumimoji="1" lang="ja-JP" altLang="en-US" sz="1200" dirty="0">
-                <a:solidFill>
-                  <a:schemeClr val="bg1"/>
-                </a:solidFill>
-              </a:rPr>
-              <a:t>運営会社</a:t>
-            </a:r>
-          </a:p>
-        </p:txBody>
-      </p:sp>
-      <p:sp>
-        <p:nvSpPr>
-          <p:cNvPr id="3" name="正方形/長方形 2">
-            <a:extLst>
-              <a:ext uri="{FF2B5EF4-FFF2-40B4-BE49-F238E27FC236}">
-                <a16:creationId xmlns:a16="http://schemas.microsoft.com/office/drawing/2014/main" id="{FA0E5EA6-1AB6-4150-8D05-AC711CAABC09}"/>
+          <p:cNvPr id="19" name="楕円 18">
+            <a:extLst>
+              <a:ext uri="{FF2B5EF4-FFF2-40B4-BE49-F238E27FC236}">
+                <a16:creationId xmlns:a16="http://schemas.microsoft.com/office/drawing/2014/main" id="{B5BB4981-236F-4DFA-8804-2858DE3CD193}"/>
               </a:ext>
             </a:extLst>
           </p:cNvPr>
@@ -8468,18 +10423,28 @@
         </p:nvSpPr>
         <p:spPr>
           <a:xfrm>
-            <a:off x="7282704" y="2923380"/>
-            <a:ext cx="2822128" cy="3073737"/>
-          </a:xfrm>
-          <a:prstGeom prst="rect">
+            <a:off x="7911181" y="3770114"/>
+            <a:ext cx="969496" cy="969496"/>
+          </a:xfrm>
+          <a:prstGeom prst="ellipse">
             <a:avLst/>
           </a:prstGeom>
           <a:solidFill>
-            <a:schemeClr val="bg2"/>
+            <a:schemeClr val="accent1">
+              <a:lumMod val="40000"/>
+              <a:lumOff val="60000"/>
+            </a:schemeClr>
           </a:solidFill>
           <a:ln>
             <a:noFill/>
           </a:ln>
+          <a:effectLst>
+            <a:outerShdw blurRad="50800" dist="38100" dir="2700000" algn="tl" rotWithShape="0">
+              <a:prstClr val="black">
+                <a:alpha val="40000"/>
+              </a:prstClr>
+            </a:outerShdw>
+          </a:effectLst>
         </p:spPr>
         <p:style>
           <a:lnRef idx="2">
@@ -8502,16 +10467,69 @@
           <a:lstStyle/>
           <a:p>
             <a:pPr algn="ctr"/>
+            <a:r>
+              <a:rPr kumimoji="1" lang="en-US" altLang="ja-JP" b="1" dirty="0"/>
+              <a:t>OK</a:t>
+            </a:r>
+            <a:endParaRPr kumimoji="1" lang="ja-JP" altLang="en-US" b="1" dirty="0"/>
+          </a:p>
+        </p:txBody>
+      </p:sp>
+      <p:sp>
+        <p:nvSpPr>
+          <p:cNvPr id="21" name="正方形/長方形 20">
+            <a:extLst>
+              <a:ext uri="{FF2B5EF4-FFF2-40B4-BE49-F238E27FC236}">
+                <a16:creationId xmlns:a16="http://schemas.microsoft.com/office/drawing/2014/main" id="{B07BDB6A-77C1-406A-8105-041A92CE6327}"/>
+              </a:ext>
+            </a:extLst>
+          </p:cNvPr>
+          <p:cNvSpPr/>
+          <p:nvPr/>
+        </p:nvSpPr>
+        <p:spPr>
+          <a:xfrm>
+            <a:off x="0" y="6327388"/>
+            <a:ext cx="12192000" cy="530612"/>
+          </a:xfrm>
+          <a:prstGeom prst="rect">
+            <a:avLst/>
+          </a:prstGeom>
+          <a:ln>
+            <a:noFill/>
+          </a:ln>
+        </p:spPr>
+        <p:style>
+          <a:lnRef idx="2">
+            <a:schemeClr val="accent1">
+              <a:shade val="50000"/>
+            </a:schemeClr>
+          </a:lnRef>
+          <a:fillRef idx="1">
+            <a:schemeClr val="accent1"/>
+          </a:fillRef>
+          <a:effectRef idx="0">
+            <a:schemeClr val="accent1"/>
+          </a:effectRef>
+          <a:fontRef idx="minor">
+            <a:schemeClr val="lt1"/>
+          </a:fontRef>
+        </p:style>
+        <p:txBody>
+          <a:bodyPr rtlCol="0" anchor="ctr"/>
+          <a:lstStyle/>
+          <a:p>
+            <a:pPr algn="ctr"/>
             <a:endParaRPr kumimoji="1" lang="ja-JP" altLang="en-US"/>
           </a:p>
         </p:txBody>
       </p:sp>
       <p:sp>
         <p:nvSpPr>
-          <p:cNvPr id="25" name="テキスト ボックス 24">
-            <a:extLst>
-              <a:ext uri="{FF2B5EF4-FFF2-40B4-BE49-F238E27FC236}">
-                <a16:creationId xmlns:a16="http://schemas.microsoft.com/office/drawing/2014/main" id="{60A20058-568C-47BE-BCE9-7CD523D3DD1E}"/>
+          <p:cNvPr id="22" name="テキスト ボックス 21">
+            <a:extLst>
+              <a:ext uri="{FF2B5EF4-FFF2-40B4-BE49-F238E27FC236}">
+                <a16:creationId xmlns:a16="http://schemas.microsoft.com/office/drawing/2014/main" id="{431E6CFC-153B-4262-8244-89132D65D33E}"/>
               </a:ext>
             </a:extLst>
           </p:cNvPr>
@@ -8520,8 +10538,8 @@
         </p:nvSpPr>
         <p:spPr>
           <a:xfrm>
-            <a:off x="2950026" y="2287444"/>
-            <a:ext cx="2480157" cy="400110"/>
+            <a:off x="7451025" y="6443432"/>
+            <a:ext cx="1695917" cy="276999"/>
           </a:xfrm>
           <a:prstGeom prst="rect">
             <a:avLst/>
@@ -8535,19 +10553,22 @@
           <a:lstStyle/>
           <a:p>
             <a:r>
-              <a:rPr kumimoji="1" lang="ja-JP" altLang="en-US" sz="2000" dirty="0"/>
-              <a:t>レシピ名</a:t>
-            </a:r>
-            <a:endParaRPr kumimoji="1" lang="ja-JP" altLang="en-US" sz="2400" dirty="0"/>
-          </a:p>
-        </p:txBody>
-      </p:sp>
-      <p:sp>
-        <p:nvSpPr>
-          <p:cNvPr id="26" name="テキスト ボックス 25">
-            <a:extLst>
-              <a:ext uri="{FF2B5EF4-FFF2-40B4-BE49-F238E27FC236}">
-                <a16:creationId xmlns:a16="http://schemas.microsoft.com/office/drawing/2014/main" id="{40ED1E99-2B39-4F0C-9509-A03296D55B36}"/>
+              <a:rPr kumimoji="1" lang="ja-JP" altLang="en-US" sz="1200" dirty="0">
+                <a:solidFill>
+                  <a:schemeClr val="bg1"/>
+                </a:solidFill>
+              </a:rPr>
+              <a:t>利用規約</a:t>
+            </a:r>
+          </a:p>
+        </p:txBody>
+      </p:sp>
+      <p:sp>
+        <p:nvSpPr>
+          <p:cNvPr id="23" name="テキスト ボックス 22">
+            <a:extLst>
+              <a:ext uri="{FF2B5EF4-FFF2-40B4-BE49-F238E27FC236}">
+                <a16:creationId xmlns:a16="http://schemas.microsoft.com/office/drawing/2014/main" id="{CFFC719D-A8B5-4BB6-9A47-996B1E7706F5}"/>
               </a:ext>
             </a:extLst>
           </p:cNvPr>
@@ -8556,8 +10577,8 @@
         </p:nvSpPr>
         <p:spPr>
           <a:xfrm>
-            <a:off x="3100613" y="2817091"/>
-            <a:ext cx="2480157" cy="3416320"/>
+            <a:off x="8563824" y="6453889"/>
+            <a:ext cx="2515377" cy="276999"/>
           </a:xfrm>
           <a:prstGeom prst="rect">
             <a:avLst/>
@@ -8571,138 +10592,59 @@
           <a:lstStyle/>
           <a:p>
             <a:r>
-              <a:rPr lang="ja-JP" altLang="en-US" dirty="0"/>
-              <a:t>材料</a:t>
-            </a:r>
-            <a:endParaRPr lang="en-US" altLang="ja-JP" dirty="0"/>
-          </a:p>
-          <a:p>
-            <a:r>
-              <a:rPr lang="ja-JP" altLang="en-US" dirty="0"/>
-              <a:t>　</a:t>
-            </a:r>
-            <a:r>
-              <a:rPr lang="en-US" altLang="ja-JP" dirty="0"/>
-              <a:t>1.</a:t>
-            </a:r>
-            <a:r>
-              <a:rPr lang="ja-JP" altLang="en-US" dirty="0"/>
-              <a:t>　 ○○〇</a:t>
-            </a:r>
-            <a:endParaRPr lang="en-US" altLang="ja-JP" dirty="0"/>
-          </a:p>
-          <a:p>
-            <a:r>
-              <a:rPr lang="ja-JP" altLang="en-US" dirty="0"/>
-              <a:t>　</a:t>
-            </a:r>
-            <a:r>
-              <a:rPr lang="en-US" altLang="ja-JP" dirty="0"/>
-              <a:t>2.</a:t>
-            </a:r>
-            <a:r>
-              <a:rPr lang="ja-JP" altLang="en-US" dirty="0"/>
-              <a:t> 　○○〇</a:t>
-            </a:r>
-            <a:endParaRPr lang="en-US" altLang="ja-JP" dirty="0"/>
-          </a:p>
-          <a:p>
-            <a:r>
-              <a:rPr lang="ja-JP" altLang="en-US" dirty="0"/>
-              <a:t>　</a:t>
-            </a:r>
-            <a:r>
-              <a:rPr lang="en-US" altLang="ja-JP" dirty="0"/>
-              <a:t>3.</a:t>
-            </a:r>
-            <a:r>
-              <a:rPr lang="ja-JP" altLang="en-US" dirty="0"/>
-              <a:t> 　○○〇</a:t>
-            </a:r>
-            <a:endParaRPr lang="en-US" altLang="ja-JP" dirty="0"/>
-          </a:p>
-          <a:p>
-            <a:r>
-              <a:rPr lang="ja-JP" altLang="en-US" dirty="0"/>
-              <a:t>　</a:t>
-            </a:r>
-            <a:r>
-              <a:rPr lang="en-US" altLang="ja-JP" dirty="0"/>
-              <a:t>4.</a:t>
-            </a:r>
-            <a:r>
-              <a:rPr lang="ja-JP" altLang="en-US" dirty="0"/>
-              <a:t> 　○○〇</a:t>
-            </a:r>
-            <a:endParaRPr lang="en-US" altLang="ja-JP" dirty="0"/>
-          </a:p>
-          <a:p>
-            <a:endParaRPr lang="en-US" altLang="ja-JP" dirty="0"/>
-          </a:p>
-          <a:p>
-            <a:endParaRPr lang="en-US" altLang="ja-JP" dirty="0"/>
-          </a:p>
-          <a:p>
-            <a:r>
-              <a:rPr kumimoji="1" lang="ja-JP" altLang="en-US" dirty="0"/>
-              <a:t>作り方</a:t>
-            </a:r>
-            <a:endParaRPr kumimoji="1" lang="en-US" altLang="ja-JP" dirty="0"/>
-          </a:p>
-          <a:p>
-            <a:r>
-              <a:rPr lang="ja-JP" altLang="en-US" dirty="0"/>
-              <a:t>　</a:t>
-            </a:r>
-            <a:r>
-              <a:rPr lang="en-US" altLang="ja-JP" dirty="0"/>
-              <a:t>1.</a:t>
-            </a:r>
-            <a:r>
-              <a:rPr lang="ja-JP" altLang="en-US" dirty="0"/>
-              <a:t> 　 ○○〇○○〇</a:t>
-            </a:r>
-            <a:endParaRPr lang="en-US" altLang="ja-JP" dirty="0"/>
-          </a:p>
-          <a:p>
-            <a:r>
-              <a:rPr lang="ja-JP" altLang="en-US" dirty="0"/>
-              <a:t>　</a:t>
-            </a:r>
-            <a:r>
-              <a:rPr lang="en-US" altLang="ja-JP" dirty="0"/>
-              <a:t>2.</a:t>
-            </a:r>
-            <a:r>
-              <a:rPr lang="ja-JP" altLang="en-US" dirty="0"/>
-              <a:t> 　 ○○〇○○〇</a:t>
-            </a:r>
-            <a:endParaRPr lang="en-US" altLang="ja-JP" dirty="0"/>
-          </a:p>
-          <a:p>
-            <a:r>
-              <a:rPr lang="ja-JP" altLang="en-US" dirty="0"/>
-              <a:t>　</a:t>
-            </a:r>
-            <a:r>
-              <a:rPr lang="en-US" altLang="ja-JP" dirty="0"/>
-              <a:t>3.</a:t>
-            </a:r>
-            <a:r>
-              <a:rPr lang="ja-JP" altLang="en-US" dirty="0"/>
-              <a:t> 　 ○○〇○○〇</a:t>
-            </a:r>
-            <a:endParaRPr lang="en-US" altLang="ja-JP" dirty="0"/>
-          </a:p>
-          <a:p>
-            <a:endParaRPr kumimoji="1" lang="ja-JP" altLang="en-US" dirty="0"/>
+              <a:rPr kumimoji="1" lang="ja-JP" altLang="en-US" sz="1200" dirty="0">
+                <a:solidFill>
+                  <a:schemeClr val="bg1"/>
+                </a:solidFill>
+              </a:rPr>
+              <a:t>プライバシーポリシー</a:t>
+            </a:r>
+          </a:p>
+        </p:txBody>
+      </p:sp>
+      <p:sp>
+        <p:nvSpPr>
+          <p:cNvPr id="24" name="テキスト ボックス 23">
+            <a:extLst>
+              <a:ext uri="{FF2B5EF4-FFF2-40B4-BE49-F238E27FC236}">
+                <a16:creationId xmlns:a16="http://schemas.microsoft.com/office/drawing/2014/main" id="{14336ADE-DC29-4799-B77F-C1EF95B7D72C}"/>
+              </a:ext>
+            </a:extLst>
+          </p:cNvPr>
+          <p:cNvSpPr txBox="1"/>
+          <p:nvPr/>
+        </p:nvSpPr>
+        <p:spPr>
+          <a:xfrm>
+            <a:off x="10644850" y="6464346"/>
+            <a:ext cx="1695917" cy="276999"/>
+          </a:xfrm>
+          <a:prstGeom prst="rect">
+            <a:avLst/>
+          </a:prstGeom>
+          <a:noFill/>
+        </p:spPr>
+        <p:txBody>
+          <a:bodyPr wrap="square" rtlCol="0">
+            <a:spAutoFit/>
+          </a:bodyPr>
+          <a:lstStyle/>
+          <a:p>
+            <a:r>
+              <a:rPr kumimoji="1" lang="ja-JP" altLang="en-US" sz="1200" dirty="0">
+                <a:solidFill>
+                  <a:schemeClr val="bg1"/>
+                </a:solidFill>
+              </a:rPr>
+              <a:t>運営会社</a:t>
+            </a:r>
           </a:p>
         </p:txBody>
       </p:sp>
     </p:spTree>
     <p:extLst>
       <p:ext uri="{BB962C8B-B14F-4D97-AF65-F5344CB8AC3E}">
-        <p14:creationId xmlns:p14="http://schemas.microsoft.com/office/powerpoint/2010/main" val="4027028981"/>
+        <p14:creationId xmlns:p14="http://schemas.microsoft.com/office/powerpoint/2010/main" val="1310537070"/>
       </p:ext>
     </p:extLst>
   </p:cSld>
@@ -9034,8 +10976,8 @@
         </p:nvSpPr>
         <p:spPr>
           <a:xfrm>
-            <a:off x="5362443" y="1478660"/>
-            <a:ext cx="1467114" cy="369332"/>
+            <a:off x="5354600" y="1499788"/>
+            <a:ext cx="2480157" cy="369332"/>
           </a:xfrm>
           <a:prstGeom prst="rect">
             <a:avLst/>
@@ -9049,10 +10991,9 @@
           <a:lstStyle/>
           <a:p>
             <a:r>
-              <a:rPr lang="ja-JP" altLang="en-US" dirty="0"/>
-              <a:t>マイページ</a:t>
-            </a:r>
-            <a:endParaRPr kumimoji="1" lang="ja-JP" altLang="en-US" dirty="0"/>
+              <a:rPr kumimoji="1" lang="ja-JP" altLang="en-US" dirty="0"/>
+              <a:t>健康チェック</a:t>
+            </a:r>
           </a:p>
         </p:txBody>
       </p:sp>
@@ -9108,8 +11049,8 @@
         </p:nvSpPr>
         <p:spPr>
           <a:xfrm>
-            <a:off x="2680094" y="2396041"/>
-            <a:ext cx="2124134" cy="2600712"/>
+            <a:off x="4103707" y="2666544"/>
+            <a:ext cx="3984585" cy="1308050"/>
           </a:xfrm>
           <a:prstGeom prst="rect">
             <a:avLst/>
@@ -9122,70 +11063,48 @@
           </a:bodyPr>
           <a:lstStyle/>
           <a:p>
+            <a:pPr algn="ctr"/>
+            <a:r>
+              <a:rPr lang="en-US" altLang="ja-JP" dirty="0"/>
+              <a:t>Q2</a:t>
+            </a:r>
+          </a:p>
+          <a:p>
+            <a:pPr algn="ctr"/>
+            <a:endParaRPr lang="en-US" altLang="ja-JP" dirty="0"/>
+          </a:p>
+          <a:p>
+            <a:pPr algn="ctr"/>
+            <a:r>
+              <a:rPr lang="en-US" altLang="ja-JP" sz="1400" dirty="0"/>
+              <a:t>※</a:t>
+            </a:r>
+            <a:r>
+              <a:rPr lang="ja-JP" altLang="en-US" sz="1400" dirty="0"/>
+              <a:t>昨夜の睡眠についてお答え下さい。</a:t>
+            </a:r>
+            <a:endParaRPr lang="en-US" altLang="ja-JP" sz="1400" dirty="0"/>
+          </a:p>
+          <a:p>
+            <a:pPr algn="ctr"/>
+            <a:endParaRPr lang="en-US" altLang="ja-JP" sz="1100" dirty="0"/>
+          </a:p>
+          <a:p>
+            <a:pPr algn="ctr"/>
             <a:r>
               <a:rPr kumimoji="1" lang="ja-JP" altLang="en-US" dirty="0"/>
-              <a:t>名前</a:t>
+              <a:t>全体的な睡眠の質はどうでしたか？</a:t>
             </a:r>
             <a:endParaRPr kumimoji="1" lang="en-US" altLang="ja-JP" dirty="0"/>
           </a:p>
-          <a:p>
-            <a:endParaRPr lang="en-US" altLang="ja-JP" sz="1100" dirty="0"/>
-          </a:p>
-          <a:p>
-            <a:endParaRPr lang="en-US" altLang="ja-JP" dirty="0"/>
-          </a:p>
-          <a:p>
-            <a:r>
-              <a:rPr kumimoji="1" lang="ja-JP" altLang="en-US" dirty="0"/>
-              <a:t>メールアドレス</a:t>
-            </a:r>
-            <a:endParaRPr kumimoji="1" lang="en-US" altLang="ja-JP" dirty="0"/>
-          </a:p>
-          <a:p>
-            <a:endParaRPr lang="en-US" altLang="ja-JP" sz="1100" dirty="0"/>
-          </a:p>
-          <a:p>
-            <a:endParaRPr lang="en-US" altLang="ja-JP" dirty="0"/>
-          </a:p>
-          <a:p>
-            <a:r>
-              <a:rPr kumimoji="1" lang="ja-JP" altLang="en-US" dirty="0"/>
-              <a:t>生年月日</a:t>
-            </a:r>
-            <a:endParaRPr kumimoji="1" lang="en-US" altLang="ja-JP" dirty="0"/>
-          </a:p>
-          <a:p>
-            <a:endParaRPr lang="en-US" altLang="ja-JP" dirty="0"/>
-          </a:p>
-          <a:p>
-            <a:r>
-              <a:rPr lang="ja-JP" altLang="en-US" sz="1100" dirty="0"/>
-              <a:t>　　　・</a:t>
-            </a:r>
-            <a:endParaRPr lang="en-US" altLang="ja-JP" sz="1100" dirty="0"/>
-          </a:p>
-          <a:p>
-            <a:r>
-              <a:rPr lang="ja-JP" altLang="en-US" sz="1100" dirty="0"/>
-              <a:t>　　　・</a:t>
-            </a:r>
-            <a:endParaRPr lang="en-US" altLang="ja-JP" sz="1100" dirty="0"/>
-          </a:p>
-          <a:p>
-            <a:r>
-              <a:rPr lang="ja-JP" altLang="en-US" sz="1100" dirty="0"/>
-              <a:t>　　　・</a:t>
-            </a:r>
-            <a:endParaRPr lang="en-US" altLang="ja-JP" sz="1100" dirty="0"/>
-          </a:p>
-        </p:txBody>
-      </p:sp>
-      <p:sp>
-        <p:nvSpPr>
-          <p:cNvPr id="20" name="正方形/長方形 19">
-            <a:extLst>
-              <a:ext uri="{FF2B5EF4-FFF2-40B4-BE49-F238E27FC236}">
-                <a16:creationId xmlns:a16="http://schemas.microsoft.com/office/drawing/2014/main" id="{C9072788-EF8C-40A6-BCC2-90E23DEC89B4}"/>
+        </p:txBody>
+      </p:sp>
+      <p:sp>
+        <p:nvSpPr>
+          <p:cNvPr id="2" name="楕円 1">
+            <a:extLst>
+              <a:ext uri="{FF2B5EF4-FFF2-40B4-BE49-F238E27FC236}">
+                <a16:creationId xmlns:a16="http://schemas.microsoft.com/office/drawing/2014/main" id="{305395F7-4085-4F5D-8A65-61FDE4CCF7F0}"/>
               </a:ext>
             </a:extLst>
           </p:cNvPr>
@@ -9194,15 +11113,28 @@
         </p:nvSpPr>
         <p:spPr>
           <a:xfrm>
-            <a:off x="0" y="6327388"/>
-            <a:ext cx="12192000" cy="530612"/>
-          </a:xfrm>
-          <a:prstGeom prst="rect">
-            <a:avLst/>
-          </a:prstGeom>
+            <a:off x="3226075" y="4570277"/>
+            <a:ext cx="1161139" cy="1161139"/>
+          </a:xfrm>
+          <a:prstGeom prst="ellipse">
+            <a:avLst/>
+          </a:prstGeom>
+          <a:solidFill>
+            <a:schemeClr val="accent1">
+              <a:lumMod val="40000"/>
+              <a:lumOff val="60000"/>
+            </a:schemeClr>
+          </a:solidFill>
           <a:ln>
             <a:noFill/>
           </a:ln>
+          <a:effectLst>
+            <a:outerShdw blurRad="50800" dist="38100" dir="2700000" algn="tl" rotWithShape="0">
+              <a:prstClr val="black">
+                <a:alpha val="40000"/>
+              </a:prstClr>
+            </a:outerShdw>
+          </a:effectLst>
         </p:spPr>
         <p:style>
           <a:lnRef idx="2">
@@ -9225,305 +11157,27 @@
           <a:lstStyle/>
           <a:p>
             <a:pPr algn="ctr"/>
-            <a:endParaRPr kumimoji="1" lang="ja-JP" altLang="en-US"/>
-          </a:p>
-        </p:txBody>
-      </p:sp>
-      <p:sp>
-        <p:nvSpPr>
-          <p:cNvPr id="21" name="テキスト ボックス 20">
-            <a:extLst>
-              <a:ext uri="{FF2B5EF4-FFF2-40B4-BE49-F238E27FC236}">
-                <a16:creationId xmlns:a16="http://schemas.microsoft.com/office/drawing/2014/main" id="{AC67675B-023A-46E8-B64B-9CD43D16825B}"/>
-              </a:ext>
-            </a:extLst>
-          </p:cNvPr>
-          <p:cNvSpPr txBox="1"/>
-          <p:nvPr/>
-        </p:nvSpPr>
-        <p:spPr>
-          <a:xfrm>
-            <a:off x="7451025" y="6443432"/>
-            <a:ext cx="1695917" cy="276999"/>
-          </a:xfrm>
-          <a:prstGeom prst="rect">
-            <a:avLst/>
-          </a:prstGeom>
-          <a:noFill/>
-        </p:spPr>
-        <p:txBody>
-          <a:bodyPr wrap="square" rtlCol="0">
-            <a:spAutoFit/>
-          </a:bodyPr>
-          <a:lstStyle/>
-          <a:p>
-            <a:r>
-              <a:rPr kumimoji="1" lang="ja-JP" altLang="en-US" sz="1200" dirty="0">
-                <a:solidFill>
-                  <a:schemeClr val="bg1"/>
-                </a:solidFill>
-              </a:rPr>
-              <a:t>利用規約</a:t>
-            </a:r>
-          </a:p>
-        </p:txBody>
-      </p:sp>
-      <p:sp>
-        <p:nvSpPr>
-          <p:cNvPr id="22" name="テキスト ボックス 21">
-            <a:extLst>
-              <a:ext uri="{FF2B5EF4-FFF2-40B4-BE49-F238E27FC236}">
-                <a16:creationId xmlns:a16="http://schemas.microsoft.com/office/drawing/2014/main" id="{73BA08FE-0562-4AA5-B705-3A4B42B6DBEA}"/>
-              </a:ext>
-            </a:extLst>
-          </p:cNvPr>
-          <p:cNvSpPr txBox="1"/>
-          <p:nvPr/>
-        </p:nvSpPr>
-        <p:spPr>
-          <a:xfrm>
-            <a:off x="8563824" y="6453889"/>
-            <a:ext cx="2515377" cy="276999"/>
-          </a:xfrm>
-          <a:prstGeom prst="rect">
-            <a:avLst/>
-          </a:prstGeom>
-          <a:noFill/>
-        </p:spPr>
-        <p:txBody>
-          <a:bodyPr wrap="square" rtlCol="0">
-            <a:spAutoFit/>
-          </a:bodyPr>
-          <a:lstStyle/>
-          <a:p>
-            <a:r>
-              <a:rPr kumimoji="1" lang="ja-JP" altLang="en-US" sz="1200" dirty="0">
-                <a:solidFill>
-                  <a:schemeClr val="bg1"/>
-                </a:solidFill>
-              </a:rPr>
-              <a:t>プライバシーポリシー</a:t>
-            </a:r>
-          </a:p>
-        </p:txBody>
-      </p:sp>
-      <p:sp>
-        <p:nvSpPr>
-          <p:cNvPr id="23" name="テキスト ボックス 22">
-            <a:extLst>
-              <a:ext uri="{FF2B5EF4-FFF2-40B4-BE49-F238E27FC236}">
-                <a16:creationId xmlns:a16="http://schemas.microsoft.com/office/drawing/2014/main" id="{95920364-145E-4633-85DB-876D7E7CE75B}"/>
-              </a:ext>
-            </a:extLst>
-          </p:cNvPr>
-          <p:cNvSpPr txBox="1"/>
-          <p:nvPr/>
-        </p:nvSpPr>
-        <p:spPr>
-          <a:xfrm>
-            <a:off x="10644850" y="6464346"/>
-            <a:ext cx="1695917" cy="276999"/>
-          </a:xfrm>
-          <a:prstGeom prst="rect">
-            <a:avLst/>
-          </a:prstGeom>
-          <a:noFill/>
-        </p:spPr>
-        <p:txBody>
-          <a:bodyPr wrap="square" rtlCol="0">
-            <a:spAutoFit/>
-          </a:bodyPr>
-          <a:lstStyle/>
-          <a:p>
-            <a:r>
-              <a:rPr kumimoji="1" lang="ja-JP" altLang="en-US" sz="1200" dirty="0">
-                <a:solidFill>
-                  <a:schemeClr val="bg1"/>
-                </a:solidFill>
-              </a:rPr>
-              <a:t>運営会社</a:t>
-            </a:r>
-          </a:p>
-        </p:txBody>
-      </p:sp>
-      <p:cxnSp>
-        <p:nvCxnSpPr>
-          <p:cNvPr id="8" name="直線コネクタ 7">
-            <a:extLst>
-              <a:ext uri="{FF2B5EF4-FFF2-40B4-BE49-F238E27FC236}">
-                <a16:creationId xmlns:a16="http://schemas.microsoft.com/office/drawing/2014/main" id="{3E333F03-B2C3-4B40-A2EE-B5C4F89B126B}"/>
-              </a:ext>
-            </a:extLst>
-          </p:cNvPr>
-          <p:cNvCxnSpPr/>
-          <p:nvPr/>
-        </p:nvCxnSpPr>
-        <p:spPr>
-          <a:xfrm>
-            <a:off x="2680094" y="2786743"/>
-            <a:ext cx="6466848" cy="0"/>
-          </a:xfrm>
-          <a:prstGeom prst="line">
-            <a:avLst/>
-          </a:prstGeom>
-          <a:ln>
-            <a:solidFill>
-              <a:schemeClr val="bg2">
-                <a:lumMod val="90000"/>
-              </a:schemeClr>
-            </a:solidFill>
-          </a:ln>
-        </p:spPr>
-        <p:style>
-          <a:lnRef idx="1">
-            <a:schemeClr val="accent1"/>
-          </a:lnRef>
-          <a:fillRef idx="0">
-            <a:schemeClr val="accent1"/>
-          </a:fillRef>
-          <a:effectRef idx="0">
-            <a:schemeClr val="accent1"/>
-          </a:effectRef>
-          <a:fontRef idx="minor">
-            <a:schemeClr val="tx1"/>
-          </a:fontRef>
-        </p:style>
-      </p:cxnSp>
-      <p:cxnSp>
-        <p:nvCxnSpPr>
-          <p:cNvPr id="29" name="直線コネクタ 28">
-            <a:extLst>
-              <a:ext uri="{FF2B5EF4-FFF2-40B4-BE49-F238E27FC236}">
-                <a16:creationId xmlns:a16="http://schemas.microsoft.com/office/drawing/2014/main" id="{7A2E7156-539C-4CF3-AA8B-C08E458882D8}"/>
-              </a:ext>
-            </a:extLst>
-          </p:cNvPr>
-          <p:cNvCxnSpPr/>
-          <p:nvPr/>
-        </p:nvCxnSpPr>
-        <p:spPr>
-          <a:xfrm>
-            <a:off x="2680094" y="3487057"/>
-            <a:ext cx="6466848" cy="0"/>
-          </a:xfrm>
-          <a:prstGeom prst="line">
-            <a:avLst/>
-          </a:prstGeom>
-          <a:ln>
-            <a:solidFill>
-              <a:schemeClr val="bg2">
-                <a:lumMod val="90000"/>
-              </a:schemeClr>
-            </a:solidFill>
-          </a:ln>
-        </p:spPr>
-        <p:style>
-          <a:lnRef idx="1">
-            <a:schemeClr val="accent1"/>
-          </a:lnRef>
-          <a:fillRef idx="0">
-            <a:schemeClr val="accent1"/>
-          </a:fillRef>
-          <a:effectRef idx="0">
-            <a:schemeClr val="accent1"/>
-          </a:effectRef>
-          <a:fontRef idx="minor">
-            <a:schemeClr val="tx1"/>
-          </a:fontRef>
-        </p:style>
-      </p:cxnSp>
-      <p:cxnSp>
-        <p:nvCxnSpPr>
-          <p:cNvPr id="30" name="直線コネクタ 29">
-            <a:extLst>
-              <a:ext uri="{FF2B5EF4-FFF2-40B4-BE49-F238E27FC236}">
-                <a16:creationId xmlns:a16="http://schemas.microsoft.com/office/drawing/2014/main" id="{60A76D0F-1BCB-47B2-81B6-7564C54FD737}"/>
-              </a:ext>
-            </a:extLst>
-          </p:cNvPr>
-          <p:cNvCxnSpPr/>
-          <p:nvPr/>
-        </p:nvCxnSpPr>
-        <p:spPr>
-          <a:xfrm>
-            <a:off x="2680094" y="4256314"/>
-            <a:ext cx="6466848" cy="0"/>
-          </a:xfrm>
-          <a:prstGeom prst="line">
-            <a:avLst/>
-          </a:prstGeom>
-          <a:ln>
-            <a:solidFill>
-              <a:schemeClr val="bg2">
-                <a:lumMod val="90000"/>
-              </a:schemeClr>
-            </a:solidFill>
-          </a:ln>
-        </p:spPr>
-        <p:style>
-          <a:lnRef idx="1">
-            <a:schemeClr val="accent1"/>
-          </a:lnRef>
-          <a:fillRef idx="0">
-            <a:schemeClr val="accent1"/>
-          </a:fillRef>
-          <a:effectRef idx="0">
-            <a:schemeClr val="accent1"/>
-          </a:effectRef>
-          <a:fontRef idx="minor">
-            <a:schemeClr val="tx1"/>
-          </a:fontRef>
-        </p:style>
-      </p:cxnSp>
-      <p:cxnSp>
-        <p:nvCxnSpPr>
-          <p:cNvPr id="32" name="直線コネクタ 31">
-            <a:extLst>
-              <a:ext uri="{FF2B5EF4-FFF2-40B4-BE49-F238E27FC236}">
-                <a16:creationId xmlns:a16="http://schemas.microsoft.com/office/drawing/2014/main" id="{6C2B9C80-70B3-4A75-A2CA-8417E7CE4AC7}"/>
-              </a:ext>
-            </a:extLst>
-          </p:cNvPr>
-          <p:cNvCxnSpPr/>
-          <p:nvPr/>
-        </p:nvCxnSpPr>
-        <p:spPr>
-          <a:xfrm>
-            <a:off x="2680094" y="5083629"/>
-            <a:ext cx="6466848" cy="0"/>
-          </a:xfrm>
-          <a:prstGeom prst="line">
-            <a:avLst/>
-          </a:prstGeom>
-          <a:ln>
-            <a:solidFill>
-              <a:schemeClr val="bg2">
-                <a:lumMod val="90000"/>
-              </a:schemeClr>
-            </a:solidFill>
-          </a:ln>
-        </p:spPr>
-        <p:style>
-          <a:lnRef idx="1">
-            <a:schemeClr val="accent1"/>
-          </a:lnRef>
-          <a:fillRef idx="0">
-            <a:schemeClr val="accent1"/>
-          </a:fillRef>
-          <a:effectRef idx="0">
-            <a:schemeClr val="accent1"/>
-          </a:effectRef>
-          <a:fontRef idx="minor">
-            <a:schemeClr val="tx1"/>
-          </a:fontRef>
-        </p:style>
-      </p:cxnSp>
-      <p:sp>
-        <p:nvSpPr>
-          <p:cNvPr id="33" name="四角形: 角を丸くする 32">
-            <a:extLst>
-              <a:ext uri="{FF2B5EF4-FFF2-40B4-BE49-F238E27FC236}">
-                <a16:creationId xmlns:a16="http://schemas.microsoft.com/office/drawing/2014/main" id="{E73B78BA-D7FC-421B-9853-BE8FA3F2A2AC}"/>
+            <a:r>
+              <a:rPr kumimoji="1" lang="ja-JP" altLang="en-US" b="1" dirty="0"/>
+              <a:t>非常に</a:t>
+            </a:r>
+            <a:endParaRPr kumimoji="1" lang="en-US" altLang="ja-JP" b="1" dirty="0"/>
+          </a:p>
+          <a:p>
+            <a:pPr algn="ctr"/>
+            <a:r>
+              <a:rPr kumimoji="1" lang="ja-JP" altLang="en-US" b="1" dirty="0"/>
+              <a:t>満足</a:t>
+            </a:r>
+          </a:p>
+        </p:txBody>
+      </p:sp>
+      <p:sp>
+        <p:nvSpPr>
+          <p:cNvPr id="14" name="楕円 13">
+            <a:extLst>
+              <a:ext uri="{FF2B5EF4-FFF2-40B4-BE49-F238E27FC236}">
+                <a16:creationId xmlns:a16="http://schemas.microsoft.com/office/drawing/2014/main" id="{A36AE943-A1A4-4CF2-B3AD-EB2EA63B3675}"/>
               </a:ext>
             </a:extLst>
           </p:cNvPr>
@@ -9532,21 +11186,28 @@
         </p:nvSpPr>
         <p:spPr>
           <a:xfrm>
-            <a:off x="5014735" y="5484134"/>
-            <a:ext cx="2268638" cy="486136"/>
-          </a:xfrm>
-          <a:prstGeom prst="roundRect">
+            <a:off x="4830555" y="4570276"/>
+            <a:ext cx="1161139" cy="1161139"/>
+          </a:xfrm>
+          <a:prstGeom prst="ellipse">
             <a:avLst/>
           </a:prstGeom>
           <a:solidFill>
             <a:schemeClr val="accent1">
-              <a:lumMod val="60000"/>
-              <a:lumOff val="40000"/>
+              <a:lumMod val="40000"/>
+              <a:lumOff val="60000"/>
             </a:schemeClr>
           </a:solidFill>
           <a:ln>
             <a:noFill/>
           </a:ln>
+          <a:effectLst>
+            <a:outerShdw blurRad="50800" dist="38100" dir="2700000" algn="tl" rotWithShape="0">
+              <a:prstClr val="black">
+                <a:alpha val="40000"/>
+              </a:prstClr>
+            </a:outerShdw>
+          </a:effectLst>
         </p:spPr>
         <p:style>
           <a:lnRef idx="2">
@@ -9571,7 +11232,311 @@
             <a:pPr algn="ctr"/>
             <a:r>
               <a:rPr kumimoji="1" lang="ja-JP" altLang="en-US" b="1" dirty="0"/>
-              <a:t>変更する</a:t>
+              <a:t>満足</a:t>
+            </a:r>
+          </a:p>
+        </p:txBody>
+      </p:sp>
+      <p:sp>
+        <p:nvSpPr>
+          <p:cNvPr id="16" name="楕円 15">
+            <a:extLst>
+              <a:ext uri="{FF2B5EF4-FFF2-40B4-BE49-F238E27FC236}">
+                <a16:creationId xmlns:a16="http://schemas.microsoft.com/office/drawing/2014/main" id="{10CDBEF5-F1C3-4EB9-B5D4-FFD66767E956}"/>
+              </a:ext>
+            </a:extLst>
+          </p:cNvPr>
+          <p:cNvSpPr/>
+          <p:nvPr/>
+        </p:nvSpPr>
+        <p:spPr>
+          <a:xfrm>
+            <a:off x="6420097" y="4570276"/>
+            <a:ext cx="1161139" cy="1161139"/>
+          </a:xfrm>
+          <a:prstGeom prst="ellipse">
+            <a:avLst/>
+          </a:prstGeom>
+          <a:solidFill>
+            <a:schemeClr val="accent1">
+              <a:lumMod val="40000"/>
+              <a:lumOff val="60000"/>
+            </a:schemeClr>
+          </a:solidFill>
+          <a:ln>
+            <a:noFill/>
+          </a:ln>
+          <a:effectLst>
+            <a:outerShdw blurRad="50800" dist="38100" dir="2700000" algn="tl" rotWithShape="0">
+              <a:prstClr val="black">
+                <a:alpha val="40000"/>
+              </a:prstClr>
+            </a:outerShdw>
+          </a:effectLst>
+        </p:spPr>
+        <p:style>
+          <a:lnRef idx="2">
+            <a:schemeClr val="accent1">
+              <a:shade val="50000"/>
+            </a:schemeClr>
+          </a:lnRef>
+          <a:fillRef idx="1">
+            <a:schemeClr val="accent1"/>
+          </a:fillRef>
+          <a:effectRef idx="0">
+            <a:schemeClr val="accent1"/>
+          </a:effectRef>
+          <a:fontRef idx="minor">
+            <a:schemeClr val="lt1"/>
+          </a:fontRef>
+        </p:style>
+        <p:txBody>
+          <a:bodyPr rtlCol="0" anchor="ctr"/>
+          <a:lstStyle/>
+          <a:p>
+            <a:pPr algn="ctr"/>
+            <a:r>
+              <a:rPr kumimoji="1" lang="ja-JP" altLang="en-US" b="1" dirty="0"/>
+              <a:t>少し不満</a:t>
+            </a:r>
+          </a:p>
+        </p:txBody>
+      </p:sp>
+      <p:sp>
+        <p:nvSpPr>
+          <p:cNvPr id="18" name="楕円 17">
+            <a:extLst>
+              <a:ext uri="{FF2B5EF4-FFF2-40B4-BE49-F238E27FC236}">
+                <a16:creationId xmlns:a16="http://schemas.microsoft.com/office/drawing/2014/main" id="{CDFCB0A9-140C-4D0E-A915-2B56DE04DFEB}"/>
+              </a:ext>
+            </a:extLst>
+          </p:cNvPr>
+          <p:cNvSpPr/>
+          <p:nvPr/>
+        </p:nvSpPr>
+        <p:spPr>
+          <a:xfrm>
+            <a:off x="7985803" y="4549927"/>
+            <a:ext cx="1161139" cy="1161139"/>
+          </a:xfrm>
+          <a:prstGeom prst="ellipse">
+            <a:avLst/>
+          </a:prstGeom>
+          <a:solidFill>
+            <a:schemeClr val="accent1">
+              <a:lumMod val="40000"/>
+              <a:lumOff val="60000"/>
+            </a:schemeClr>
+          </a:solidFill>
+          <a:ln>
+            <a:noFill/>
+          </a:ln>
+          <a:effectLst>
+            <a:outerShdw blurRad="50800" dist="38100" dir="2700000" algn="tl" rotWithShape="0">
+              <a:prstClr val="black">
+                <a:alpha val="40000"/>
+              </a:prstClr>
+            </a:outerShdw>
+          </a:effectLst>
+        </p:spPr>
+        <p:style>
+          <a:lnRef idx="2">
+            <a:schemeClr val="accent1">
+              <a:shade val="50000"/>
+            </a:schemeClr>
+          </a:lnRef>
+          <a:fillRef idx="1">
+            <a:schemeClr val="accent1"/>
+          </a:fillRef>
+          <a:effectRef idx="0">
+            <a:schemeClr val="accent1"/>
+          </a:effectRef>
+          <a:fontRef idx="minor">
+            <a:schemeClr val="lt1"/>
+          </a:fontRef>
+        </p:style>
+        <p:txBody>
+          <a:bodyPr rtlCol="0" anchor="ctr"/>
+          <a:lstStyle/>
+          <a:p>
+            <a:pPr algn="ctr"/>
+            <a:r>
+              <a:rPr kumimoji="1" lang="ja-JP" altLang="en-US" b="1" dirty="0"/>
+              <a:t>非常に</a:t>
+            </a:r>
+            <a:endParaRPr kumimoji="1" lang="en-US" altLang="ja-JP" b="1" dirty="0"/>
+          </a:p>
+          <a:p>
+            <a:pPr algn="ctr"/>
+            <a:r>
+              <a:rPr kumimoji="1" lang="ja-JP" altLang="en-US" b="1" dirty="0"/>
+              <a:t>不満</a:t>
+            </a:r>
+          </a:p>
+        </p:txBody>
+      </p:sp>
+      <p:sp>
+        <p:nvSpPr>
+          <p:cNvPr id="20" name="正方形/長方形 19">
+            <a:extLst>
+              <a:ext uri="{FF2B5EF4-FFF2-40B4-BE49-F238E27FC236}">
+                <a16:creationId xmlns:a16="http://schemas.microsoft.com/office/drawing/2014/main" id="{92664DF7-5A1E-4B52-944D-58E271A483FD}"/>
+              </a:ext>
+            </a:extLst>
+          </p:cNvPr>
+          <p:cNvSpPr/>
+          <p:nvPr/>
+        </p:nvSpPr>
+        <p:spPr>
+          <a:xfrm>
+            <a:off x="0" y="6327388"/>
+            <a:ext cx="12192000" cy="530612"/>
+          </a:xfrm>
+          <a:prstGeom prst="rect">
+            <a:avLst/>
+          </a:prstGeom>
+          <a:ln>
+            <a:noFill/>
+          </a:ln>
+        </p:spPr>
+        <p:style>
+          <a:lnRef idx="2">
+            <a:schemeClr val="accent1">
+              <a:shade val="50000"/>
+            </a:schemeClr>
+          </a:lnRef>
+          <a:fillRef idx="1">
+            <a:schemeClr val="accent1"/>
+          </a:fillRef>
+          <a:effectRef idx="0">
+            <a:schemeClr val="accent1"/>
+          </a:effectRef>
+          <a:fontRef idx="minor">
+            <a:schemeClr val="lt1"/>
+          </a:fontRef>
+        </p:style>
+        <p:txBody>
+          <a:bodyPr rtlCol="0" anchor="ctr"/>
+          <a:lstStyle/>
+          <a:p>
+            <a:pPr algn="ctr"/>
+            <a:endParaRPr kumimoji="1" lang="ja-JP" altLang="en-US"/>
+          </a:p>
+        </p:txBody>
+      </p:sp>
+      <p:sp>
+        <p:nvSpPr>
+          <p:cNvPr id="21" name="テキスト ボックス 20">
+            <a:extLst>
+              <a:ext uri="{FF2B5EF4-FFF2-40B4-BE49-F238E27FC236}">
+                <a16:creationId xmlns:a16="http://schemas.microsoft.com/office/drawing/2014/main" id="{BE9B7326-70ED-442D-B790-D638D250B8CC}"/>
+              </a:ext>
+            </a:extLst>
+          </p:cNvPr>
+          <p:cNvSpPr txBox="1"/>
+          <p:nvPr/>
+        </p:nvSpPr>
+        <p:spPr>
+          <a:xfrm>
+            <a:off x="7451025" y="6443432"/>
+            <a:ext cx="1695917" cy="276999"/>
+          </a:xfrm>
+          <a:prstGeom prst="rect">
+            <a:avLst/>
+          </a:prstGeom>
+          <a:noFill/>
+        </p:spPr>
+        <p:txBody>
+          <a:bodyPr wrap="square" rtlCol="0">
+            <a:spAutoFit/>
+          </a:bodyPr>
+          <a:lstStyle/>
+          <a:p>
+            <a:r>
+              <a:rPr kumimoji="1" lang="ja-JP" altLang="en-US" sz="1200" dirty="0">
+                <a:solidFill>
+                  <a:schemeClr val="bg1"/>
+                </a:solidFill>
+              </a:rPr>
+              <a:t>利用規約</a:t>
+            </a:r>
+          </a:p>
+        </p:txBody>
+      </p:sp>
+      <p:sp>
+        <p:nvSpPr>
+          <p:cNvPr id="22" name="テキスト ボックス 21">
+            <a:extLst>
+              <a:ext uri="{FF2B5EF4-FFF2-40B4-BE49-F238E27FC236}">
+                <a16:creationId xmlns:a16="http://schemas.microsoft.com/office/drawing/2014/main" id="{A660775B-F7C6-4E87-9FB7-9F8EEF2FE01A}"/>
+              </a:ext>
+            </a:extLst>
+          </p:cNvPr>
+          <p:cNvSpPr txBox="1"/>
+          <p:nvPr/>
+        </p:nvSpPr>
+        <p:spPr>
+          <a:xfrm>
+            <a:off x="8563824" y="6453889"/>
+            <a:ext cx="2515377" cy="276999"/>
+          </a:xfrm>
+          <a:prstGeom prst="rect">
+            <a:avLst/>
+          </a:prstGeom>
+          <a:noFill/>
+        </p:spPr>
+        <p:txBody>
+          <a:bodyPr wrap="square" rtlCol="0">
+            <a:spAutoFit/>
+          </a:bodyPr>
+          <a:lstStyle/>
+          <a:p>
+            <a:r>
+              <a:rPr kumimoji="1" lang="ja-JP" altLang="en-US" sz="1200" dirty="0">
+                <a:solidFill>
+                  <a:schemeClr val="bg1"/>
+                </a:solidFill>
+              </a:rPr>
+              <a:t>プライバシーポリシー</a:t>
+            </a:r>
+          </a:p>
+        </p:txBody>
+      </p:sp>
+      <p:sp>
+        <p:nvSpPr>
+          <p:cNvPr id="23" name="テキスト ボックス 22">
+            <a:extLst>
+              <a:ext uri="{FF2B5EF4-FFF2-40B4-BE49-F238E27FC236}">
+                <a16:creationId xmlns:a16="http://schemas.microsoft.com/office/drawing/2014/main" id="{731077F2-D374-4728-AC54-D5EEF896356E}"/>
+              </a:ext>
+            </a:extLst>
+          </p:cNvPr>
+          <p:cNvSpPr txBox="1"/>
+          <p:nvPr/>
+        </p:nvSpPr>
+        <p:spPr>
+          <a:xfrm>
+            <a:off x="10644850" y="6464346"/>
+            <a:ext cx="1695917" cy="276999"/>
+          </a:xfrm>
+          <a:prstGeom prst="rect">
+            <a:avLst/>
+          </a:prstGeom>
+          <a:noFill/>
+        </p:spPr>
+        <p:txBody>
+          <a:bodyPr wrap="square" rtlCol="0">
+            <a:spAutoFit/>
+          </a:bodyPr>
+          <a:lstStyle/>
+          <a:p>
+            <a:r>
+              <a:rPr kumimoji="1" lang="ja-JP" altLang="en-US" sz="1200" dirty="0">
+                <a:solidFill>
+                  <a:schemeClr val="bg1"/>
+                </a:solidFill>
+              </a:rPr>
+              <a:t>運営会社</a:t>
             </a:r>
           </a:p>
         </p:txBody>
@@ -9579,7 +11544,7 @@
     </p:spTree>
     <p:extLst>
       <p:ext uri="{BB962C8B-B14F-4D97-AF65-F5344CB8AC3E}">
-        <p14:creationId xmlns:p14="http://schemas.microsoft.com/office/powerpoint/2010/main" val="866190950"/>
+        <p14:creationId xmlns:p14="http://schemas.microsoft.com/office/powerpoint/2010/main" val="2590232777"/>
       </p:ext>
     </p:extLst>
   </p:cSld>
@@ -9911,8 +11876,8 @@
         </p:nvSpPr>
         <p:spPr>
           <a:xfrm>
-            <a:off x="5362443" y="1478660"/>
-            <a:ext cx="1467114" cy="369332"/>
+            <a:off x="5159548" y="1516135"/>
+            <a:ext cx="2480157" cy="369332"/>
           </a:xfrm>
           <a:prstGeom prst="rect">
             <a:avLst/>
@@ -9926,10 +11891,9 @@
           <a:lstStyle/>
           <a:p>
             <a:r>
-              <a:rPr lang="ja-JP" altLang="en-US" dirty="0"/>
-              <a:t>マイページ</a:t>
-            </a:r>
-            <a:endParaRPr kumimoji="1" lang="ja-JP" altLang="en-US" dirty="0"/>
+              <a:rPr kumimoji="1" lang="ja-JP" altLang="en-US" dirty="0"/>
+              <a:t>健康チェック結果</a:t>
+            </a:r>
           </a:p>
         </p:txBody>
       </p:sp>
@@ -9973,96 +11937,10 @@
       </p:cxnSp>
       <p:sp>
         <p:nvSpPr>
-          <p:cNvPr id="58" name="テキスト ボックス 57">
-            <a:extLst>
-              <a:ext uri="{FF2B5EF4-FFF2-40B4-BE49-F238E27FC236}">
-                <a16:creationId xmlns:a16="http://schemas.microsoft.com/office/drawing/2014/main" id="{FC01D6EC-4BE4-43F8-AD94-5DA91684F9F2}"/>
-              </a:ext>
-            </a:extLst>
-          </p:cNvPr>
-          <p:cNvSpPr txBox="1"/>
-          <p:nvPr/>
-        </p:nvSpPr>
-        <p:spPr>
-          <a:xfrm>
-            <a:off x="2680094" y="2396041"/>
-            <a:ext cx="2124134" cy="2600712"/>
-          </a:xfrm>
-          <a:prstGeom prst="rect">
-            <a:avLst/>
-          </a:prstGeom>
-          <a:noFill/>
-        </p:spPr>
-        <p:txBody>
-          <a:bodyPr wrap="square" rtlCol="0">
-            <a:spAutoFit/>
-          </a:bodyPr>
-          <a:lstStyle/>
-          <a:p>
-            <a:r>
-              <a:rPr kumimoji="1" lang="ja-JP" altLang="en-US" dirty="0"/>
-              <a:t>名前</a:t>
-            </a:r>
-            <a:endParaRPr kumimoji="1" lang="en-US" altLang="ja-JP" dirty="0"/>
-          </a:p>
-          <a:p>
-            <a:endParaRPr lang="en-US" altLang="ja-JP" sz="1100" dirty="0"/>
-          </a:p>
-          <a:p>
-            <a:endParaRPr lang="en-US" altLang="ja-JP" dirty="0"/>
-          </a:p>
-          <a:p>
-            <a:r>
-              <a:rPr kumimoji="1" lang="ja-JP" altLang="en-US" dirty="0"/>
-              <a:t>メールアドレス</a:t>
-            </a:r>
-            <a:endParaRPr kumimoji="1" lang="en-US" altLang="ja-JP" dirty="0"/>
-          </a:p>
-          <a:p>
-            <a:endParaRPr lang="en-US" altLang="ja-JP" sz="1100" dirty="0"/>
-          </a:p>
-          <a:p>
-            <a:endParaRPr lang="en-US" altLang="ja-JP" dirty="0"/>
-          </a:p>
-          <a:p>
-            <a:r>
-              <a:rPr kumimoji="1" lang="ja-JP" altLang="en-US" dirty="0"/>
-              <a:t>生年月日</a:t>
-            </a:r>
-            <a:endParaRPr kumimoji="1" lang="en-US" altLang="ja-JP" dirty="0"/>
-          </a:p>
-          <a:p>
-            <a:endParaRPr lang="en-US" altLang="ja-JP" dirty="0"/>
-          </a:p>
-          <a:p>
-            <a:r>
-              <a:rPr lang="ja-JP" altLang="en-US" sz="1100" dirty="0"/>
-              <a:t>　　　・</a:t>
-            </a:r>
-            <a:endParaRPr lang="en-US" altLang="ja-JP" sz="1100" dirty="0"/>
-          </a:p>
-          <a:p>
-            <a:r>
-              <a:rPr lang="ja-JP" altLang="en-US" sz="1100" dirty="0"/>
-              <a:t>　　　・</a:t>
-            </a:r>
-            <a:endParaRPr lang="en-US" altLang="ja-JP" sz="1100" dirty="0"/>
-          </a:p>
-          <a:p>
-            <a:r>
-              <a:rPr lang="ja-JP" altLang="en-US" sz="1100" dirty="0"/>
-              <a:t>　　　・</a:t>
-            </a:r>
-            <a:endParaRPr lang="en-US" altLang="ja-JP" sz="1100" dirty="0"/>
-          </a:p>
-        </p:txBody>
-      </p:sp>
-      <p:sp>
-        <p:nvSpPr>
-          <p:cNvPr id="20" name="正方形/長方形 19">
-            <a:extLst>
-              <a:ext uri="{FF2B5EF4-FFF2-40B4-BE49-F238E27FC236}">
-                <a16:creationId xmlns:a16="http://schemas.microsoft.com/office/drawing/2014/main" id="{C9072788-EF8C-40A6-BCC2-90E23DEC89B4}"/>
+          <p:cNvPr id="61" name="正方形/長方形 60">
+            <a:extLst>
+              <a:ext uri="{FF2B5EF4-FFF2-40B4-BE49-F238E27FC236}">
+                <a16:creationId xmlns:a16="http://schemas.microsoft.com/office/drawing/2014/main" id="{98B6EA4B-0D08-4197-BBEB-9777D11C9AFF}"/>
               </a:ext>
             </a:extLst>
           </p:cNvPr>
@@ -10108,10 +11986,10 @@
       </p:sp>
       <p:sp>
         <p:nvSpPr>
-          <p:cNvPr id="21" name="テキスト ボックス 20">
-            <a:extLst>
-              <a:ext uri="{FF2B5EF4-FFF2-40B4-BE49-F238E27FC236}">
-                <a16:creationId xmlns:a16="http://schemas.microsoft.com/office/drawing/2014/main" id="{AC67675B-023A-46E8-B64B-9CD43D16825B}"/>
+          <p:cNvPr id="62" name="テキスト ボックス 61">
+            <a:extLst>
+              <a:ext uri="{FF2B5EF4-FFF2-40B4-BE49-F238E27FC236}">
+                <a16:creationId xmlns:a16="http://schemas.microsoft.com/office/drawing/2014/main" id="{0EF87866-1C00-4FF2-BFFF-D7D277BA97A1}"/>
               </a:ext>
             </a:extLst>
           </p:cNvPr>
@@ -10147,10 +12025,10 @@
       </p:sp>
       <p:sp>
         <p:nvSpPr>
-          <p:cNvPr id="22" name="テキスト ボックス 21">
-            <a:extLst>
-              <a:ext uri="{FF2B5EF4-FFF2-40B4-BE49-F238E27FC236}">
-                <a16:creationId xmlns:a16="http://schemas.microsoft.com/office/drawing/2014/main" id="{73BA08FE-0562-4AA5-B705-3A4B42B6DBEA}"/>
+          <p:cNvPr id="63" name="テキスト ボックス 62">
+            <a:extLst>
+              <a:ext uri="{FF2B5EF4-FFF2-40B4-BE49-F238E27FC236}">
+                <a16:creationId xmlns:a16="http://schemas.microsoft.com/office/drawing/2014/main" id="{3E6D3612-B192-4CA4-9D51-D5E362AB8605}"/>
               </a:ext>
             </a:extLst>
           </p:cNvPr>
@@ -10186,10 +12064,10 @@
       </p:sp>
       <p:sp>
         <p:nvSpPr>
-          <p:cNvPr id="23" name="テキスト ボックス 22">
-            <a:extLst>
-              <a:ext uri="{FF2B5EF4-FFF2-40B4-BE49-F238E27FC236}">
-                <a16:creationId xmlns:a16="http://schemas.microsoft.com/office/drawing/2014/main" id="{95920364-145E-4633-85DB-876D7E7CE75B}"/>
+          <p:cNvPr id="64" name="テキスト ボックス 63">
+            <a:extLst>
+              <a:ext uri="{FF2B5EF4-FFF2-40B4-BE49-F238E27FC236}">
+                <a16:creationId xmlns:a16="http://schemas.microsoft.com/office/drawing/2014/main" id="{8E0728CA-1FE1-4BAC-8051-F788CF640C16}"/>
               </a:ext>
             </a:extLst>
           </p:cNvPr>
@@ -10223,184 +12101,174 @@
           </a:p>
         </p:txBody>
       </p:sp>
-      <p:cxnSp>
-        <p:nvCxnSpPr>
-          <p:cNvPr id="8" name="直線コネクタ 7">
-            <a:extLst>
-              <a:ext uri="{FF2B5EF4-FFF2-40B4-BE49-F238E27FC236}">
-                <a16:creationId xmlns:a16="http://schemas.microsoft.com/office/drawing/2014/main" id="{3E333F03-B2C3-4B40-A2EE-B5C4F89B126B}"/>
-              </a:ext>
-            </a:extLst>
-          </p:cNvPr>
-          <p:cNvCxnSpPr/>
-          <p:nvPr/>
-        </p:nvCxnSpPr>
-        <p:spPr>
-          <a:xfrm>
-            <a:off x="2680094" y="2786743"/>
-            <a:ext cx="6466848" cy="0"/>
-          </a:xfrm>
-          <a:prstGeom prst="line">
-            <a:avLst/>
-          </a:prstGeom>
-          <a:ln>
-            <a:solidFill>
-              <a:schemeClr val="bg2">
-                <a:lumMod val="90000"/>
-              </a:schemeClr>
-            </a:solidFill>
-          </a:ln>
+      <p:sp>
+        <p:nvSpPr>
+          <p:cNvPr id="2" name="テキスト ボックス 1">
+            <a:extLst>
+              <a:ext uri="{FF2B5EF4-FFF2-40B4-BE49-F238E27FC236}">
+                <a16:creationId xmlns:a16="http://schemas.microsoft.com/office/drawing/2014/main" id="{F4C6FD69-DC14-409C-9AB3-EEA1B5C3AFA3}"/>
+              </a:ext>
+            </a:extLst>
+          </p:cNvPr>
+          <p:cNvSpPr txBox="1"/>
+          <p:nvPr/>
+        </p:nvSpPr>
+        <p:spPr>
+          <a:xfrm>
+            <a:off x="4986681" y="2776189"/>
+            <a:ext cx="2324746" cy="369332"/>
+          </a:xfrm>
+          <a:prstGeom prst="rect">
+            <a:avLst/>
+          </a:prstGeom>
+          <a:noFill/>
+        </p:spPr>
+        <p:txBody>
+          <a:bodyPr wrap="square" rtlCol="0">
+            <a:spAutoFit/>
+          </a:bodyPr>
+          <a:lstStyle/>
+          <a:p>
+            <a:pPr algn="ctr"/>
+            <a:r>
+              <a:rPr lang="ja-JP" altLang="en-US" dirty="0"/>
+              <a:t>今日のポイント</a:t>
+            </a:r>
+            <a:endParaRPr lang="en-US" altLang="ja-JP" dirty="0"/>
+          </a:p>
+        </p:txBody>
+      </p:sp>
+      <p:sp>
+        <p:nvSpPr>
+          <p:cNvPr id="3" name="テキスト ボックス 2">
+            <a:extLst>
+              <a:ext uri="{FF2B5EF4-FFF2-40B4-BE49-F238E27FC236}">
+                <a16:creationId xmlns:a16="http://schemas.microsoft.com/office/drawing/2014/main" id="{F172A6A6-BB62-4F73-8123-D184F659A9D6}"/>
+              </a:ext>
+            </a:extLst>
+          </p:cNvPr>
+          <p:cNvSpPr txBox="1"/>
+          <p:nvPr/>
+        </p:nvSpPr>
+        <p:spPr>
+          <a:xfrm>
+            <a:off x="5378212" y="3327291"/>
+            <a:ext cx="1662092" cy="923330"/>
+          </a:xfrm>
+          <a:prstGeom prst="rect">
+            <a:avLst/>
+          </a:prstGeom>
         </p:spPr>
         <p:style>
-          <a:lnRef idx="1">
-            <a:schemeClr val="accent1"/>
+          <a:lnRef idx="2">
+            <a:schemeClr val="accent3"/>
           </a:lnRef>
-          <a:fillRef idx="0">
-            <a:schemeClr val="accent1"/>
+          <a:fillRef idx="1">
+            <a:schemeClr val="lt1"/>
           </a:fillRef>
           <a:effectRef idx="0">
-            <a:schemeClr val="accent1"/>
+            <a:schemeClr val="accent3"/>
           </a:effectRef>
           <a:fontRef idx="minor">
-            <a:schemeClr val="tx1"/>
+            <a:schemeClr val="dk1"/>
           </a:fontRef>
         </p:style>
-      </p:cxnSp>
-      <p:cxnSp>
-        <p:nvCxnSpPr>
-          <p:cNvPr id="29" name="直線コネクタ 28">
-            <a:extLst>
-              <a:ext uri="{FF2B5EF4-FFF2-40B4-BE49-F238E27FC236}">
-                <a16:creationId xmlns:a16="http://schemas.microsoft.com/office/drawing/2014/main" id="{7A2E7156-539C-4CF3-AA8B-C08E458882D8}"/>
-              </a:ext>
-            </a:extLst>
-          </p:cNvPr>
-          <p:cNvCxnSpPr/>
-          <p:nvPr/>
-        </p:nvCxnSpPr>
-        <p:spPr>
-          <a:xfrm>
-            <a:off x="2680094" y="3487057"/>
-            <a:ext cx="6466848" cy="0"/>
-          </a:xfrm>
-          <a:prstGeom prst="line">
-            <a:avLst/>
-          </a:prstGeom>
-          <a:ln>
-            <a:solidFill>
-              <a:schemeClr val="bg2">
-                <a:lumMod val="90000"/>
-              </a:schemeClr>
-            </a:solidFill>
-          </a:ln>
-        </p:spPr>
-        <p:style>
-          <a:lnRef idx="1">
-            <a:schemeClr val="accent1"/>
-          </a:lnRef>
-          <a:fillRef idx="0">
-            <a:schemeClr val="accent1"/>
-          </a:fillRef>
-          <a:effectRef idx="0">
-            <a:schemeClr val="accent1"/>
-          </a:effectRef>
-          <a:fontRef idx="minor">
-            <a:schemeClr val="tx1"/>
-          </a:fontRef>
-        </p:style>
-      </p:cxnSp>
-      <p:cxnSp>
-        <p:nvCxnSpPr>
-          <p:cNvPr id="30" name="直線コネクタ 29">
-            <a:extLst>
-              <a:ext uri="{FF2B5EF4-FFF2-40B4-BE49-F238E27FC236}">
-                <a16:creationId xmlns:a16="http://schemas.microsoft.com/office/drawing/2014/main" id="{60A76D0F-1BCB-47B2-81B6-7564C54FD737}"/>
-              </a:ext>
-            </a:extLst>
-          </p:cNvPr>
-          <p:cNvCxnSpPr/>
-          <p:nvPr/>
-        </p:nvCxnSpPr>
-        <p:spPr>
-          <a:xfrm>
-            <a:off x="2680094" y="4256314"/>
-            <a:ext cx="6466848" cy="0"/>
-          </a:xfrm>
-          <a:prstGeom prst="line">
-            <a:avLst/>
-          </a:prstGeom>
-          <a:ln>
-            <a:solidFill>
-              <a:schemeClr val="bg2">
-                <a:lumMod val="90000"/>
-              </a:schemeClr>
-            </a:solidFill>
-          </a:ln>
-        </p:spPr>
-        <p:style>
-          <a:lnRef idx="1">
-            <a:schemeClr val="accent1"/>
-          </a:lnRef>
-          <a:fillRef idx="0">
-            <a:schemeClr val="accent1"/>
-          </a:fillRef>
-          <a:effectRef idx="0">
-            <a:schemeClr val="accent1"/>
-          </a:effectRef>
-          <a:fontRef idx="minor">
-            <a:schemeClr val="tx1"/>
-          </a:fontRef>
-        </p:style>
-      </p:cxnSp>
-      <p:cxnSp>
-        <p:nvCxnSpPr>
-          <p:cNvPr id="32" name="直線コネクタ 31">
-            <a:extLst>
-              <a:ext uri="{FF2B5EF4-FFF2-40B4-BE49-F238E27FC236}">
-                <a16:creationId xmlns:a16="http://schemas.microsoft.com/office/drawing/2014/main" id="{6C2B9C80-70B3-4A75-A2CA-8417E7CE4AC7}"/>
-              </a:ext>
-            </a:extLst>
-          </p:cNvPr>
-          <p:cNvCxnSpPr/>
-          <p:nvPr/>
-        </p:nvCxnSpPr>
-        <p:spPr>
-          <a:xfrm>
-            <a:off x="2680094" y="5083629"/>
-            <a:ext cx="6466848" cy="0"/>
-          </a:xfrm>
-          <a:prstGeom prst="line">
-            <a:avLst/>
-          </a:prstGeom>
-          <a:ln>
-            <a:solidFill>
-              <a:schemeClr val="bg2">
-                <a:lumMod val="90000"/>
-              </a:schemeClr>
-            </a:solidFill>
-          </a:ln>
-        </p:spPr>
-        <p:style>
-          <a:lnRef idx="1">
-            <a:schemeClr val="accent1"/>
-          </a:lnRef>
-          <a:fillRef idx="0">
-            <a:schemeClr val="accent1"/>
-          </a:fillRef>
-          <a:effectRef idx="0">
-            <a:schemeClr val="accent1"/>
-          </a:effectRef>
-          <a:fontRef idx="minor">
-            <a:schemeClr val="tx1"/>
-          </a:fontRef>
-        </p:style>
-      </p:cxnSp>
-      <p:sp>
-        <p:nvSpPr>
-          <p:cNvPr id="33" name="四角形: 角を丸くする 32">
-            <a:extLst>
-              <a:ext uri="{FF2B5EF4-FFF2-40B4-BE49-F238E27FC236}">
-                <a16:creationId xmlns:a16="http://schemas.microsoft.com/office/drawing/2014/main" id="{E73B78BA-D7FC-421B-9853-BE8FA3F2A2AC}"/>
+        <p:txBody>
+          <a:bodyPr wrap="square" rtlCol="0">
+            <a:spAutoFit/>
+          </a:bodyPr>
+          <a:lstStyle/>
+          <a:p>
+            <a:pPr algn="ctr"/>
+            <a:r>
+              <a:rPr kumimoji="1" lang="ja-JP" altLang="en-US" sz="5400" b="1" dirty="0">
+                <a:solidFill>
+                  <a:schemeClr val="accent1">
+                    <a:lumMod val="60000"/>
+                    <a:lumOff val="40000"/>
+                  </a:schemeClr>
+                </a:solidFill>
+              </a:rPr>
+              <a:t>５Ｐ</a:t>
+            </a:r>
+          </a:p>
+        </p:txBody>
+      </p:sp>
+      <p:sp>
+        <p:nvSpPr>
+          <p:cNvPr id="21" name="テキスト ボックス 20">
+            <a:extLst>
+              <a:ext uri="{FF2B5EF4-FFF2-40B4-BE49-F238E27FC236}">
+                <a16:creationId xmlns:a16="http://schemas.microsoft.com/office/drawing/2014/main" id="{9454C7E8-9C43-4F29-A40E-3CB278656AAE}"/>
+              </a:ext>
+            </a:extLst>
+          </p:cNvPr>
+          <p:cNvSpPr txBox="1"/>
+          <p:nvPr/>
+        </p:nvSpPr>
+        <p:spPr>
+          <a:xfrm>
+            <a:off x="5219462" y="4914511"/>
+            <a:ext cx="2562364" cy="307777"/>
+          </a:xfrm>
+          <a:prstGeom prst="rect">
+            <a:avLst/>
+          </a:prstGeom>
+          <a:noFill/>
+        </p:spPr>
+        <p:txBody>
+          <a:bodyPr wrap="square" rtlCol="0">
+            <a:spAutoFit/>
+          </a:bodyPr>
+          <a:lstStyle/>
+          <a:p>
+            <a:r>
+              <a:rPr kumimoji="1" lang="en-US" altLang="ja-JP" sz="1400" dirty="0"/>
+              <a:t>You’ve got to be tired</a:t>
+            </a:r>
+            <a:r>
+              <a:rPr kumimoji="1" lang="ja-JP" altLang="en-US" sz="1400" dirty="0"/>
+              <a:t>！</a:t>
+            </a:r>
+          </a:p>
+        </p:txBody>
+      </p:sp>
+    </p:spTree>
+    <p:extLst>
+      <p:ext uri="{BB962C8B-B14F-4D97-AF65-F5344CB8AC3E}">
+        <p14:creationId xmlns:p14="http://schemas.microsoft.com/office/powerpoint/2010/main" val="1378369134"/>
+      </p:ext>
+    </p:extLst>
+  </p:cSld>
+  <p:clrMapOvr>
+    <a:masterClrMapping/>
+  </p:clrMapOvr>
+</p:sld>
+</file>
+
+<file path=ppt/slides/slide9.xml><?xml version="1.0" encoding="utf-8"?>
+<p:sld xmlns:a="http://schemas.openxmlformats.org/drawingml/2006/main" xmlns:r="http://schemas.openxmlformats.org/officeDocument/2006/relationships" xmlns:p="http://schemas.openxmlformats.org/presentationml/2006/main">
+  <p:cSld>
+    <p:spTree>
+      <p:nvGrpSpPr>
+        <p:cNvPr id="1" name=""/>
+        <p:cNvGrpSpPr/>
+        <p:nvPr/>
+      </p:nvGrpSpPr>
+      <p:grpSpPr>
+        <a:xfrm>
+          <a:off x="0" y="0"/>
+          <a:ext cx="0" cy="0"/>
+          <a:chOff x="0" y="0"/>
+          <a:chExt cx="0" cy="0"/>
+        </a:xfrm>
+      </p:grpSpPr>
+      <p:sp>
+        <p:nvSpPr>
+          <p:cNvPr id="4" name="正方形/長方形 3">
+            <a:extLst>
+              <a:ext uri="{FF2B5EF4-FFF2-40B4-BE49-F238E27FC236}">
+                <a16:creationId xmlns:a16="http://schemas.microsoft.com/office/drawing/2014/main" id="{5B5E192D-A1F0-4BEE-9668-CECE31301453}"/>
               </a:ext>
             </a:extLst>
           </p:cNvPr>
@@ -10409,18 +12277,12 @@
         </p:nvSpPr>
         <p:spPr>
           <a:xfrm>
-            <a:off x="5014735" y="5484134"/>
-            <a:ext cx="2268638" cy="486136"/>
-          </a:xfrm>
-          <a:prstGeom prst="roundRect">
-            <a:avLst/>
-          </a:prstGeom>
-          <a:solidFill>
-            <a:schemeClr val="accent1">
-              <a:lumMod val="60000"/>
-              <a:lumOff val="40000"/>
-            </a:schemeClr>
-          </a:solidFill>
+            <a:off x="0" y="0"/>
+            <a:ext cx="12192000" cy="868101"/>
+          </a:xfrm>
+          <a:prstGeom prst="rect">
+            <a:avLst/>
+          </a:prstGeom>
           <a:ln>
             <a:noFill/>
           </a:ln>
@@ -10446,17 +12308,740 @@
           <a:lstStyle/>
           <a:p>
             <a:pPr algn="ctr"/>
-            <a:r>
-              <a:rPr kumimoji="1" lang="ja-JP" altLang="en-US" b="1" dirty="0"/>
-              <a:t>変更する</a:t>
-            </a:r>
+            <a:endParaRPr kumimoji="1" lang="ja-JP" altLang="en-US"/>
+          </a:p>
+        </p:txBody>
+      </p:sp>
+      <p:sp>
+        <p:nvSpPr>
+          <p:cNvPr id="6" name="テキスト ボックス 5">
+            <a:extLst>
+              <a:ext uri="{FF2B5EF4-FFF2-40B4-BE49-F238E27FC236}">
+                <a16:creationId xmlns:a16="http://schemas.microsoft.com/office/drawing/2014/main" id="{24492137-43AE-4FC9-8D70-BBBE850A1909}"/>
+              </a:ext>
+            </a:extLst>
+          </p:cNvPr>
+          <p:cNvSpPr txBox="1"/>
+          <p:nvPr/>
+        </p:nvSpPr>
+        <p:spPr>
+          <a:xfrm>
+            <a:off x="625033" y="172440"/>
+            <a:ext cx="2824223" cy="523220"/>
+          </a:xfrm>
+          <a:prstGeom prst="rect">
+            <a:avLst/>
+          </a:prstGeom>
+          <a:noFill/>
+        </p:spPr>
+        <p:txBody>
+          <a:bodyPr wrap="square" rtlCol="0">
+            <a:spAutoFit/>
+          </a:bodyPr>
+          <a:lstStyle/>
+          <a:p>
+            <a:r>
+              <a:rPr kumimoji="1" lang="en-US" altLang="ja-JP" sz="2800" b="1" dirty="0">
+                <a:solidFill>
+                  <a:schemeClr val="bg1"/>
+                </a:solidFill>
+              </a:rPr>
+              <a:t>HEALPY</a:t>
+            </a:r>
+            <a:endParaRPr kumimoji="1" lang="ja-JP" altLang="en-US" sz="2800" b="1" dirty="0">
+              <a:solidFill>
+                <a:schemeClr val="bg1"/>
+              </a:solidFill>
+            </a:endParaRPr>
+          </a:p>
+        </p:txBody>
+      </p:sp>
+      <p:pic>
+        <p:nvPicPr>
+          <p:cNvPr id="9" name="図 8">
+            <a:extLst>
+              <a:ext uri="{FF2B5EF4-FFF2-40B4-BE49-F238E27FC236}">
+                <a16:creationId xmlns:a16="http://schemas.microsoft.com/office/drawing/2014/main" id="{DC18CFA1-C217-4EAA-8D8C-DE07471FFF8C}"/>
+              </a:ext>
+            </a:extLst>
+          </p:cNvPr>
+          <p:cNvPicPr>
+            <a:picLocks noChangeAspect="1"/>
+          </p:cNvPicPr>
+          <p:nvPr/>
+        </p:nvPicPr>
+        <p:blipFill>
+          <a:blip r:embed="rId2">
+            <a:biLevel thresh="25000"/>
+            <a:extLst>
+              <a:ext uri="{28A0092B-C50C-407E-A947-70E740481C1C}">
+                <a14:useLocalDpi xmlns:a14="http://schemas.microsoft.com/office/drawing/2010/main" val="0"/>
+              </a:ext>
+            </a:extLst>
+          </a:blip>
+          <a:stretch>
+            <a:fillRect/>
+          </a:stretch>
+        </p:blipFill>
+        <p:spPr>
+          <a:xfrm>
+            <a:off x="11536101" y="302870"/>
+            <a:ext cx="392790" cy="392790"/>
+          </a:xfrm>
+          <a:prstGeom prst="rect">
+            <a:avLst/>
+          </a:prstGeom>
+        </p:spPr>
+      </p:pic>
+      <p:sp>
+        <p:nvSpPr>
+          <p:cNvPr id="10" name="テキスト ボックス 9">
+            <a:extLst>
+              <a:ext uri="{FF2B5EF4-FFF2-40B4-BE49-F238E27FC236}">
+                <a16:creationId xmlns:a16="http://schemas.microsoft.com/office/drawing/2014/main" id="{9935281B-B54F-4982-BECD-278051C5574F}"/>
+              </a:ext>
+            </a:extLst>
+          </p:cNvPr>
+          <p:cNvSpPr txBox="1"/>
+          <p:nvPr/>
+        </p:nvSpPr>
+        <p:spPr>
+          <a:xfrm>
+            <a:off x="6149054" y="434050"/>
+            <a:ext cx="891250" cy="338554"/>
+          </a:xfrm>
+          <a:prstGeom prst="rect">
+            <a:avLst/>
+          </a:prstGeom>
+          <a:noFill/>
+        </p:spPr>
+        <p:txBody>
+          <a:bodyPr wrap="square" rtlCol="0">
+            <a:spAutoFit/>
+          </a:bodyPr>
+          <a:lstStyle/>
+          <a:p>
+            <a:r>
+              <a:rPr kumimoji="1" lang="en-US" altLang="ja-JP" sz="1600" b="1" dirty="0">
+                <a:solidFill>
+                  <a:schemeClr val="bg1"/>
+                </a:solidFill>
+              </a:rPr>
+              <a:t>TOP</a:t>
+            </a:r>
+            <a:endParaRPr kumimoji="1" lang="ja-JP" altLang="en-US" sz="1600" b="1" dirty="0">
+              <a:solidFill>
+                <a:schemeClr val="bg1"/>
+              </a:solidFill>
+            </a:endParaRPr>
+          </a:p>
+        </p:txBody>
+      </p:sp>
+      <p:sp>
+        <p:nvSpPr>
+          <p:cNvPr id="11" name="テキスト ボックス 10">
+            <a:extLst>
+              <a:ext uri="{FF2B5EF4-FFF2-40B4-BE49-F238E27FC236}">
+                <a16:creationId xmlns:a16="http://schemas.microsoft.com/office/drawing/2014/main" id="{1C06A14A-AC86-4D80-A3EC-1AF5383A99A5}"/>
+              </a:ext>
+            </a:extLst>
+          </p:cNvPr>
+          <p:cNvSpPr txBox="1"/>
+          <p:nvPr/>
+        </p:nvSpPr>
+        <p:spPr>
+          <a:xfrm>
+            <a:off x="7040304" y="434050"/>
+            <a:ext cx="1840373" cy="338554"/>
+          </a:xfrm>
+          <a:prstGeom prst="rect">
+            <a:avLst/>
+          </a:prstGeom>
+          <a:noFill/>
+        </p:spPr>
+        <p:txBody>
+          <a:bodyPr wrap="square" rtlCol="0">
+            <a:spAutoFit/>
+          </a:bodyPr>
+          <a:lstStyle/>
+          <a:p>
+            <a:r>
+              <a:rPr kumimoji="1" lang="ja-JP" altLang="en-US" sz="1600" b="1" dirty="0">
+                <a:solidFill>
+                  <a:schemeClr val="bg1"/>
+                </a:solidFill>
+              </a:rPr>
+              <a:t>健康チェック</a:t>
+            </a:r>
+          </a:p>
+        </p:txBody>
+      </p:sp>
+      <p:sp>
+        <p:nvSpPr>
+          <p:cNvPr id="12" name="テキスト ボックス 11">
+            <a:extLst>
+              <a:ext uri="{FF2B5EF4-FFF2-40B4-BE49-F238E27FC236}">
+                <a16:creationId xmlns:a16="http://schemas.microsoft.com/office/drawing/2014/main" id="{438E1E90-0FBD-4658-9908-0C5629C9704A}"/>
+              </a:ext>
+            </a:extLst>
+          </p:cNvPr>
+          <p:cNvSpPr txBox="1"/>
+          <p:nvPr/>
+        </p:nvSpPr>
+        <p:spPr>
+          <a:xfrm>
+            <a:off x="8693768" y="434050"/>
+            <a:ext cx="891250" cy="338554"/>
+          </a:xfrm>
+          <a:prstGeom prst="rect">
+            <a:avLst/>
+          </a:prstGeom>
+          <a:noFill/>
+        </p:spPr>
+        <p:txBody>
+          <a:bodyPr wrap="square" rtlCol="0">
+            <a:spAutoFit/>
+          </a:bodyPr>
+          <a:lstStyle/>
+          <a:p>
+            <a:r>
+              <a:rPr kumimoji="1" lang="ja-JP" altLang="en-US" sz="1600" b="1" dirty="0">
+                <a:solidFill>
+                  <a:schemeClr val="bg1"/>
+                </a:solidFill>
+              </a:rPr>
+              <a:t>レシピ</a:t>
+            </a:r>
+          </a:p>
+        </p:txBody>
+      </p:sp>
+      <p:sp>
+        <p:nvSpPr>
+          <p:cNvPr id="13" name="テキスト ボックス 12">
+            <a:extLst>
+              <a:ext uri="{FF2B5EF4-FFF2-40B4-BE49-F238E27FC236}">
+                <a16:creationId xmlns:a16="http://schemas.microsoft.com/office/drawing/2014/main" id="{AD1550D3-4F22-4D88-A1B0-888372E2494A}"/>
+              </a:ext>
+            </a:extLst>
+          </p:cNvPr>
+          <p:cNvSpPr txBox="1"/>
+          <p:nvPr/>
+        </p:nvSpPr>
+        <p:spPr>
+          <a:xfrm>
+            <a:off x="9848127" y="413402"/>
+            <a:ext cx="1593446" cy="338554"/>
+          </a:xfrm>
+          <a:prstGeom prst="rect">
+            <a:avLst/>
+          </a:prstGeom>
+          <a:noFill/>
+        </p:spPr>
+        <p:txBody>
+          <a:bodyPr wrap="square" rtlCol="0">
+            <a:spAutoFit/>
+          </a:bodyPr>
+          <a:lstStyle/>
+          <a:p>
+            <a:r>
+              <a:rPr kumimoji="1" lang="ja-JP" altLang="en-US" sz="1600" b="1" dirty="0">
+                <a:solidFill>
+                  <a:schemeClr val="bg1"/>
+                </a:solidFill>
+              </a:rPr>
+              <a:t>マイページ</a:t>
+            </a:r>
+          </a:p>
+        </p:txBody>
+      </p:sp>
+      <p:sp>
+        <p:nvSpPr>
+          <p:cNvPr id="15" name="テキスト ボックス 14">
+            <a:extLst>
+              <a:ext uri="{FF2B5EF4-FFF2-40B4-BE49-F238E27FC236}">
+                <a16:creationId xmlns:a16="http://schemas.microsoft.com/office/drawing/2014/main" id="{1F3EE160-1F31-43B9-AC02-8FCA2AB6FF22}"/>
+              </a:ext>
+            </a:extLst>
+          </p:cNvPr>
+          <p:cNvSpPr txBox="1"/>
+          <p:nvPr/>
+        </p:nvSpPr>
+        <p:spPr>
+          <a:xfrm>
+            <a:off x="5053736" y="1478660"/>
+            <a:ext cx="2480157" cy="369332"/>
+          </a:xfrm>
+          <a:prstGeom prst="rect">
+            <a:avLst/>
+          </a:prstGeom>
+          <a:noFill/>
+        </p:spPr>
+        <p:txBody>
+          <a:bodyPr wrap="square" rtlCol="0">
+            <a:spAutoFit/>
+          </a:bodyPr>
+          <a:lstStyle/>
+          <a:p>
+            <a:r>
+              <a:rPr kumimoji="1" lang="ja-JP" altLang="en-US" dirty="0"/>
+              <a:t>おすすめレシピ</a:t>
+            </a:r>
+          </a:p>
+        </p:txBody>
+      </p:sp>
+      <p:cxnSp>
+        <p:nvCxnSpPr>
+          <p:cNvPr id="17" name="直線コネクタ 16">
+            <a:extLst>
+              <a:ext uri="{FF2B5EF4-FFF2-40B4-BE49-F238E27FC236}">
+                <a16:creationId xmlns:a16="http://schemas.microsoft.com/office/drawing/2014/main" id="{445CBDB6-5C5F-4A41-9AB1-938A280B7720}"/>
+              </a:ext>
+            </a:extLst>
+          </p:cNvPr>
+          <p:cNvCxnSpPr>
+            <a:cxnSpLocks/>
+          </p:cNvCxnSpPr>
+          <p:nvPr/>
+        </p:nvCxnSpPr>
+        <p:spPr>
+          <a:xfrm>
+            <a:off x="1192192" y="1943489"/>
+            <a:ext cx="9688011" cy="0"/>
+          </a:xfrm>
+          <a:prstGeom prst="line">
+            <a:avLst/>
+          </a:prstGeom>
+        </p:spPr>
+        <p:style>
+          <a:lnRef idx="1">
+            <a:schemeClr val="accent1"/>
+          </a:lnRef>
+          <a:fillRef idx="0">
+            <a:schemeClr val="accent1"/>
+          </a:fillRef>
+          <a:effectRef idx="0">
+            <a:schemeClr val="accent1"/>
+          </a:effectRef>
+          <a:fontRef idx="minor">
+            <a:schemeClr val="tx1"/>
+          </a:fontRef>
+        </p:style>
+      </p:cxnSp>
+      <p:sp>
+        <p:nvSpPr>
+          <p:cNvPr id="20" name="正方形/長方形 19">
+            <a:extLst>
+              <a:ext uri="{FF2B5EF4-FFF2-40B4-BE49-F238E27FC236}">
+                <a16:creationId xmlns:a16="http://schemas.microsoft.com/office/drawing/2014/main" id="{C9072788-EF8C-40A6-BCC2-90E23DEC89B4}"/>
+              </a:ext>
+            </a:extLst>
+          </p:cNvPr>
+          <p:cNvSpPr/>
+          <p:nvPr/>
+        </p:nvSpPr>
+        <p:spPr>
+          <a:xfrm>
+            <a:off x="0" y="6327388"/>
+            <a:ext cx="12192000" cy="530612"/>
+          </a:xfrm>
+          <a:prstGeom prst="rect">
+            <a:avLst/>
+          </a:prstGeom>
+          <a:ln>
+            <a:noFill/>
+          </a:ln>
+        </p:spPr>
+        <p:style>
+          <a:lnRef idx="2">
+            <a:schemeClr val="accent1">
+              <a:shade val="50000"/>
+            </a:schemeClr>
+          </a:lnRef>
+          <a:fillRef idx="1">
+            <a:schemeClr val="accent1"/>
+          </a:fillRef>
+          <a:effectRef idx="0">
+            <a:schemeClr val="accent1"/>
+          </a:effectRef>
+          <a:fontRef idx="minor">
+            <a:schemeClr val="lt1"/>
+          </a:fontRef>
+        </p:style>
+        <p:txBody>
+          <a:bodyPr rtlCol="0" anchor="ctr"/>
+          <a:lstStyle/>
+          <a:p>
+            <a:pPr algn="ctr"/>
+            <a:endParaRPr kumimoji="1" lang="ja-JP" altLang="en-US"/>
+          </a:p>
+        </p:txBody>
+      </p:sp>
+      <p:sp>
+        <p:nvSpPr>
+          <p:cNvPr id="21" name="テキスト ボックス 20">
+            <a:extLst>
+              <a:ext uri="{FF2B5EF4-FFF2-40B4-BE49-F238E27FC236}">
+                <a16:creationId xmlns:a16="http://schemas.microsoft.com/office/drawing/2014/main" id="{AC67675B-023A-46E8-B64B-9CD43D16825B}"/>
+              </a:ext>
+            </a:extLst>
+          </p:cNvPr>
+          <p:cNvSpPr txBox="1"/>
+          <p:nvPr/>
+        </p:nvSpPr>
+        <p:spPr>
+          <a:xfrm>
+            <a:off x="7451025" y="6443432"/>
+            <a:ext cx="1695917" cy="276999"/>
+          </a:xfrm>
+          <a:prstGeom prst="rect">
+            <a:avLst/>
+          </a:prstGeom>
+          <a:noFill/>
+        </p:spPr>
+        <p:txBody>
+          <a:bodyPr wrap="square" rtlCol="0">
+            <a:spAutoFit/>
+          </a:bodyPr>
+          <a:lstStyle/>
+          <a:p>
+            <a:r>
+              <a:rPr kumimoji="1" lang="ja-JP" altLang="en-US" sz="1200" dirty="0">
+                <a:solidFill>
+                  <a:schemeClr val="bg1"/>
+                </a:solidFill>
+              </a:rPr>
+              <a:t>利用規約</a:t>
+            </a:r>
+          </a:p>
+        </p:txBody>
+      </p:sp>
+      <p:sp>
+        <p:nvSpPr>
+          <p:cNvPr id="22" name="テキスト ボックス 21">
+            <a:extLst>
+              <a:ext uri="{FF2B5EF4-FFF2-40B4-BE49-F238E27FC236}">
+                <a16:creationId xmlns:a16="http://schemas.microsoft.com/office/drawing/2014/main" id="{73BA08FE-0562-4AA5-B705-3A4B42B6DBEA}"/>
+              </a:ext>
+            </a:extLst>
+          </p:cNvPr>
+          <p:cNvSpPr txBox="1"/>
+          <p:nvPr/>
+        </p:nvSpPr>
+        <p:spPr>
+          <a:xfrm>
+            <a:off x="8563824" y="6453889"/>
+            <a:ext cx="2515377" cy="276999"/>
+          </a:xfrm>
+          <a:prstGeom prst="rect">
+            <a:avLst/>
+          </a:prstGeom>
+          <a:noFill/>
+        </p:spPr>
+        <p:txBody>
+          <a:bodyPr wrap="square" rtlCol="0">
+            <a:spAutoFit/>
+          </a:bodyPr>
+          <a:lstStyle/>
+          <a:p>
+            <a:r>
+              <a:rPr kumimoji="1" lang="ja-JP" altLang="en-US" sz="1200" dirty="0">
+                <a:solidFill>
+                  <a:schemeClr val="bg1"/>
+                </a:solidFill>
+              </a:rPr>
+              <a:t>プライバシーポリシー</a:t>
+            </a:r>
+          </a:p>
+        </p:txBody>
+      </p:sp>
+      <p:sp>
+        <p:nvSpPr>
+          <p:cNvPr id="23" name="テキスト ボックス 22">
+            <a:extLst>
+              <a:ext uri="{FF2B5EF4-FFF2-40B4-BE49-F238E27FC236}">
+                <a16:creationId xmlns:a16="http://schemas.microsoft.com/office/drawing/2014/main" id="{95920364-145E-4633-85DB-876D7E7CE75B}"/>
+              </a:ext>
+            </a:extLst>
+          </p:cNvPr>
+          <p:cNvSpPr txBox="1"/>
+          <p:nvPr/>
+        </p:nvSpPr>
+        <p:spPr>
+          <a:xfrm>
+            <a:off x="10644850" y="6464346"/>
+            <a:ext cx="1695917" cy="276999"/>
+          </a:xfrm>
+          <a:prstGeom prst="rect">
+            <a:avLst/>
+          </a:prstGeom>
+          <a:noFill/>
+        </p:spPr>
+        <p:txBody>
+          <a:bodyPr wrap="square" rtlCol="0">
+            <a:spAutoFit/>
+          </a:bodyPr>
+          <a:lstStyle/>
+          <a:p>
+            <a:r>
+              <a:rPr kumimoji="1" lang="ja-JP" altLang="en-US" sz="1200" dirty="0">
+                <a:solidFill>
+                  <a:schemeClr val="bg1"/>
+                </a:solidFill>
+              </a:rPr>
+              <a:t>運営会社</a:t>
+            </a:r>
+          </a:p>
+        </p:txBody>
+      </p:sp>
+      <p:sp>
+        <p:nvSpPr>
+          <p:cNvPr id="3" name="正方形/長方形 2">
+            <a:extLst>
+              <a:ext uri="{FF2B5EF4-FFF2-40B4-BE49-F238E27FC236}">
+                <a16:creationId xmlns:a16="http://schemas.microsoft.com/office/drawing/2014/main" id="{FA0E5EA6-1AB6-4150-8D05-AC711CAABC09}"/>
+              </a:ext>
+            </a:extLst>
+          </p:cNvPr>
+          <p:cNvSpPr/>
+          <p:nvPr/>
+        </p:nvSpPr>
+        <p:spPr>
+          <a:xfrm>
+            <a:off x="7282704" y="2923380"/>
+            <a:ext cx="2822128" cy="3073737"/>
+          </a:xfrm>
+          <a:prstGeom prst="rect">
+            <a:avLst/>
+          </a:prstGeom>
+          <a:solidFill>
+            <a:schemeClr val="bg2"/>
+          </a:solidFill>
+          <a:ln>
+            <a:noFill/>
+          </a:ln>
+        </p:spPr>
+        <p:style>
+          <a:lnRef idx="2">
+            <a:schemeClr val="accent1">
+              <a:shade val="50000"/>
+            </a:schemeClr>
+          </a:lnRef>
+          <a:fillRef idx="1">
+            <a:schemeClr val="accent1"/>
+          </a:fillRef>
+          <a:effectRef idx="0">
+            <a:schemeClr val="accent1"/>
+          </a:effectRef>
+          <a:fontRef idx="minor">
+            <a:schemeClr val="lt1"/>
+          </a:fontRef>
+        </p:style>
+        <p:txBody>
+          <a:bodyPr rtlCol="0" anchor="ctr"/>
+          <a:lstStyle/>
+          <a:p>
+            <a:pPr algn="ctr"/>
+            <a:endParaRPr kumimoji="1" lang="ja-JP" altLang="en-US"/>
+          </a:p>
+        </p:txBody>
+      </p:sp>
+      <p:sp>
+        <p:nvSpPr>
+          <p:cNvPr id="25" name="テキスト ボックス 24">
+            <a:extLst>
+              <a:ext uri="{FF2B5EF4-FFF2-40B4-BE49-F238E27FC236}">
+                <a16:creationId xmlns:a16="http://schemas.microsoft.com/office/drawing/2014/main" id="{60A20058-568C-47BE-BCE9-7CD523D3DD1E}"/>
+              </a:ext>
+            </a:extLst>
+          </p:cNvPr>
+          <p:cNvSpPr txBox="1"/>
+          <p:nvPr/>
+        </p:nvSpPr>
+        <p:spPr>
+          <a:xfrm>
+            <a:off x="2950026" y="2287444"/>
+            <a:ext cx="2480157" cy="400110"/>
+          </a:xfrm>
+          <a:prstGeom prst="rect">
+            <a:avLst/>
+          </a:prstGeom>
+          <a:noFill/>
+        </p:spPr>
+        <p:txBody>
+          <a:bodyPr wrap="square" rtlCol="0">
+            <a:spAutoFit/>
+          </a:bodyPr>
+          <a:lstStyle/>
+          <a:p>
+            <a:r>
+              <a:rPr kumimoji="1" lang="ja-JP" altLang="en-US" sz="2000" dirty="0"/>
+              <a:t>レシピ名</a:t>
+            </a:r>
+            <a:endParaRPr kumimoji="1" lang="ja-JP" altLang="en-US" sz="2400" dirty="0"/>
+          </a:p>
+        </p:txBody>
+      </p:sp>
+      <p:sp>
+        <p:nvSpPr>
+          <p:cNvPr id="26" name="テキスト ボックス 25">
+            <a:extLst>
+              <a:ext uri="{FF2B5EF4-FFF2-40B4-BE49-F238E27FC236}">
+                <a16:creationId xmlns:a16="http://schemas.microsoft.com/office/drawing/2014/main" id="{40ED1E99-2B39-4F0C-9509-A03296D55B36}"/>
+              </a:ext>
+            </a:extLst>
+          </p:cNvPr>
+          <p:cNvSpPr txBox="1"/>
+          <p:nvPr/>
+        </p:nvSpPr>
+        <p:spPr>
+          <a:xfrm>
+            <a:off x="3100613" y="2817091"/>
+            <a:ext cx="2480157" cy="3416320"/>
+          </a:xfrm>
+          <a:prstGeom prst="rect">
+            <a:avLst/>
+          </a:prstGeom>
+          <a:noFill/>
+        </p:spPr>
+        <p:txBody>
+          <a:bodyPr wrap="square" rtlCol="0">
+            <a:spAutoFit/>
+          </a:bodyPr>
+          <a:lstStyle/>
+          <a:p>
+            <a:r>
+              <a:rPr lang="ja-JP" altLang="en-US" dirty="0"/>
+              <a:t>材料</a:t>
+            </a:r>
+            <a:endParaRPr lang="en-US" altLang="ja-JP" dirty="0"/>
+          </a:p>
+          <a:p>
+            <a:r>
+              <a:rPr lang="ja-JP" altLang="en-US" dirty="0"/>
+              <a:t>　</a:t>
+            </a:r>
+            <a:r>
+              <a:rPr lang="en-US" altLang="ja-JP" dirty="0"/>
+              <a:t>1.</a:t>
+            </a:r>
+            <a:r>
+              <a:rPr lang="ja-JP" altLang="en-US" dirty="0"/>
+              <a:t>　 ○○〇</a:t>
+            </a:r>
+            <a:endParaRPr lang="en-US" altLang="ja-JP" dirty="0"/>
+          </a:p>
+          <a:p>
+            <a:r>
+              <a:rPr lang="ja-JP" altLang="en-US" dirty="0"/>
+              <a:t>　</a:t>
+            </a:r>
+            <a:r>
+              <a:rPr lang="en-US" altLang="ja-JP" dirty="0"/>
+              <a:t>2.</a:t>
+            </a:r>
+            <a:r>
+              <a:rPr lang="ja-JP" altLang="en-US" dirty="0"/>
+              <a:t> 　○○〇</a:t>
+            </a:r>
+            <a:endParaRPr lang="en-US" altLang="ja-JP" dirty="0"/>
+          </a:p>
+          <a:p>
+            <a:r>
+              <a:rPr lang="ja-JP" altLang="en-US" dirty="0"/>
+              <a:t>　</a:t>
+            </a:r>
+            <a:r>
+              <a:rPr lang="en-US" altLang="ja-JP" dirty="0"/>
+              <a:t>3.</a:t>
+            </a:r>
+            <a:r>
+              <a:rPr lang="ja-JP" altLang="en-US" dirty="0"/>
+              <a:t> 　○○〇</a:t>
+            </a:r>
+            <a:endParaRPr lang="en-US" altLang="ja-JP" dirty="0"/>
+          </a:p>
+          <a:p>
+            <a:r>
+              <a:rPr lang="ja-JP" altLang="en-US" dirty="0"/>
+              <a:t>　</a:t>
+            </a:r>
+            <a:r>
+              <a:rPr lang="en-US" altLang="ja-JP" dirty="0"/>
+              <a:t>4.</a:t>
+            </a:r>
+            <a:r>
+              <a:rPr lang="ja-JP" altLang="en-US" dirty="0"/>
+              <a:t> 　○○〇</a:t>
+            </a:r>
+            <a:endParaRPr lang="en-US" altLang="ja-JP" dirty="0"/>
+          </a:p>
+          <a:p>
+            <a:endParaRPr lang="en-US" altLang="ja-JP" dirty="0"/>
+          </a:p>
+          <a:p>
+            <a:endParaRPr lang="en-US" altLang="ja-JP" dirty="0"/>
+          </a:p>
+          <a:p>
+            <a:r>
+              <a:rPr kumimoji="1" lang="ja-JP" altLang="en-US" dirty="0"/>
+              <a:t>作り方</a:t>
+            </a:r>
+            <a:endParaRPr kumimoji="1" lang="en-US" altLang="ja-JP" dirty="0"/>
+          </a:p>
+          <a:p>
+            <a:r>
+              <a:rPr lang="ja-JP" altLang="en-US" dirty="0"/>
+              <a:t>　</a:t>
+            </a:r>
+            <a:r>
+              <a:rPr lang="en-US" altLang="ja-JP" dirty="0"/>
+              <a:t>1.</a:t>
+            </a:r>
+            <a:r>
+              <a:rPr lang="ja-JP" altLang="en-US" dirty="0"/>
+              <a:t> 　 ○○〇○○〇</a:t>
+            </a:r>
+            <a:endParaRPr lang="en-US" altLang="ja-JP" dirty="0"/>
+          </a:p>
+          <a:p>
+            <a:r>
+              <a:rPr lang="ja-JP" altLang="en-US" dirty="0"/>
+              <a:t>　</a:t>
+            </a:r>
+            <a:r>
+              <a:rPr lang="en-US" altLang="ja-JP" dirty="0"/>
+              <a:t>2.</a:t>
+            </a:r>
+            <a:r>
+              <a:rPr lang="ja-JP" altLang="en-US" dirty="0"/>
+              <a:t> 　 ○○〇○○〇</a:t>
+            </a:r>
+            <a:endParaRPr lang="en-US" altLang="ja-JP" dirty="0"/>
+          </a:p>
+          <a:p>
+            <a:r>
+              <a:rPr lang="ja-JP" altLang="en-US" dirty="0"/>
+              <a:t>　</a:t>
+            </a:r>
+            <a:r>
+              <a:rPr lang="en-US" altLang="ja-JP" dirty="0"/>
+              <a:t>3.</a:t>
+            </a:r>
+            <a:r>
+              <a:rPr lang="ja-JP" altLang="en-US" dirty="0"/>
+              <a:t> 　 ○○〇○○〇</a:t>
+            </a:r>
+            <a:endParaRPr lang="en-US" altLang="ja-JP" dirty="0"/>
+          </a:p>
+          <a:p>
+            <a:endParaRPr kumimoji="1" lang="ja-JP" altLang="en-US" dirty="0"/>
           </a:p>
         </p:txBody>
       </p:sp>
     </p:spTree>
     <p:extLst>
       <p:ext uri="{BB962C8B-B14F-4D97-AF65-F5344CB8AC3E}">
-        <p14:creationId xmlns:p14="http://schemas.microsoft.com/office/powerpoint/2010/main" val="2408978874"/>
+        <p14:creationId xmlns:p14="http://schemas.microsoft.com/office/powerpoint/2010/main" val="4027028981"/>
       </p:ext>
     </p:extLst>
   </p:cSld>

--- a/詳細設計/画面設計.pptx
+++ b/詳細設計/画面設計.pptx
@@ -1088,7 +1088,7 @@
           <a:p>
             <a:fld id="{1CFD0753-5484-4749-A1E1-B3ABB4ADABD0}" type="datetimeFigureOut">
               <a:rPr kumimoji="1" lang="ja-JP" altLang="en-US" smtClean="0"/>
-              <a:t>2021/5/18</a:t>
+              <a:t>2021/5/19</a:t>
             </a:fld>
             <a:endParaRPr kumimoji="1" lang="ja-JP" altLang="en-US"/>
           </a:p>
@@ -1318,7 +1318,7 @@
           <a:p>
             <a:fld id="{1CFD0753-5484-4749-A1E1-B3ABB4ADABD0}" type="datetimeFigureOut">
               <a:rPr kumimoji="1" lang="ja-JP" altLang="en-US" smtClean="0"/>
-              <a:t>2021/5/18</a:t>
+              <a:t>2021/5/19</a:t>
             </a:fld>
             <a:endParaRPr kumimoji="1" lang="ja-JP" altLang="en-US"/>
           </a:p>
@@ -1558,7 +1558,7 @@
           <a:p>
             <a:fld id="{1CFD0753-5484-4749-A1E1-B3ABB4ADABD0}" type="datetimeFigureOut">
               <a:rPr kumimoji="1" lang="ja-JP" altLang="en-US" smtClean="0"/>
-              <a:t>2021/5/18</a:t>
+              <a:t>2021/5/19</a:t>
             </a:fld>
             <a:endParaRPr kumimoji="1" lang="ja-JP" altLang="en-US"/>
           </a:p>
@@ -1788,7 +1788,7 @@
           <a:p>
             <a:fld id="{1CFD0753-5484-4749-A1E1-B3ABB4ADABD0}" type="datetimeFigureOut">
               <a:rPr kumimoji="1" lang="ja-JP" altLang="en-US" smtClean="0"/>
-              <a:t>2021/5/18</a:t>
+              <a:t>2021/5/19</a:t>
             </a:fld>
             <a:endParaRPr kumimoji="1" lang="ja-JP" altLang="en-US"/>
           </a:p>
@@ -2063,7 +2063,7 @@
           <a:p>
             <a:fld id="{1CFD0753-5484-4749-A1E1-B3ABB4ADABD0}" type="datetimeFigureOut">
               <a:rPr kumimoji="1" lang="ja-JP" altLang="en-US" smtClean="0"/>
-              <a:t>2021/5/18</a:t>
+              <a:t>2021/5/19</a:t>
             </a:fld>
             <a:endParaRPr kumimoji="1" lang="ja-JP" altLang="en-US"/>
           </a:p>
@@ -2392,7 +2392,7 @@
           <a:p>
             <a:fld id="{1CFD0753-5484-4749-A1E1-B3ABB4ADABD0}" type="datetimeFigureOut">
               <a:rPr kumimoji="1" lang="ja-JP" altLang="en-US" smtClean="0"/>
-              <a:t>2021/5/18</a:t>
+              <a:t>2021/5/19</a:t>
             </a:fld>
             <a:endParaRPr kumimoji="1" lang="ja-JP" altLang="en-US"/>
           </a:p>
@@ -2868,7 +2868,7 @@
           <a:p>
             <a:fld id="{1CFD0753-5484-4749-A1E1-B3ABB4ADABD0}" type="datetimeFigureOut">
               <a:rPr kumimoji="1" lang="ja-JP" altLang="en-US" smtClean="0"/>
-              <a:t>2021/5/18</a:t>
+              <a:t>2021/5/19</a:t>
             </a:fld>
             <a:endParaRPr kumimoji="1" lang="ja-JP" altLang="en-US"/>
           </a:p>
@@ -3009,7 +3009,7 @@
           <a:p>
             <a:fld id="{1CFD0753-5484-4749-A1E1-B3ABB4ADABD0}" type="datetimeFigureOut">
               <a:rPr kumimoji="1" lang="ja-JP" altLang="en-US" smtClean="0"/>
-              <a:t>2021/5/18</a:t>
+              <a:t>2021/5/19</a:t>
             </a:fld>
             <a:endParaRPr kumimoji="1" lang="ja-JP" altLang="en-US"/>
           </a:p>
@@ -3122,7 +3122,7 @@
           <a:p>
             <a:fld id="{1CFD0753-5484-4749-A1E1-B3ABB4ADABD0}" type="datetimeFigureOut">
               <a:rPr kumimoji="1" lang="ja-JP" altLang="en-US" smtClean="0"/>
-              <a:t>2021/5/18</a:t>
+              <a:t>2021/5/19</a:t>
             </a:fld>
             <a:endParaRPr kumimoji="1" lang="ja-JP" altLang="en-US"/>
           </a:p>
@@ -3465,7 +3465,7 @@
           <a:p>
             <a:fld id="{1CFD0753-5484-4749-A1E1-B3ABB4ADABD0}" type="datetimeFigureOut">
               <a:rPr kumimoji="1" lang="ja-JP" altLang="en-US" smtClean="0"/>
-              <a:t>2021/5/18</a:t>
+              <a:t>2021/5/19</a:t>
             </a:fld>
             <a:endParaRPr kumimoji="1" lang="ja-JP" altLang="en-US"/>
           </a:p>
@@ -3753,7 +3753,7 @@
           <a:p>
             <a:fld id="{1CFD0753-5484-4749-A1E1-B3ABB4ADABD0}" type="datetimeFigureOut">
               <a:rPr kumimoji="1" lang="ja-JP" altLang="en-US" smtClean="0"/>
-              <a:t>2021/5/18</a:t>
+              <a:t>2021/5/19</a:t>
             </a:fld>
             <a:endParaRPr kumimoji="1" lang="ja-JP" altLang="en-US"/>
           </a:p>
@@ -4026,7 +4026,7 @@
           <a:p>
             <a:fld id="{1CFD0753-5484-4749-A1E1-B3ABB4ADABD0}" type="datetimeFigureOut">
               <a:rPr kumimoji="1" lang="ja-JP" altLang="en-US" smtClean="0"/>
-              <a:t>2021/5/18</a:t>
+              <a:t>2021/5/19</a:t>
             </a:fld>
             <a:endParaRPr kumimoji="1" lang="ja-JP" altLang="en-US"/>
           </a:p>
@@ -12115,7 +12115,7 @@
         </p:nvSpPr>
         <p:spPr>
           <a:xfrm>
-            <a:off x="4986681" y="2776189"/>
+            <a:off x="3449256" y="3120819"/>
             <a:ext cx="2324746" cy="369332"/>
           </a:xfrm>
           <a:prstGeom prst="rect">
@@ -12152,7 +12152,7 @@
         </p:nvSpPr>
         <p:spPr>
           <a:xfrm>
-            <a:off x="5378212" y="3327291"/>
+            <a:off x="6808659" y="2782008"/>
             <a:ext cx="1662092" cy="923330"/>
           </a:xfrm>
           <a:prstGeom prst="rect">
@@ -12208,7 +12208,7 @@
         </p:nvSpPr>
         <p:spPr>
           <a:xfrm>
-            <a:off x="5219462" y="4914511"/>
+            <a:off x="5077341" y="5651690"/>
             <a:ext cx="2562364" cy="307777"/>
           </a:xfrm>
           <a:prstGeom prst="rect">
@@ -12230,6 +12230,107 @@
               <a:rPr kumimoji="1" lang="ja-JP" altLang="en-US" sz="1400" dirty="0"/>
               <a:t>！</a:t>
             </a:r>
+          </a:p>
+        </p:txBody>
+      </p:sp>
+      <p:sp>
+        <p:nvSpPr>
+          <p:cNvPr id="18" name="テキスト ボックス 17">
+            <a:extLst>
+              <a:ext uri="{FF2B5EF4-FFF2-40B4-BE49-F238E27FC236}">
+                <a16:creationId xmlns:a16="http://schemas.microsoft.com/office/drawing/2014/main" id="{BA6F0AE1-82BC-4DF1-8945-55554DBAF4B0}"/>
+              </a:ext>
+            </a:extLst>
+          </p:cNvPr>
+          <p:cNvSpPr txBox="1"/>
+          <p:nvPr/>
+        </p:nvSpPr>
+        <p:spPr>
+          <a:xfrm>
+            <a:off x="3449256" y="4300369"/>
+            <a:ext cx="2324746" cy="369332"/>
+          </a:xfrm>
+          <a:prstGeom prst="rect">
+            <a:avLst/>
+          </a:prstGeom>
+          <a:noFill/>
+        </p:spPr>
+        <p:txBody>
+          <a:bodyPr wrap="square" rtlCol="0">
+            <a:spAutoFit/>
+          </a:bodyPr>
+          <a:lstStyle/>
+          <a:p>
+            <a:pPr algn="ctr"/>
+            <a:r>
+              <a:rPr lang="ja-JP" altLang="en-US" dirty="0"/>
+              <a:t>今日の消費カロリー</a:t>
+            </a:r>
+            <a:endParaRPr lang="en-US" altLang="ja-JP" dirty="0"/>
+          </a:p>
+        </p:txBody>
+      </p:sp>
+      <p:sp>
+        <p:nvSpPr>
+          <p:cNvPr id="19" name="テキスト ボックス 18">
+            <a:extLst>
+              <a:ext uri="{FF2B5EF4-FFF2-40B4-BE49-F238E27FC236}">
+                <a16:creationId xmlns:a16="http://schemas.microsoft.com/office/drawing/2014/main" id="{0E8E8CCF-B737-40E4-B4B4-9C0CDE7787F8}"/>
+              </a:ext>
+            </a:extLst>
+          </p:cNvPr>
+          <p:cNvSpPr txBox="1"/>
+          <p:nvPr/>
+        </p:nvSpPr>
+        <p:spPr>
+          <a:xfrm>
+            <a:off x="6149054" y="3985440"/>
+            <a:ext cx="3033212" cy="923330"/>
+          </a:xfrm>
+          <a:prstGeom prst="rect">
+            <a:avLst/>
+          </a:prstGeom>
+        </p:spPr>
+        <p:style>
+          <a:lnRef idx="2">
+            <a:schemeClr val="accent3"/>
+          </a:lnRef>
+          <a:fillRef idx="1">
+            <a:schemeClr val="lt1"/>
+          </a:fillRef>
+          <a:effectRef idx="0">
+            <a:schemeClr val="accent3"/>
+          </a:effectRef>
+          <a:fontRef idx="minor">
+            <a:schemeClr val="dk1"/>
+          </a:fontRef>
+        </p:style>
+        <p:txBody>
+          <a:bodyPr wrap="square" rtlCol="0">
+            <a:spAutoFit/>
+          </a:bodyPr>
+          <a:lstStyle/>
+          <a:p>
+            <a:pPr algn="ctr"/>
+            <a:r>
+              <a:rPr kumimoji="1" lang="en-US" altLang="ja-JP" sz="5400" b="1" dirty="0">
+                <a:solidFill>
+                  <a:schemeClr val="accent1">
+                    <a:lumMod val="60000"/>
+                    <a:lumOff val="40000"/>
+                  </a:schemeClr>
+                </a:solidFill>
+              </a:rPr>
+              <a:t>200kcal</a:t>
+            </a:r>
+            <a:endParaRPr kumimoji="1" lang="ja-JP" altLang="en-US" sz="5400" b="1" dirty="0">
+              <a:solidFill>
+                <a:schemeClr val="accent1">
+                  <a:lumMod val="60000"/>
+                  <a:lumOff val="40000"/>
+                </a:schemeClr>
+              </a:solidFill>
+            </a:endParaRPr>
           </a:p>
         </p:txBody>
       </p:sp>
